--- a/Презентация ВКР ВО.pptx
+++ b/Презентация ВКР ВО.pptx
@@ -4,6 +4,9 @@
   <p:sldMasterIdLst>
     <p:sldMasterId id="2147483648" r:id="rId1"/>
   </p:sldMasterIdLst>
+  <p:notesMasterIdLst>
+    <p:notesMasterId r:id="rId12"/>
+  </p:notesMasterIdLst>
   <p:sldIdLst>
     <p:sldId id="256" r:id="rId2"/>
     <p:sldId id="257" r:id="rId3"/>
@@ -11,6 +14,10 @@
     <p:sldId id="259" r:id="rId5"/>
     <p:sldId id="260" r:id="rId6"/>
     <p:sldId id="261" r:id="rId7"/>
+    <p:sldId id="265" r:id="rId8"/>
+    <p:sldId id="262" r:id="rId9"/>
+    <p:sldId id="263" r:id="rId10"/>
+    <p:sldId id="264" r:id="rId11"/>
   </p:sldIdLst>
   <p:sldSz cx="12192000" cy="6858000"/>
   <p:notesSz cx="6858000" cy="9144000"/>
@@ -109,12 +116,17 @@
       </a:defRPr>
     </a:lvl9pPr>
   </p:defaultTextStyle>
+  <p:extLst>
+    <p:ext uri="{EFAFB233-063F-42B5-8137-9DF3F51BA10A}">
+      <p15:sldGuideLst xmlns:p15="http://schemas.microsoft.com/office/powerpoint/2012/main"/>
+    </p:ext>
+  </p:extLst>
 </p:presentation>
 </file>
 
 <file path=ppt/commentAuthors.xml><?xml version="1.0" encoding="utf-8"?>
 <p:cmAuthorLst xmlns:a="http://schemas.openxmlformats.org/drawingml/2006/main" xmlns:r="http://schemas.openxmlformats.org/officeDocument/2006/relationships" xmlns:p="http://schemas.openxmlformats.org/presentationml/2006/main">
-  <p:cmAuthor id="1" name="Danik Tropin" initials="DT" lastIdx="4" clrIdx="0">
+  <p:cmAuthor id="1" name="Danik Tropin" initials="DT" lastIdx="8" clrIdx="0">
     <p:extLst>
       <p:ext uri="{19B8F6BF-5375-455C-9EA6-DF929625EA0E}">
         <p15:presenceInfo xmlns:p15="http://schemas.microsoft.com/office/powerpoint/2012/main" userId="a033a1509fe78947" providerId="Windows Live"/>
@@ -164,6 +176,15 @@
       </p:ext>
     </p:extLst>
   </p:cm>
+  <p:cm authorId="1" dt="2025-05-27T13:21:49.115" idx="8">
+    <p:pos x="146" y="146"/>
+    <p:text>Наверное много текста, можно сократить</p:text>
+    <p:extLst>
+      <p:ext uri="{C676402C-5697-4E1C-873F-D02D1690AC5C}">
+        <p15:threadingInfo xmlns:p15="http://schemas.microsoft.com/office/powerpoint/2012/main" timeZoneBias="-420"/>
+      </p:ext>
+    </p:extLst>
+  </p:cm>
 </p:cmLst>
 </file>
 
@@ -179,6 +200,589 @@
     </p:extLst>
   </p:cm>
 </p:cmLst>
+</file>
+
+<file path=ppt/comments/comment5.xml><?xml version="1.0" encoding="utf-8"?>
+<p:cmLst xmlns:a="http://schemas.openxmlformats.org/drawingml/2006/main" xmlns:r="http://schemas.openxmlformats.org/officeDocument/2006/relationships" xmlns:p="http://schemas.openxmlformats.org/presentationml/2006/main">
+  <p:cm authorId="1" dt="2025-05-27T13:02:09.071" idx="5">
+    <p:pos x="10" y="10"/>
+    <p:text>На словах расскажу кратко про IDE представленные в сравнительном анализе</p:text>
+    <p:extLst>
+      <p:ext uri="{C676402C-5697-4E1C-873F-D02D1690AC5C}">
+        <p15:threadingInfo xmlns:p15="http://schemas.microsoft.com/office/powerpoint/2012/main" timeZoneBias="-420"/>
+      </p:ext>
+    </p:extLst>
+  </p:cm>
+</p:cmLst>
+</file>
+
+<file path=ppt/comments/comment6.xml><?xml version="1.0" encoding="utf-8"?>
+<p:cmLst xmlns:a="http://schemas.openxmlformats.org/drawingml/2006/main" xmlns:r="http://schemas.openxmlformats.org/officeDocument/2006/relationships" xmlns:p="http://schemas.openxmlformats.org/presentationml/2006/main">
+  <p:cm authorId="1" dt="2025-05-27T13:09:55.557" idx="6">
+    <p:pos x="10" y="10"/>
+    <p:text>По хронологии диплома, следом должен пойти слайд про выбранную БД, но я решил пропустить, чтобы уложиться в тайминг выступления...</p:text>
+    <p:extLst>
+      <p:ext uri="{C676402C-5697-4E1C-873F-D02D1690AC5C}">
+        <p15:threadingInfo xmlns:p15="http://schemas.microsoft.com/office/powerpoint/2012/main" timeZoneBias="-420"/>
+      </p:ext>
+    </p:extLst>
+  </p:cm>
+</p:cmLst>
+</file>
+
+<file path=ppt/comments/comment7.xml><?xml version="1.0" encoding="utf-8"?>
+<p:cmLst xmlns:a="http://schemas.openxmlformats.org/drawingml/2006/main" xmlns:r="http://schemas.openxmlformats.org/officeDocument/2006/relationships" xmlns:p="http://schemas.openxmlformats.org/presentationml/2006/main">
+  <p:cm authorId="1" dt="2025-05-27T13:09:55.557" idx="7">
+    <p:pos x="10" y="10"/>
+    <p:text>По хронологии диплома, следом должен пойти слайд про выбранную БД, но я решил пропустить, чтобы уложиться в тайминг выступления...</p:text>
+    <p:extLst>
+      <p:ext uri="{C676402C-5697-4E1C-873F-D02D1690AC5C}">
+        <p15:threadingInfo xmlns:p15="http://schemas.microsoft.com/office/powerpoint/2012/main" timeZoneBias="-420"/>
+      </p:ext>
+    </p:extLst>
+  </p:cm>
+</p:cmLst>
+</file>
+
+<file path=ppt/notesMasters/notesMaster1.xml><?xml version="1.0" encoding="utf-8"?>
+<p:notesMaster xmlns:a="http://schemas.openxmlformats.org/drawingml/2006/main" xmlns:r="http://schemas.openxmlformats.org/officeDocument/2006/relationships" xmlns:p="http://schemas.openxmlformats.org/presentationml/2006/main">
+  <p:cSld>
+    <p:bg>
+      <p:bgRef idx="1001">
+        <a:schemeClr val="bg1"/>
+      </p:bgRef>
+    </p:bg>
+    <p:spTree>
+      <p:nvGrpSpPr>
+        <p:cNvPr id="1" name=""/>
+        <p:cNvGrpSpPr/>
+        <p:nvPr/>
+      </p:nvGrpSpPr>
+      <p:grpSpPr>
+        <a:xfrm>
+          <a:off x="0" y="0"/>
+          <a:ext cx="0" cy="0"/>
+          <a:chOff x="0" y="0"/>
+          <a:chExt cx="0" cy="0"/>
+        </a:xfrm>
+      </p:grpSpPr>
+      <p:sp>
+        <p:nvSpPr>
+          <p:cNvPr id="2" name="Верхний колонтитул 1"/>
+          <p:cNvSpPr>
+            <a:spLocks noGrp="1"/>
+          </p:cNvSpPr>
+          <p:nvPr>
+            <p:ph type="hdr" sz="quarter"/>
+          </p:nvPr>
+        </p:nvSpPr>
+        <p:spPr>
+          <a:xfrm>
+            <a:off x="0" y="0"/>
+            <a:ext cx="2971800" cy="458788"/>
+          </a:xfrm>
+          <a:prstGeom prst="rect">
+            <a:avLst/>
+          </a:prstGeom>
+        </p:spPr>
+        <p:txBody>
+          <a:bodyPr vert="horz" lIns="91440" tIns="45720" rIns="91440" bIns="45720" rtlCol="0"/>
+          <a:lstStyle>
+            <a:lvl1pPr algn="l">
+              <a:defRPr sz="1200"/>
+            </a:lvl1pPr>
+          </a:lstStyle>
+          <a:p>
+            <a:endParaRPr lang="ru-RU"/>
+          </a:p>
+        </p:txBody>
+      </p:sp>
+      <p:sp>
+        <p:nvSpPr>
+          <p:cNvPr id="3" name="Дата 2"/>
+          <p:cNvSpPr>
+            <a:spLocks noGrp="1"/>
+          </p:cNvSpPr>
+          <p:nvPr>
+            <p:ph type="dt" idx="1"/>
+          </p:nvPr>
+        </p:nvSpPr>
+        <p:spPr>
+          <a:xfrm>
+            <a:off x="3884613" y="0"/>
+            <a:ext cx="2971800" cy="458788"/>
+          </a:xfrm>
+          <a:prstGeom prst="rect">
+            <a:avLst/>
+          </a:prstGeom>
+        </p:spPr>
+        <p:txBody>
+          <a:bodyPr vert="horz" lIns="91440" tIns="45720" rIns="91440" bIns="45720" rtlCol="0"/>
+          <a:lstStyle>
+            <a:lvl1pPr algn="r">
+              <a:defRPr sz="1200"/>
+            </a:lvl1pPr>
+          </a:lstStyle>
+          <a:p>
+            <a:fld id="{18DF7F9C-15E8-459E-A0B2-74FEF7E8E10D}" type="datetimeFigureOut">
+              <a:rPr lang="ru-RU" smtClean="0"/>
+              <a:t>27.05.2025</a:t>
+            </a:fld>
+            <a:endParaRPr lang="ru-RU"/>
+          </a:p>
+        </p:txBody>
+      </p:sp>
+      <p:sp>
+        <p:nvSpPr>
+          <p:cNvPr id="4" name="Образ слайда 3"/>
+          <p:cNvSpPr>
+            <a:spLocks noGrp="1" noRot="1" noChangeAspect="1"/>
+          </p:cNvSpPr>
+          <p:nvPr>
+            <p:ph type="sldImg" idx="2"/>
+          </p:nvPr>
+        </p:nvSpPr>
+        <p:spPr>
+          <a:xfrm>
+            <a:off x="685800" y="1143000"/>
+            <a:ext cx="5486400" cy="3086100"/>
+          </a:xfrm>
+          <a:prstGeom prst="rect">
+            <a:avLst/>
+          </a:prstGeom>
+          <a:noFill/>
+          <a:ln w="12700">
+            <a:solidFill>
+              <a:prstClr val="black"/>
+            </a:solidFill>
+          </a:ln>
+        </p:spPr>
+        <p:txBody>
+          <a:bodyPr vert="horz" lIns="91440" tIns="45720" rIns="91440" bIns="45720" rtlCol="0" anchor="ctr"/>
+          <a:lstStyle/>
+          <a:p>
+            <a:endParaRPr lang="ru-RU"/>
+          </a:p>
+        </p:txBody>
+      </p:sp>
+      <p:sp>
+        <p:nvSpPr>
+          <p:cNvPr id="5" name="Заметки 4"/>
+          <p:cNvSpPr>
+            <a:spLocks noGrp="1"/>
+          </p:cNvSpPr>
+          <p:nvPr>
+            <p:ph type="body" sz="quarter" idx="3"/>
+          </p:nvPr>
+        </p:nvSpPr>
+        <p:spPr>
+          <a:xfrm>
+            <a:off x="685800" y="4400550"/>
+            <a:ext cx="5486400" cy="3600450"/>
+          </a:xfrm>
+          <a:prstGeom prst="rect">
+            <a:avLst/>
+          </a:prstGeom>
+        </p:spPr>
+        <p:txBody>
+          <a:bodyPr vert="horz" lIns="91440" tIns="45720" rIns="91440" bIns="45720" rtlCol="0"/>
+          <a:lstStyle/>
+          <a:p>
+            <a:pPr lvl="0"/>
+            <a:r>
+              <a:rPr lang="ru-RU"/>
+              <a:t>Образец текста</a:t>
+            </a:r>
+          </a:p>
+          <a:p>
+            <a:pPr lvl="1"/>
+            <a:r>
+              <a:rPr lang="ru-RU"/>
+              <a:t>Второй уровень</a:t>
+            </a:r>
+          </a:p>
+          <a:p>
+            <a:pPr lvl="2"/>
+            <a:r>
+              <a:rPr lang="ru-RU"/>
+              <a:t>Третий уровень</a:t>
+            </a:r>
+          </a:p>
+          <a:p>
+            <a:pPr lvl="3"/>
+            <a:r>
+              <a:rPr lang="ru-RU"/>
+              <a:t>Четвертый уровень</a:t>
+            </a:r>
+          </a:p>
+          <a:p>
+            <a:pPr lvl="4"/>
+            <a:r>
+              <a:rPr lang="ru-RU"/>
+              <a:t>Пятый уровень</a:t>
+            </a:r>
+          </a:p>
+        </p:txBody>
+      </p:sp>
+      <p:sp>
+        <p:nvSpPr>
+          <p:cNvPr id="6" name="Нижний колонтитул 5"/>
+          <p:cNvSpPr>
+            <a:spLocks noGrp="1"/>
+          </p:cNvSpPr>
+          <p:nvPr>
+            <p:ph type="ftr" sz="quarter" idx="4"/>
+          </p:nvPr>
+        </p:nvSpPr>
+        <p:spPr>
+          <a:xfrm>
+            <a:off x="0" y="8685213"/>
+            <a:ext cx="2971800" cy="458787"/>
+          </a:xfrm>
+          <a:prstGeom prst="rect">
+            <a:avLst/>
+          </a:prstGeom>
+        </p:spPr>
+        <p:txBody>
+          <a:bodyPr vert="horz" lIns="91440" tIns="45720" rIns="91440" bIns="45720" rtlCol="0" anchor="b"/>
+          <a:lstStyle>
+            <a:lvl1pPr algn="l">
+              <a:defRPr sz="1200"/>
+            </a:lvl1pPr>
+          </a:lstStyle>
+          <a:p>
+            <a:endParaRPr lang="ru-RU"/>
+          </a:p>
+        </p:txBody>
+      </p:sp>
+      <p:sp>
+        <p:nvSpPr>
+          <p:cNvPr id="7" name="Номер слайда 6"/>
+          <p:cNvSpPr>
+            <a:spLocks noGrp="1"/>
+          </p:cNvSpPr>
+          <p:nvPr>
+            <p:ph type="sldNum" sz="quarter" idx="5"/>
+          </p:nvPr>
+        </p:nvSpPr>
+        <p:spPr>
+          <a:xfrm>
+            <a:off x="3884613" y="8685213"/>
+            <a:ext cx="2971800" cy="458787"/>
+          </a:xfrm>
+          <a:prstGeom prst="rect">
+            <a:avLst/>
+          </a:prstGeom>
+        </p:spPr>
+        <p:txBody>
+          <a:bodyPr vert="horz" lIns="91440" tIns="45720" rIns="91440" bIns="45720" rtlCol="0" anchor="b"/>
+          <a:lstStyle>
+            <a:lvl1pPr algn="r">
+              <a:defRPr sz="1200"/>
+            </a:lvl1pPr>
+          </a:lstStyle>
+          <a:p>
+            <a:fld id="{B4B0967B-69A8-4F3D-9960-6992840C5EA5}" type="slidenum">
+              <a:rPr lang="ru-RU" smtClean="0"/>
+              <a:t>‹#›</a:t>
+            </a:fld>
+            <a:endParaRPr lang="ru-RU"/>
+          </a:p>
+        </p:txBody>
+      </p:sp>
+    </p:spTree>
+    <p:extLst>
+      <p:ext uri="{BB962C8B-B14F-4D97-AF65-F5344CB8AC3E}">
+        <p14:creationId xmlns:p14="http://schemas.microsoft.com/office/powerpoint/2010/main" val="1211516492"/>
+      </p:ext>
+    </p:extLst>
+  </p:cSld>
+  <p:clrMap bg1="lt1" tx1="dk1" bg2="lt2" tx2="dk2" accent1="accent1" accent2="accent2" accent3="accent3" accent4="accent4" accent5="accent5" accent6="accent6" hlink="hlink" folHlink="folHlink"/>
+  <p:notesStyle>
+    <a:lvl1pPr marL="0" algn="l" defTabSz="914400" rtl="0" eaLnBrk="1" latinLnBrk="0" hangingPunct="1">
+      <a:defRPr sz="1200" kern="1200">
+        <a:solidFill>
+          <a:schemeClr val="tx1"/>
+        </a:solidFill>
+        <a:latin typeface="+mn-lt"/>
+        <a:ea typeface="+mn-ea"/>
+        <a:cs typeface="+mn-cs"/>
+      </a:defRPr>
+    </a:lvl1pPr>
+    <a:lvl2pPr marL="457200" algn="l" defTabSz="914400" rtl="0" eaLnBrk="1" latinLnBrk="0" hangingPunct="1">
+      <a:defRPr sz="1200" kern="1200">
+        <a:solidFill>
+          <a:schemeClr val="tx1"/>
+        </a:solidFill>
+        <a:latin typeface="+mn-lt"/>
+        <a:ea typeface="+mn-ea"/>
+        <a:cs typeface="+mn-cs"/>
+      </a:defRPr>
+    </a:lvl2pPr>
+    <a:lvl3pPr marL="914400" algn="l" defTabSz="914400" rtl="0" eaLnBrk="1" latinLnBrk="0" hangingPunct="1">
+      <a:defRPr sz="1200" kern="1200">
+        <a:solidFill>
+          <a:schemeClr val="tx1"/>
+        </a:solidFill>
+        <a:latin typeface="+mn-lt"/>
+        <a:ea typeface="+mn-ea"/>
+        <a:cs typeface="+mn-cs"/>
+      </a:defRPr>
+    </a:lvl3pPr>
+    <a:lvl4pPr marL="1371600" algn="l" defTabSz="914400" rtl="0" eaLnBrk="1" latinLnBrk="0" hangingPunct="1">
+      <a:defRPr sz="1200" kern="1200">
+        <a:solidFill>
+          <a:schemeClr val="tx1"/>
+        </a:solidFill>
+        <a:latin typeface="+mn-lt"/>
+        <a:ea typeface="+mn-ea"/>
+        <a:cs typeface="+mn-cs"/>
+      </a:defRPr>
+    </a:lvl4pPr>
+    <a:lvl5pPr marL="1828800" algn="l" defTabSz="914400" rtl="0" eaLnBrk="1" latinLnBrk="0" hangingPunct="1">
+      <a:defRPr sz="1200" kern="1200">
+        <a:solidFill>
+          <a:schemeClr val="tx1"/>
+        </a:solidFill>
+        <a:latin typeface="+mn-lt"/>
+        <a:ea typeface="+mn-ea"/>
+        <a:cs typeface="+mn-cs"/>
+      </a:defRPr>
+    </a:lvl5pPr>
+    <a:lvl6pPr marL="2286000" algn="l" defTabSz="914400" rtl="0" eaLnBrk="1" latinLnBrk="0" hangingPunct="1">
+      <a:defRPr sz="1200" kern="1200">
+        <a:solidFill>
+          <a:schemeClr val="tx1"/>
+        </a:solidFill>
+        <a:latin typeface="+mn-lt"/>
+        <a:ea typeface="+mn-ea"/>
+        <a:cs typeface="+mn-cs"/>
+      </a:defRPr>
+    </a:lvl6pPr>
+    <a:lvl7pPr marL="2743200" algn="l" defTabSz="914400" rtl="0" eaLnBrk="1" latinLnBrk="0" hangingPunct="1">
+      <a:defRPr sz="1200" kern="1200">
+        <a:solidFill>
+          <a:schemeClr val="tx1"/>
+        </a:solidFill>
+        <a:latin typeface="+mn-lt"/>
+        <a:ea typeface="+mn-ea"/>
+        <a:cs typeface="+mn-cs"/>
+      </a:defRPr>
+    </a:lvl7pPr>
+    <a:lvl8pPr marL="3200400" algn="l" defTabSz="914400" rtl="0" eaLnBrk="1" latinLnBrk="0" hangingPunct="1">
+      <a:defRPr sz="1200" kern="1200">
+        <a:solidFill>
+          <a:schemeClr val="tx1"/>
+        </a:solidFill>
+        <a:latin typeface="+mn-lt"/>
+        <a:ea typeface="+mn-ea"/>
+        <a:cs typeface="+mn-cs"/>
+      </a:defRPr>
+    </a:lvl8pPr>
+    <a:lvl9pPr marL="3657600" algn="l" defTabSz="914400" rtl="0" eaLnBrk="1" latinLnBrk="0" hangingPunct="1">
+      <a:defRPr sz="1200" kern="1200">
+        <a:solidFill>
+          <a:schemeClr val="tx1"/>
+        </a:solidFill>
+        <a:latin typeface="+mn-lt"/>
+        <a:ea typeface="+mn-ea"/>
+        <a:cs typeface="+mn-cs"/>
+      </a:defRPr>
+    </a:lvl9pPr>
+  </p:notesStyle>
+</p:notesMaster>
+</file>
+
+<file path=ppt/notesSlides/notesSlide1.xml><?xml version="1.0" encoding="utf-8"?>
+<p:notes xmlns:a="http://schemas.openxmlformats.org/drawingml/2006/main" xmlns:r="http://schemas.openxmlformats.org/officeDocument/2006/relationships" xmlns:p="http://schemas.openxmlformats.org/presentationml/2006/main">
+  <p:cSld>
+    <p:spTree>
+      <p:nvGrpSpPr>
+        <p:cNvPr id="1" name=""/>
+        <p:cNvGrpSpPr/>
+        <p:nvPr/>
+      </p:nvGrpSpPr>
+      <p:grpSpPr>
+        <a:xfrm>
+          <a:off x="0" y="0"/>
+          <a:ext cx="0" cy="0"/>
+          <a:chOff x="0" y="0"/>
+          <a:chExt cx="0" cy="0"/>
+        </a:xfrm>
+      </p:grpSpPr>
+      <p:sp>
+        <p:nvSpPr>
+          <p:cNvPr id="2" name="Образ слайда 1"/>
+          <p:cNvSpPr>
+            <a:spLocks noGrp="1" noRot="1" noChangeAspect="1"/>
+          </p:cNvSpPr>
+          <p:nvPr>
+            <p:ph type="sldImg"/>
+          </p:nvPr>
+        </p:nvSpPr>
+        <p:spPr/>
+      </p:sp>
+      <p:sp>
+        <p:nvSpPr>
+          <p:cNvPr id="3" name="Заметки 2"/>
+          <p:cNvSpPr>
+            <a:spLocks noGrp="1"/>
+          </p:cNvSpPr>
+          <p:nvPr>
+            <p:ph type="body" idx="1"/>
+          </p:nvPr>
+        </p:nvSpPr>
+        <p:spPr/>
+        <p:txBody>
+          <a:bodyPr/>
+          <a:lstStyle/>
+          <a:p>
+            <a:endParaRPr lang="ru-RU" dirty="0"/>
+          </a:p>
+        </p:txBody>
+      </p:sp>
+      <p:sp>
+        <p:nvSpPr>
+          <p:cNvPr id="4" name="Номер слайда 3"/>
+          <p:cNvSpPr>
+            <a:spLocks noGrp="1"/>
+          </p:cNvSpPr>
+          <p:nvPr>
+            <p:ph type="sldNum" sz="quarter" idx="5"/>
+          </p:nvPr>
+        </p:nvSpPr>
+        <p:spPr/>
+        <p:txBody>
+          <a:bodyPr/>
+          <a:lstStyle/>
+          <a:p>
+            <a:fld id="{B4B0967B-69A8-4F3D-9960-6992840C5EA5}" type="slidenum">
+              <a:rPr lang="ru-RU" smtClean="0"/>
+              <a:t>9</a:t>
+            </a:fld>
+            <a:endParaRPr lang="ru-RU"/>
+          </a:p>
+        </p:txBody>
+      </p:sp>
+    </p:spTree>
+    <p:extLst>
+      <p:ext uri="{BB962C8B-B14F-4D97-AF65-F5344CB8AC3E}">
+        <p14:creationId xmlns:p14="http://schemas.microsoft.com/office/powerpoint/2010/main" val="2030198379"/>
+      </p:ext>
+    </p:extLst>
+  </p:cSld>
+  <p:clrMapOvr>
+    <a:masterClrMapping/>
+  </p:clrMapOvr>
+</p:notes>
+</file>
+
+<file path=ppt/notesSlides/notesSlide2.xml><?xml version="1.0" encoding="utf-8"?>
+<p:notes xmlns:a="http://schemas.openxmlformats.org/drawingml/2006/main" xmlns:r="http://schemas.openxmlformats.org/officeDocument/2006/relationships" xmlns:p="http://schemas.openxmlformats.org/presentationml/2006/main">
+  <p:cSld>
+    <p:spTree>
+      <p:nvGrpSpPr>
+        <p:cNvPr id="1" name="">
+          <a:extLst>
+            <a:ext uri="{FF2B5EF4-FFF2-40B4-BE49-F238E27FC236}">
+              <a16:creationId xmlns:a16="http://schemas.microsoft.com/office/drawing/2014/main" id="{C3A9F086-9072-4F37-33B6-AF02A842B586}"/>
+            </a:ext>
+          </a:extLst>
+        </p:cNvPr>
+        <p:cNvGrpSpPr/>
+        <p:nvPr/>
+      </p:nvGrpSpPr>
+      <p:grpSpPr>
+        <a:xfrm>
+          <a:off x="0" y="0"/>
+          <a:ext cx="0" cy="0"/>
+          <a:chOff x="0" y="0"/>
+          <a:chExt cx="0" cy="0"/>
+        </a:xfrm>
+      </p:grpSpPr>
+      <p:sp>
+        <p:nvSpPr>
+          <p:cNvPr id="2" name="Образ слайда 1">
+            <a:extLst>
+              <a:ext uri="{FF2B5EF4-FFF2-40B4-BE49-F238E27FC236}">
+                <a16:creationId xmlns:a16="http://schemas.microsoft.com/office/drawing/2014/main" id="{8D921F00-B683-7DFE-A109-0C9EA184EA46}"/>
+              </a:ext>
+            </a:extLst>
+          </p:cNvPr>
+          <p:cNvSpPr>
+            <a:spLocks noGrp="1" noRot="1" noChangeAspect="1"/>
+          </p:cNvSpPr>
+          <p:nvPr>
+            <p:ph type="sldImg"/>
+          </p:nvPr>
+        </p:nvSpPr>
+        <p:spPr/>
+      </p:sp>
+      <p:sp>
+        <p:nvSpPr>
+          <p:cNvPr id="3" name="Заметки 2">
+            <a:extLst>
+              <a:ext uri="{FF2B5EF4-FFF2-40B4-BE49-F238E27FC236}">
+                <a16:creationId xmlns:a16="http://schemas.microsoft.com/office/drawing/2014/main" id="{7054E683-FB4B-38EC-4F36-ADCA2EA3F415}"/>
+              </a:ext>
+            </a:extLst>
+          </p:cNvPr>
+          <p:cNvSpPr>
+            <a:spLocks noGrp="1"/>
+          </p:cNvSpPr>
+          <p:nvPr>
+            <p:ph type="body" idx="1"/>
+          </p:nvPr>
+        </p:nvSpPr>
+        <p:spPr/>
+        <p:txBody>
+          <a:bodyPr/>
+          <a:lstStyle/>
+          <a:p>
+            <a:endParaRPr lang="ru-RU" dirty="0"/>
+          </a:p>
+        </p:txBody>
+      </p:sp>
+      <p:sp>
+        <p:nvSpPr>
+          <p:cNvPr id="4" name="Номер слайда 3">
+            <a:extLst>
+              <a:ext uri="{FF2B5EF4-FFF2-40B4-BE49-F238E27FC236}">
+                <a16:creationId xmlns:a16="http://schemas.microsoft.com/office/drawing/2014/main" id="{742169A6-20F4-BDB4-4F40-BFE7E8CFA420}"/>
+              </a:ext>
+            </a:extLst>
+          </p:cNvPr>
+          <p:cNvSpPr>
+            <a:spLocks noGrp="1"/>
+          </p:cNvSpPr>
+          <p:nvPr>
+            <p:ph type="sldNum" sz="quarter" idx="5"/>
+          </p:nvPr>
+        </p:nvSpPr>
+        <p:spPr/>
+        <p:txBody>
+          <a:bodyPr/>
+          <a:lstStyle/>
+          <a:p>
+            <a:fld id="{B4B0967B-69A8-4F3D-9960-6992840C5EA5}" type="slidenum">
+              <a:rPr lang="ru-RU" smtClean="0"/>
+              <a:t>10</a:t>
+            </a:fld>
+            <a:endParaRPr lang="ru-RU"/>
+          </a:p>
+        </p:txBody>
+      </p:sp>
+    </p:spTree>
+    <p:extLst>
+      <p:ext uri="{BB962C8B-B14F-4D97-AF65-F5344CB8AC3E}">
+        <p14:creationId xmlns:p14="http://schemas.microsoft.com/office/powerpoint/2010/main" val="925810839"/>
+      </p:ext>
+    </p:extLst>
+  </p:cSld>
+  <p:clrMapOvr>
+    <a:masterClrMapping/>
+  </p:clrMapOvr>
+</p:notes>
 </file>
 
 <file path=ppt/slideLayouts/slideLayout1.xml><?xml version="1.0" encoding="utf-8"?>
@@ -328,7 +932,7 @@
           <a:p>
             <a:fld id="{E5887495-81A3-4746-A6E7-B9455E82D1E1}" type="datetimeFigureOut">
               <a:rPr lang="ru-RU" smtClean="0"/>
-              <a:t>26.05.2025</a:t>
+              <a:t>27.05.2025</a:t>
             </a:fld>
             <a:endParaRPr lang="ru-RU"/>
           </a:p>
@@ -526,7 +1130,7 @@
           <a:p>
             <a:fld id="{E5887495-81A3-4746-A6E7-B9455E82D1E1}" type="datetimeFigureOut">
               <a:rPr lang="ru-RU" smtClean="0"/>
-              <a:t>26.05.2025</a:t>
+              <a:t>27.05.2025</a:t>
             </a:fld>
             <a:endParaRPr lang="ru-RU"/>
           </a:p>
@@ -734,7 +1338,7 @@
           <a:p>
             <a:fld id="{E5887495-81A3-4746-A6E7-B9455E82D1E1}" type="datetimeFigureOut">
               <a:rPr lang="ru-RU" smtClean="0"/>
-              <a:t>26.05.2025</a:t>
+              <a:t>27.05.2025</a:t>
             </a:fld>
             <a:endParaRPr lang="ru-RU"/>
           </a:p>
@@ -932,7 +1536,7 @@
           <a:p>
             <a:fld id="{E5887495-81A3-4746-A6E7-B9455E82D1E1}" type="datetimeFigureOut">
               <a:rPr lang="ru-RU" smtClean="0"/>
-              <a:t>26.05.2025</a:t>
+              <a:t>27.05.2025</a:t>
             </a:fld>
             <a:endParaRPr lang="ru-RU"/>
           </a:p>
@@ -1207,7 +1811,7 @@
           <a:p>
             <a:fld id="{E5887495-81A3-4746-A6E7-B9455E82D1E1}" type="datetimeFigureOut">
               <a:rPr lang="ru-RU" smtClean="0"/>
-              <a:t>26.05.2025</a:t>
+              <a:t>27.05.2025</a:t>
             </a:fld>
             <a:endParaRPr lang="ru-RU"/>
           </a:p>
@@ -1472,7 +2076,7 @@
           <a:p>
             <a:fld id="{E5887495-81A3-4746-A6E7-B9455E82D1E1}" type="datetimeFigureOut">
               <a:rPr lang="ru-RU" smtClean="0"/>
-              <a:t>26.05.2025</a:t>
+              <a:t>27.05.2025</a:t>
             </a:fld>
             <a:endParaRPr lang="ru-RU"/>
           </a:p>
@@ -1884,7 +2488,7 @@
           <a:p>
             <a:fld id="{E5887495-81A3-4746-A6E7-B9455E82D1E1}" type="datetimeFigureOut">
               <a:rPr lang="ru-RU" smtClean="0"/>
-              <a:t>26.05.2025</a:t>
+              <a:t>27.05.2025</a:t>
             </a:fld>
             <a:endParaRPr lang="ru-RU"/>
           </a:p>
@@ -2025,7 +2629,7 @@
           <a:p>
             <a:fld id="{E5887495-81A3-4746-A6E7-B9455E82D1E1}" type="datetimeFigureOut">
               <a:rPr lang="ru-RU" smtClean="0"/>
-              <a:t>26.05.2025</a:t>
+              <a:t>27.05.2025</a:t>
             </a:fld>
             <a:endParaRPr lang="ru-RU"/>
           </a:p>
@@ -2138,7 +2742,7 @@
           <a:p>
             <a:fld id="{E5887495-81A3-4746-A6E7-B9455E82D1E1}" type="datetimeFigureOut">
               <a:rPr lang="ru-RU" smtClean="0"/>
-              <a:t>26.05.2025</a:t>
+              <a:t>27.05.2025</a:t>
             </a:fld>
             <a:endParaRPr lang="ru-RU"/>
           </a:p>
@@ -2449,7 +3053,7 @@
           <a:p>
             <a:fld id="{E5887495-81A3-4746-A6E7-B9455E82D1E1}" type="datetimeFigureOut">
               <a:rPr lang="ru-RU" smtClean="0"/>
-              <a:t>26.05.2025</a:t>
+              <a:t>27.05.2025</a:t>
             </a:fld>
             <a:endParaRPr lang="ru-RU"/>
           </a:p>
@@ -2737,7 +3341,7 @@
           <a:p>
             <a:fld id="{E5887495-81A3-4746-A6E7-B9455E82D1E1}" type="datetimeFigureOut">
               <a:rPr lang="ru-RU" smtClean="0"/>
-              <a:t>26.05.2025</a:t>
+              <a:t>27.05.2025</a:t>
             </a:fld>
             <a:endParaRPr lang="ru-RU"/>
           </a:p>
@@ -3008,7 +3612,7 @@
           <a:p>
             <a:fld id="{E5887495-81A3-4746-A6E7-B9455E82D1E1}" type="datetimeFigureOut">
               <a:rPr lang="ru-RU" smtClean="0"/>
-              <a:t>26.05.2025</a:t>
+              <a:t>27.05.2025</a:t>
             </a:fld>
             <a:endParaRPr lang="ru-RU"/>
           </a:p>
@@ -3478,7 +4082,7 @@
         </p:nvSpPr>
         <p:spPr>
           <a:xfrm>
-            <a:off x="1523997" y="2791325"/>
+            <a:off x="1523997" y="3027299"/>
             <a:ext cx="9144000" cy="1739015"/>
           </a:xfrm>
         </p:spPr>
@@ -3494,7 +4098,14 @@
             </a:r>
             <a:r>
               <a:rPr lang="ru-RU" sz="2800" b="1" dirty="0"/>
-              <a:t>«ПРОЕКТИРОВАНИЕ И РАЗРАБОТКА ВЕБ-ПРИЛОЖЕНИЯ ДЛЯ АВТОМАТИЗАЦИИ ПРОДАЖ КЛИМАТИЧЕСКОГО ОБОРУДОВАНИЯ (на материалах ООО «Инженерное Бюро», г. Тюмени)»</a:t>
+              <a:t>«ПРОЕКТИРОВАНИЕ И РАЗРАБОТКА ВЕБ-ПРИЛОЖЕНИЯ ДЛЯ АВТОМАТИЗАЦИИ ПРОДАЖ КЛИМАТИЧЕСКОГО ОБОРУДОВАНИЯ </a:t>
+            </a:r>
+            <a:br>
+              <a:rPr lang="ru-RU" sz="2800" b="1" dirty="0"/>
+            </a:br>
+            <a:r>
+              <a:rPr lang="ru-RU" sz="2800" b="1" dirty="0"/>
+              <a:t>(на материалах ООО «Инженерное Бюро», г. Тюмени)»</a:t>
             </a:r>
           </a:p>
         </p:txBody>
@@ -3653,6 +4264,203 @@
     <p:extLst>
       <p:ext uri="{BB962C8B-B14F-4D97-AF65-F5344CB8AC3E}">
         <p14:creationId xmlns:p14="http://schemas.microsoft.com/office/powerpoint/2010/main" val="2387887024"/>
+      </p:ext>
+    </p:extLst>
+  </p:cSld>
+  <p:clrMapOvr>
+    <a:masterClrMapping/>
+  </p:clrMapOvr>
+</p:sld>
+</file>
+
+<file path=ppt/slides/slide10.xml><?xml version="1.0" encoding="utf-8"?>
+<p:sld xmlns:a="http://schemas.openxmlformats.org/drawingml/2006/main" xmlns:r="http://schemas.openxmlformats.org/officeDocument/2006/relationships" xmlns:p="http://schemas.openxmlformats.org/presentationml/2006/main">
+  <p:cSld>
+    <p:spTree>
+      <p:nvGrpSpPr>
+        <p:cNvPr id="1" name="">
+          <a:extLst>
+            <a:ext uri="{FF2B5EF4-FFF2-40B4-BE49-F238E27FC236}">
+              <a16:creationId xmlns:a16="http://schemas.microsoft.com/office/drawing/2014/main" id="{C772474E-D276-C45E-3606-20E4692CA617}"/>
+            </a:ext>
+          </a:extLst>
+        </p:cNvPr>
+        <p:cNvGrpSpPr/>
+        <p:nvPr/>
+      </p:nvGrpSpPr>
+      <p:grpSpPr>
+        <a:xfrm>
+          <a:off x="0" y="0"/>
+          <a:ext cx="0" cy="0"/>
+          <a:chOff x="0" y="0"/>
+          <a:chExt cx="0" cy="0"/>
+        </a:xfrm>
+      </p:grpSpPr>
+      <p:sp>
+        <p:nvSpPr>
+          <p:cNvPr id="5" name="Заголовок 4">
+            <a:extLst>
+              <a:ext uri="{FF2B5EF4-FFF2-40B4-BE49-F238E27FC236}">
+                <a16:creationId xmlns:a16="http://schemas.microsoft.com/office/drawing/2014/main" id="{2B59F00C-DE79-25D9-D829-FC3A01F57E22}"/>
+              </a:ext>
+            </a:extLst>
+          </p:cNvPr>
+          <p:cNvSpPr>
+            <a:spLocks noGrp="1"/>
+          </p:cNvSpPr>
+          <p:nvPr>
+            <p:ph type="title"/>
+          </p:nvPr>
+        </p:nvSpPr>
+        <p:spPr>
+          <a:xfrm>
+            <a:off x="1027471" y="91104"/>
+            <a:ext cx="10515600" cy="842962"/>
+          </a:xfrm>
+        </p:spPr>
+        <p:txBody>
+          <a:bodyPr>
+            <a:normAutofit/>
+          </a:bodyPr>
+          <a:lstStyle/>
+          <a:p>
+            <a:pPr algn="ctr"/>
+            <a:r>
+              <a:rPr lang="ru-RU" sz="3200" b="1" dirty="0"/>
+              <a:t>ПРОЕКТИРОВАНИЕ ВЕБ-ПРИЛОЖЕНИЯ</a:t>
+            </a:r>
+          </a:p>
+        </p:txBody>
+      </p:sp>
+      <p:sp>
+        <p:nvSpPr>
+          <p:cNvPr id="6" name="Объект 5">
+            <a:extLst>
+              <a:ext uri="{FF2B5EF4-FFF2-40B4-BE49-F238E27FC236}">
+                <a16:creationId xmlns:a16="http://schemas.microsoft.com/office/drawing/2014/main" id="{C4A7ED36-4C57-62BE-EE2D-5EFA52BBC7E9}"/>
+              </a:ext>
+            </a:extLst>
+          </p:cNvPr>
+          <p:cNvSpPr>
+            <a:spLocks noGrp="1"/>
+          </p:cNvSpPr>
+          <p:nvPr>
+            <p:ph sz="half" idx="1"/>
+          </p:nvPr>
+        </p:nvSpPr>
+        <p:spPr>
+          <a:xfrm>
+            <a:off x="820544" y="2274893"/>
+            <a:ext cx="3413022" cy="2169287"/>
+          </a:xfrm>
+        </p:spPr>
+        <p:txBody>
+          <a:bodyPr>
+            <a:normAutofit/>
+          </a:bodyPr>
+          <a:lstStyle/>
+          <a:p>
+            <a:pPr marL="0" indent="0">
+              <a:buNone/>
+            </a:pPr>
+            <a:r>
+              <a:rPr lang="ru-RU" sz="2400" dirty="0">
+                <a:effectLst/>
+                <a:ea typeface="Calibri" panose="020F0502020204030204" pitchFamily="34" charset="0"/>
+              </a:rPr>
+              <a:t>На основе концептуальной диаграммы разработана логическая модель базы данных. </a:t>
+            </a:r>
+            <a:endParaRPr lang="ru-RU" dirty="0"/>
+          </a:p>
+        </p:txBody>
+      </p:sp>
+      <p:pic>
+        <p:nvPicPr>
+          <p:cNvPr id="2" name="Рисунок 1">
+            <a:extLst>
+              <a:ext uri="{FF2B5EF4-FFF2-40B4-BE49-F238E27FC236}">
+                <a16:creationId xmlns:a16="http://schemas.microsoft.com/office/drawing/2014/main" id="{A6565609-9310-EDF0-ECAF-1E1A991AF993}"/>
+              </a:ext>
+            </a:extLst>
+          </p:cNvPr>
+          <p:cNvPicPr>
+            <a:picLocks noChangeAspect="1"/>
+          </p:cNvPicPr>
+          <p:nvPr/>
+        </p:nvPicPr>
+        <p:blipFill>
+          <a:blip r:embed="rId3"/>
+          <a:stretch>
+            <a:fillRect/>
+          </a:stretch>
+        </p:blipFill>
+        <p:spPr>
+          <a:xfrm>
+            <a:off x="4355690" y="934066"/>
+            <a:ext cx="7609655" cy="5642378"/>
+          </a:xfrm>
+          <a:prstGeom prst="rect">
+            <a:avLst/>
+          </a:prstGeom>
+          <a:ln>
+            <a:noFill/>
+          </a:ln>
+          <a:effectLst>
+            <a:outerShdw blurRad="292100" dist="139700" dir="2700000" algn="tl" rotWithShape="0">
+              <a:srgbClr val="333333">
+                <a:alpha val="65000"/>
+              </a:srgbClr>
+            </a:outerShdw>
+          </a:effectLst>
+        </p:spPr>
+      </p:pic>
+      <p:pic>
+        <p:nvPicPr>
+          <p:cNvPr id="4" name="Рисунок 3">
+            <a:extLst>
+              <a:ext uri="{FF2B5EF4-FFF2-40B4-BE49-F238E27FC236}">
+                <a16:creationId xmlns:a16="http://schemas.microsoft.com/office/drawing/2014/main" id="{3AE6A5F5-8823-B208-676F-B53F54AE3EAD}"/>
+              </a:ext>
+            </a:extLst>
+          </p:cNvPr>
+          <p:cNvPicPr>
+            <a:picLocks noChangeAspect="1"/>
+          </p:cNvPicPr>
+          <p:nvPr/>
+        </p:nvPicPr>
+        <p:blipFill>
+          <a:blip r:embed="rId4" cstate="print">
+            <a:extLst>
+              <a:ext uri="{28A0092B-C50C-407E-A947-70E740481C1C}">
+                <a14:useLocalDpi xmlns:a14="http://schemas.microsoft.com/office/drawing/2010/main" val="0"/>
+              </a:ext>
+            </a:extLst>
+          </a:blip>
+          <a:stretch>
+            <a:fillRect/>
+          </a:stretch>
+        </p:blipFill>
+        <p:spPr>
+          <a:xfrm rot="5400000" flipH="1">
+            <a:off x="-3062748" y="3087000"/>
+            <a:ext cx="6858000" cy="684000"/>
+          </a:xfrm>
+          <a:prstGeom prst="rect">
+            <a:avLst/>
+          </a:prstGeom>
+          <a:effectLst>
+            <a:outerShdw blurRad="50800" dist="50800" dir="5400000" sx="99000" sy="99000" algn="ctr" rotWithShape="0">
+              <a:srgbClr val="000000">
+                <a:alpha val="99000"/>
+              </a:srgbClr>
+            </a:outerShdw>
+          </a:effectLst>
+        </p:spPr>
+      </p:pic>
+    </p:spTree>
+    <p:extLst>
+      <p:ext uri="{BB962C8B-B14F-4D97-AF65-F5344CB8AC3E}">
+        <p14:creationId xmlns:p14="http://schemas.microsoft.com/office/powerpoint/2010/main" val="3976027692"/>
       </p:ext>
     </p:extLst>
   </p:cSld>
@@ -4692,7 +5500,7 @@
           <a:p>
             <a:r>
               <a:rPr lang="ru-RU" b="1" dirty="0"/>
-              <a:t>СРАВНЕНИЕ ТЕХНОЛОГИЙ ДЛЯ СОЗДАНИЯ ВЕБ-ПРИЛОЖЕНИЯ</a:t>
+              <a:t>ВЫБОР ТЕХНОЛОГИИ ДЛЯ СОЗДАНИЯ ВЕБ-ПРИЛОЖЕНИЯ</a:t>
             </a:r>
           </a:p>
         </p:txBody>
@@ -6094,6 +6902,688 @@
 </p:sld>
 </file>
 
+<file path=ppt/slides/slide7.xml><?xml version="1.0" encoding="utf-8"?>
+<p:sld xmlns:a="http://schemas.openxmlformats.org/drawingml/2006/main" xmlns:r="http://schemas.openxmlformats.org/officeDocument/2006/relationships" xmlns:p="http://schemas.openxmlformats.org/presentationml/2006/main">
+  <p:cSld>
+    <p:spTree>
+      <p:nvGrpSpPr>
+        <p:cNvPr id="1" name=""/>
+        <p:cNvGrpSpPr/>
+        <p:nvPr/>
+      </p:nvGrpSpPr>
+      <p:grpSpPr>
+        <a:xfrm>
+          <a:off x="0" y="0"/>
+          <a:ext cx="0" cy="0"/>
+          <a:chOff x="0" y="0"/>
+          <a:chExt cx="0" cy="0"/>
+        </a:xfrm>
+      </p:grpSpPr>
+      <p:sp>
+        <p:nvSpPr>
+          <p:cNvPr id="5" name="Заголовок 4">
+            <a:extLst>
+              <a:ext uri="{FF2B5EF4-FFF2-40B4-BE49-F238E27FC236}">
+                <a16:creationId xmlns:a16="http://schemas.microsoft.com/office/drawing/2014/main" id="{C60A9AEE-1D62-81CB-0CD1-D554FE470100}"/>
+              </a:ext>
+            </a:extLst>
+          </p:cNvPr>
+          <p:cNvSpPr>
+            <a:spLocks noGrp="1"/>
+          </p:cNvSpPr>
+          <p:nvPr>
+            <p:ph type="title"/>
+          </p:nvPr>
+        </p:nvSpPr>
+        <p:spPr>
+          <a:xfrm>
+            <a:off x="838200" y="158646"/>
+            <a:ext cx="10515600" cy="1267031"/>
+          </a:xfrm>
+        </p:spPr>
+        <p:txBody>
+          <a:bodyPr/>
+          <a:lstStyle/>
+          <a:p>
+            <a:pPr algn="ctr"/>
+            <a:r>
+              <a:rPr lang="ru-RU" b="1" dirty="0"/>
+              <a:t>ВИЗУАЛЬНОЕ ПРЕДСТАВЛЕНИЕ </a:t>
+            </a:r>
+            <a:r>
+              <a:rPr lang="en-US" b="1" dirty="0"/>
+              <a:t>MVC</a:t>
+            </a:r>
+            <a:endParaRPr lang="ru-RU" b="1" dirty="0"/>
+          </a:p>
+        </p:txBody>
+      </p:sp>
+      <p:pic>
+        <p:nvPicPr>
+          <p:cNvPr id="7" name="Объект 6">
+            <a:extLst>
+              <a:ext uri="{FF2B5EF4-FFF2-40B4-BE49-F238E27FC236}">
+                <a16:creationId xmlns:a16="http://schemas.microsoft.com/office/drawing/2014/main" id="{66BF457C-F977-674E-6351-6762D8F23155}"/>
+              </a:ext>
+            </a:extLst>
+          </p:cNvPr>
+          <p:cNvPicPr>
+            <a:picLocks noGrp="1" noChangeAspect="1"/>
+          </p:cNvPicPr>
+          <p:nvPr>
+            <p:ph idx="1"/>
+          </p:nvPr>
+        </p:nvPicPr>
+        <p:blipFill>
+          <a:blip r:embed="rId2"/>
+          <a:stretch>
+            <a:fillRect/>
+          </a:stretch>
+        </p:blipFill>
+        <p:spPr>
+          <a:xfrm>
+            <a:off x="1958276" y="1327354"/>
+            <a:ext cx="8275447" cy="5105382"/>
+          </a:xfrm>
+          <a:prstGeom prst="rect">
+            <a:avLst/>
+          </a:prstGeom>
+          <a:ln>
+            <a:noFill/>
+          </a:ln>
+          <a:effectLst>
+            <a:outerShdw blurRad="292100" dist="139700" dir="2700000" algn="tl" rotWithShape="0">
+              <a:srgbClr val="333333">
+                <a:alpha val="65000"/>
+              </a:srgbClr>
+            </a:outerShdw>
+          </a:effectLst>
+        </p:spPr>
+      </p:pic>
+      <p:pic>
+        <p:nvPicPr>
+          <p:cNvPr id="8" name="Рисунок 7">
+            <a:extLst>
+              <a:ext uri="{FF2B5EF4-FFF2-40B4-BE49-F238E27FC236}">
+                <a16:creationId xmlns:a16="http://schemas.microsoft.com/office/drawing/2014/main" id="{5D068746-EC85-3D41-C5EB-0DD44F534AE5}"/>
+              </a:ext>
+            </a:extLst>
+          </p:cNvPr>
+          <p:cNvPicPr>
+            <a:picLocks noChangeAspect="1"/>
+          </p:cNvPicPr>
+          <p:nvPr/>
+        </p:nvPicPr>
+        <p:blipFill>
+          <a:blip r:embed="rId3" cstate="print">
+            <a:extLst>
+              <a:ext uri="{28A0092B-C50C-407E-A947-70E740481C1C}">
+                <a14:useLocalDpi xmlns:a14="http://schemas.microsoft.com/office/drawing/2010/main" val="0"/>
+              </a:ext>
+            </a:extLst>
+          </a:blip>
+          <a:stretch>
+            <a:fillRect/>
+          </a:stretch>
+        </p:blipFill>
+        <p:spPr>
+          <a:xfrm rot="5400000" flipH="1">
+            <a:off x="-3087000" y="3087000"/>
+            <a:ext cx="6858000" cy="684000"/>
+          </a:xfrm>
+          <a:prstGeom prst="rect">
+            <a:avLst/>
+          </a:prstGeom>
+          <a:effectLst>
+            <a:outerShdw blurRad="50800" dist="50800" dir="5400000" sx="99000" sy="99000" algn="ctr" rotWithShape="0">
+              <a:srgbClr val="000000">
+                <a:alpha val="99000"/>
+              </a:srgbClr>
+            </a:outerShdw>
+          </a:effectLst>
+        </p:spPr>
+      </p:pic>
+    </p:spTree>
+    <p:extLst>
+      <p:ext uri="{BB962C8B-B14F-4D97-AF65-F5344CB8AC3E}">
+        <p14:creationId xmlns:p14="http://schemas.microsoft.com/office/powerpoint/2010/main" val="1631451252"/>
+      </p:ext>
+    </p:extLst>
+  </p:cSld>
+  <p:clrMapOvr>
+    <a:masterClrMapping/>
+  </p:clrMapOvr>
+</p:sld>
+</file>
+
+<file path=ppt/slides/slide8.xml><?xml version="1.0" encoding="utf-8"?>
+<p:sld xmlns:a="http://schemas.openxmlformats.org/drawingml/2006/main" xmlns:r="http://schemas.openxmlformats.org/officeDocument/2006/relationships" xmlns:p="http://schemas.openxmlformats.org/presentationml/2006/main">
+  <p:cSld>
+    <p:spTree>
+      <p:nvGrpSpPr>
+        <p:cNvPr id="1" name=""/>
+        <p:cNvGrpSpPr/>
+        <p:nvPr/>
+      </p:nvGrpSpPr>
+      <p:grpSpPr>
+        <a:xfrm>
+          <a:off x="0" y="0"/>
+          <a:ext cx="0" cy="0"/>
+          <a:chOff x="0" y="0"/>
+          <a:chExt cx="0" cy="0"/>
+        </a:xfrm>
+      </p:grpSpPr>
+      <p:pic>
+        <p:nvPicPr>
+          <p:cNvPr id="11" name="Рисунок 10">
+            <a:extLst>
+              <a:ext uri="{FF2B5EF4-FFF2-40B4-BE49-F238E27FC236}">
+                <a16:creationId xmlns:a16="http://schemas.microsoft.com/office/drawing/2014/main" id="{F2F70E99-A462-71D2-6720-72622B6237A1}"/>
+              </a:ext>
+            </a:extLst>
+          </p:cNvPr>
+          <p:cNvPicPr>
+            <a:picLocks noChangeAspect="1"/>
+          </p:cNvPicPr>
+          <p:nvPr/>
+        </p:nvPicPr>
+        <p:blipFill>
+          <a:blip r:embed="rId2" cstate="print">
+            <a:extLst>
+              <a:ext uri="{28A0092B-C50C-407E-A947-70E740481C1C}">
+                <a14:useLocalDpi xmlns:a14="http://schemas.microsoft.com/office/drawing/2010/main" val="0"/>
+              </a:ext>
+            </a:extLst>
+          </a:blip>
+          <a:stretch>
+            <a:fillRect/>
+          </a:stretch>
+        </p:blipFill>
+        <p:spPr>
+          <a:xfrm rot="16200000" flipH="1">
+            <a:off x="8421000" y="3087000"/>
+            <a:ext cx="6858000" cy="684000"/>
+          </a:xfrm>
+          <a:prstGeom prst="rect">
+            <a:avLst/>
+          </a:prstGeom>
+          <a:effectLst>
+            <a:outerShdw blurRad="50800" dist="50800" dir="5400000" sx="99000" sy="99000" algn="ctr" rotWithShape="0">
+              <a:srgbClr val="000000">
+                <a:alpha val="99000"/>
+              </a:srgbClr>
+            </a:outerShdw>
+          </a:effectLst>
+        </p:spPr>
+      </p:pic>
+      <p:sp>
+        <p:nvSpPr>
+          <p:cNvPr id="2" name="Заголовок 1">
+            <a:extLst>
+              <a:ext uri="{FF2B5EF4-FFF2-40B4-BE49-F238E27FC236}">
+                <a16:creationId xmlns:a16="http://schemas.microsoft.com/office/drawing/2014/main" id="{30F307B8-5B70-3937-E5F2-B34A22F0ACEA}"/>
+              </a:ext>
+            </a:extLst>
+          </p:cNvPr>
+          <p:cNvSpPr>
+            <a:spLocks noGrp="1"/>
+          </p:cNvSpPr>
+          <p:nvPr>
+            <p:ph type="title"/>
+          </p:nvPr>
+        </p:nvSpPr>
+        <p:spPr>
+          <a:xfrm>
+            <a:off x="596106" y="157162"/>
+            <a:ext cx="10999787" cy="1052206"/>
+          </a:xfrm>
+        </p:spPr>
+        <p:txBody>
+          <a:bodyPr>
+            <a:normAutofit/>
+          </a:bodyPr>
+          <a:lstStyle/>
+          <a:p>
+            <a:pPr algn="ctr"/>
+            <a:r>
+              <a:rPr lang="ru-RU" b="1" dirty="0"/>
+              <a:t>ВЫБОР СРЕДЫ РАЗРАБОТКИ </a:t>
+            </a:r>
+            <a:br>
+              <a:rPr lang="ru-RU" b="1" dirty="0"/>
+            </a:br>
+            <a:r>
+              <a:rPr lang="en-US" b="1" dirty="0"/>
+              <a:t>MICROSOFT VISUAL STUDIO</a:t>
+            </a:r>
+            <a:endParaRPr lang="ru-RU" b="1" dirty="0"/>
+          </a:p>
+        </p:txBody>
+      </p:sp>
+      <p:sp>
+        <p:nvSpPr>
+          <p:cNvPr id="3" name="Объект 2">
+            <a:extLst>
+              <a:ext uri="{FF2B5EF4-FFF2-40B4-BE49-F238E27FC236}">
+                <a16:creationId xmlns:a16="http://schemas.microsoft.com/office/drawing/2014/main" id="{CB005AC9-6F22-B56C-9E84-E0CEA2654754}"/>
+              </a:ext>
+            </a:extLst>
+          </p:cNvPr>
+          <p:cNvSpPr>
+            <a:spLocks noGrp="1"/>
+          </p:cNvSpPr>
+          <p:nvPr>
+            <p:ph idx="1"/>
+          </p:nvPr>
+        </p:nvSpPr>
+        <p:spPr>
+          <a:xfrm>
+            <a:off x="137651" y="1503361"/>
+            <a:ext cx="4650659" cy="5238751"/>
+          </a:xfrm>
+        </p:spPr>
+        <p:txBody>
+          <a:bodyPr>
+            <a:normAutofit/>
+          </a:bodyPr>
+          <a:lstStyle/>
+          <a:p>
+            <a:pPr marL="0" indent="0">
+              <a:buNone/>
+            </a:pPr>
+            <a:r>
+              <a:rPr lang="ru-RU" sz="1800" dirty="0"/>
+              <a:t>На основе проведенного обзора было принято решение использовать Microsoft Visual Studio.</a:t>
+            </a:r>
+          </a:p>
+          <a:p>
+            <a:pPr marL="0" indent="0">
+              <a:buNone/>
+            </a:pPr>
+            <a:r>
+              <a:rPr lang="ru-RU" sz="1800" b="1" dirty="0"/>
+              <a:t>Глубокая интеграция с .NET </a:t>
+            </a:r>
+            <a:r>
+              <a:rPr lang="ru-RU" sz="1800" dirty="0"/>
+              <a:t>– полный набор инструментов для веб-разработки на ASP.NET MVC.</a:t>
+            </a:r>
+            <a:br>
+              <a:rPr lang="ru-RU" sz="1800" dirty="0"/>
+            </a:br>
+            <a:br>
+              <a:rPr lang="ru-RU" sz="1800" dirty="0"/>
+            </a:br>
+            <a:r>
+              <a:rPr lang="ru-RU" sz="1800" b="1" dirty="0"/>
+              <a:t>Поддержка MVC </a:t>
+            </a:r>
+            <a:r>
+              <a:rPr lang="ru-RU" sz="1800" dirty="0"/>
+              <a:t>– четкое разделение логики, представления и данных для масштабируемости и поддержки.</a:t>
+            </a:r>
+            <a:br>
+              <a:rPr lang="ru-RU" sz="1800" dirty="0"/>
+            </a:br>
+            <a:br>
+              <a:rPr lang="ru-RU" sz="1800" dirty="0"/>
+            </a:br>
+            <a:r>
+              <a:rPr lang="ru-RU" sz="1800" b="1" dirty="0"/>
+              <a:t>Мощные инструменты </a:t>
+            </a:r>
+            <a:r>
+              <a:rPr lang="ru-RU" sz="1800" dirty="0"/>
+              <a:t>– отладка, </a:t>
+            </a:r>
+            <a:r>
+              <a:rPr lang="ru-RU" sz="1800" dirty="0" err="1"/>
+              <a:t>автодополнение</a:t>
+            </a:r>
+            <a:r>
+              <a:rPr lang="ru-RU" sz="1800" dirty="0"/>
+              <a:t> и тестирование ускоряют разработку и снижают ошибки.</a:t>
+            </a:r>
+            <a:br>
+              <a:rPr lang="ru-RU" sz="1800" dirty="0"/>
+            </a:br>
+            <a:br>
+              <a:rPr lang="ru-RU" sz="1800" dirty="0"/>
+            </a:br>
+            <a:r>
+              <a:rPr lang="ru-RU" sz="1800" b="1" dirty="0"/>
+              <a:t>Преимущество перед аналогами (VS Code, </a:t>
+            </a:r>
+            <a:r>
+              <a:rPr lang="ru-RU" sz="1800" b="1" dirty="0" err="1"/>
+              <a:t>Rider</a:t>
+            </a:r>
+            <a:r>
+              <a:rPr lang="ru-RU" sz="1800" dirty="0"/>
+              <a:t>) – лучшее решение для сложных проектов с высокой надежностью.</a:t>
+            </a:r>
+          </a:p>
+          <a:p>
+            <a:pPr marL="0" indent="0">
+              <a:buNone/>
+            </a:pPr>
+            <a:endParaRPr lang="ru-RU" sz="1800" dirty="0"/>
+          </a:p>
+          <a:p>
+            <a:pPr marL="0" indent="0">
+              <a:buNone/>
+            </a:pPr>
+            <a:endParaRPr lang="ru-RU" sz="1800" dirty="0"/>
+          </a:p>
+        </p:txBody>
+      </p:sp>
+      <p:pic>
+        <p:nvPicPr>
+          <p:cNvPr id="7" name="Рисунок 6">
+            <a:extLst>
+              <a:ext uri="{FF2B5EF4-FFF2-40B4-BE49-F238E27FC236}">
+                <a16:creationId xmlns:a16="http://schemas.microsoft.com/office/drawing/2014/main" id="{F8F1C26B-4D40-E3D3-3A87-B5CAEADED627}"/>
+              </a:ext>
+            </a:extLst>
+          </p:cNvPr>
+          <p:cNvPicPr>
+            <a:picLocks noChangeAspect="1"/>
+          </p:cNvPicPr>
+          <p:nvPr/>
+        </p:nvPicPr>
+        <p:blipFill>
+          <a:blip r:embed="rId3"/>
+          <a:stretch>
+            <a:fillRect/>
+          </a:stretch>
+        </p:blipFill>
+        <p:spPr>
+          <a:xfrm>
+            <a:off x="5080862" y="1665186"/>
+            <a:ext cx="6134585" cy="3284949"/>
+          </a:xfrm>
+          <a:prstGeom prst="roundRect">
+            <a:avLst>
+              <a:gd name="adj" fmla="val 4167"/>
+            </a:avLst>
+          </a:prstGeom>
+          <a:solidFill>
+            <a:srgbClr val="FFFFFF"/>
+          </a:solidFill>
+          <a:ln w="76200" cap="sq">
+            <a:solidFill>
+              <a:srgbClr val="EAEAEA"/>
+            </a:solidFill>
+            <a:miter lim="800000"/>
+          </a:ln>
+          <a:effectLst>
+            <a:reflection blurRad="12700" stA="33000" endPos="28000" dist="5000" dir="5400000" sy="-100000" algn="bl" rotWithShape="0"/>
+          </a:effectLst>
+          <a:scene3d>
+            <a:camera prst="orthographicFront"/>
+            <a:lightRig rig="threePt" dir="t">
+              <a:rot lat="0" lon="0" rev="2700000"/>
+            </a:lightRig>
+          </a:scene3d>
+          <a:sp3d contourW="6350">
+            <a:bevelT h="38100"/>
+            <a:contourClr>
+              <a:srgbClr val="C0C0C0"/>
+            </a:contourClr>
+          </a:sp3d>
+        </p:spPr>
+      </p:pic>
+      <p:pic>
+        <p:nvPicPr>
+          <p:cNvPr id="1028" name="Picture 4" descr="Picture background">
+            <a:extLst>
+              <a:ext uri="{FF2B5EF4-FFF2-40B4-BE49-F238E27FC236}">
+                <a16:creationId xmlns:a16="http://schemas.microsoft.com/office/drawing/2014/main" id="{ECA562A7-04B1-800D-351D-F66454ED0F38}"/>
+              </a:ext>
+            </a:extLst>
+          </p:cNvPr>
+          <p:cNvPicPr>
+            <a:picLocks noChangeAspect="1" noChangeArrowheads="1"/>
+          </p:cNvPicPr>
+          <p:nvPr/>
+        </p:nvPicPr>
+        <p:blipFill>
+          <a:blip r:embed="rId4">
+            <a:extLst>
+              <a:ext uri="{28A0092B-C50C-407E-A947-70E740481C1C}">
+                <a14:useLocalDpi xmlns:a14="http://schemas.microsoft.com/office/drawing/2010/main" val="0"/>
+              </a:ext>
+            </a:extLst>
+          </a:blip>
+          <a:srcRect/>
+          <a:stretch>
+            <a:fillRect/>
+          </a:stretch>
+        </p:blipFill>
+        <p:spPr bwMode="auto">
+          <a:xfrm>
+            <a:off x="137651" y="157162"/>
+            <a:ext cx="1956620" cy="1222888"/>
+          </a:xfrm>
+          <a:prstGeom prst="rect">
+            <a:avLst/>
+          </a:prstGeom>
+          <a:noFill/>
+          <a:extLst>
+            <a:ext uri="{909E8E84-426E-40DD-AFC4-6F175D3DCCD1}">
+              <a14:hiddenFill xmlns:a14="http://schemas.microsoft.com/office/drawing/2010/main">
+                <a:solidFill>
+                  <a:srgbClr val="FFFFFF"/>
+                </a:solidFill>
+              </a14:hiddenFill>
+            </a:ext>
+          </a:extLst>
+        </p:spPr>
+      </p:pic>
+    </p:spTree>
+    <p:extLst>
+      <p:ext uri="{BB962C8B-B14F-4D97-AF65-F5344CB8AC3E}">
+        <p14:creationId xmlns:p14="http://schemas.microsoft.com/office/powerpoint/2010/main" val="2522585701"/>
+      </p:ext>
+    </p:extLst>
+  </p:cSld>
+  <p:clrMapOvr>
+    <a:masterClrMapping/>
+  </p:clrMapOvr>
+</p:sld>
+</file>
+
+<file path=ppt/slides/slide9.xml><?xml version="1.0" encoding="utf-8"?>
+<p:sld xmlns:a="http://schemas.openxmlformats.org/drawingml/2006/main" xmlns:r="http://schemas.openxmlformats.org/officeDocument/2006/relationships" xmlns:p="http://schemas.openxmlformats.org/presentationml/2006/main">
+  <p:cSld>
+    <p:spTree>
+      <p:nvGrpSpPr>
+        <p:cNvPr id="1" name=""/>
+        <p:cNvGrpSpPr/>
+        <p:nvPr/>
+      </p:nvGrpSpPr>
+      <p:grpSpPr>
+        <a:xfrm>
+          <a:off x="0" y="0"/>
+          <a:ext cx="0" cy="0"/>
+          <a:chOff x="0" y="0"/>
+          <a:chExt cx="0" cy="0"/>
+        </a:xfrm>
+      </p:grpSpPr>
+      <p:pic>
+        <p:nvPicPr>
+          <p:cNvPr id="9" name="Рисунок 8">
+            <a:extLst>
+              <a:ext uri="{FF2B5EF4-FFF2-40B4-BE49-F238E27FC236}">
+                <a16:creationId xmlns:a16="http://schemas.microsoft.com/office/drawing/2014/main" id="{828FB7BC-5A7C-6A69-5802-7887E502C706}"/>
+              </a:ext>
+            </a:extLst>
+          </p:cNvPr>
+          <p:cNvPicPr>
+            <a:picLocks noChangeAspect="1"/>
+          </p:cNvPicPr>
+          <p:nvPr/>
+        </p:nvPicPr>
+        <p:blipFill>
+          <a:blip r:embed="rId3" cstate="print">
+            <a:extLst>
+              <a:ext uri="{28A0092B-C50C-407E-A947-70E740481C1C}">
+                <a14:useLocalDpi xmlns:a14="http://schemas.microsoft.com/office/drawing/2010/main" val="0"/>
+              </a:ext>
+            </a:extLst>
+          </a:blip>
+          <a:stretch>
+            <a:fillRect/>
+          </a:stretch>
+        </p:blipFill>
+        <p:spPr>
+          <a:xfrm rot="5400000" flipH="1">
+            <a:off x="-3062748" y="3087000"/>
+            <a:ext cx="6858000" cy="684000"/>
+          </a:xfrm>
+          <a:prstGeom prst="rect">
+            <a:avLst/>
+          </a:prstGeom>
+          <a:effectLst>
+            <a:outerShdw blurRad="50800" dist="50800" dir="5400000" sx="99000" sy="99000" algn="ctr" rotWithShape="0">
+              <a:srgbClr val="000000">
+                <a:alpha val="99000"/>
+              </a:srgbClr>
+            </a:outerShdw>
+          </a:effectLst>
+        </p:spPr>
+      </p:pic>
+      <p:sp>
+        <p:nvSpPr>
+          <p:cNvPr id="5" name="Заголовок 4">
+            <a:extLst>
+              <a:ext uri="{FF2B5EF4-FFF2-40B4-BE49-F238E27FC236}">
+                <a16:creationId xmlns:a16="http://schemas.microsoft.com/office/drawing/2014/main" id="{2D821327-D069-0580-52EE-BAE7E831FCAA}"/>
+              </a:ext>
+            </a:extLst>
+          </p:cNvPr>
+          <p:cNvSpPr>
+            <a:spLocks noGrp="1"/>
+          </p:cNvSpPr>
+          <p:nvPr>
+            <p:ph type="title"/>
+          </p:nvPr>
+        </p:nvSpPr>
+        <p:spPr>
+          <a:xfrm>
+            <a:off x="1027471" y="91104"/>
+            <a:ext cx="10515600" cy="842962"/>
+          </a:xfrm>
+        </p:spPr>
+        <p:txBody>
+          <a:bodyPr>
+            <a:normAutofit/>
+          </a:bodyPr>
+          <a:lstStyle/>
+          <a:p>
+            <a:pPr algn="ctr"/>
+            <a:r>
+              <a:rPr lang="ru-RU" sz="3200" b="1" dirty="0"/>
+              <a:t>ПРОЕКТИРОВАНИЕ ВЕБ-ПРИЛОЖЕНИЯ</a:t>
+            </a:r>
+          </a:p>
+        </p:txBody>
+      </p:sp>
+      <p:sp>
+        <p:nvSpPr>
+          <p:cNvPr id="6" name="Объект 5">
+            <a:extLst>
+              <a:ext uri="{FF2B5EF4-FFF2-40B4-BE49-F238E27FC236}">
+                <a16:creationId xmlns:a16="http://schemas.microsoft.com/office/drawing/2014/main" id="{E7CA67AF-E0D0-92F3-0180-7BF6872E8947}"/>
+              </a:ext>
+            </a:extLst>
+          </p:cNvPr>
+          <p:cNvSpPr>
+            <a:spLocks noGrp="1"/>
+          </p:cNvSpPr>
+          <p:nvPr>
+            <p:ph sz="half" idx="1"/>
+          </p:nvPr>
+        </p:nvSpPr>
+        <p:spPr>
+          <a:xfrm>
+            <a:off x="914399" y="5923935"/>
+            <a:ext cx="11031795" cy="707221"/>
+          </a:xfrm>
+        </p:spPr>
+        <p:txBody>
+          <a:bodyPr>
+            <a:normAutofit lnSpcReduction="10000"/>
+          </a:bodyPr>
+          <a:lstStyle/>
+          <a:p>
+            <a:pPr marL="0" indent="0" algn="just">
+              <a:buNone/>
+            </a:pPr>
+            <a:r>
+              <a:rPr lang="ru-RU" sz="2400" dirty="0">
+                <a:effectLst/>
+                <a:ea typeface="Calibri" panose="020F0502020204030204" pitchFamily="34" charset="0"/>
+              </a:rPr>
+              <a:t>Концептуальная модель базы данных, построенная с использованием нотации Мартина.</a:t>
+            </a:r>
+            <a:endParaRPr lang="ru-RU" dirty="0"/>
+          </a:p>
+        </p:txBody>
+      </p:sp>
+      <p:pic>
+        <p:nvPicPr>
+          <p:cNvPr id="8" name="Рисунок 7">
+            <a:extLst>
+              <a:ext uri="{FF2B5EF4-FFF2-40B4-BE49-F238E27FC236}">
+                <a16:creationId xmlns:a16="http://schemas.microsoft.com/office/drawing/2014/main" id="{966198B4-8B99-C49A-1422-CC68E167F8D0}"/>
+              </a:ext>
+            </a:extLst>
+          </p:cNvPr>
+          <p:cNvPicPr>
+            <a:picLocks noChangeAspect="1"/>
+          </p:cNvPicPr>
+          <p:nvPr/>
+        </p:nvPicPr>
+        <p:blipFill>
+          <a:blip r:embed="rId4"/>
+          <a:stretch>
+            <a:fillRect/>
+          </a:stretch>
+        </p:blipFill>
+        <p:spPr>
+          <a:xfrm>
+            <a:off x="1926151" y="934065"/>
+            <a:ext cx="8829223" cy="4729315"/>
+          </a:xfrm>
+          <a:prstGeom prst="rect">
+            <a:avLst/>
+          </a:prstGeom>
+          <a:ln>
+            <a:noFill/>
+          </a:ln>
+          <a:effectLst>
+            <a:outerShdw blurRad="292100" dist="139700" dir="2700000" algn="tl" rotWithShape="0">
+              <a:srgbClr val="333333">
+                <a:alpha val="65000"/>
+              </a:srgbClr>
+            </a:outerShdw>
+          </a:effectLst>
+        </p:spPr>
+      </p:pic>
+    </p:spTree>
+    <p:extLst>
+      <p:ext uri="{BB962C8B-B14F-4D97-AF65-F5344CB8AC3E}">
+        <p14:creationId xmlns:p14="http://schemas.microsoft.com/office/powerpoint/2010/main" val="824568072"/>
+      </p:ext>
+    </p:extLst>
+  </p:cSld>
+  <p:clrMapOvr>
+    <a:masterClrMapping/>
+  </p:clrMapOvr>
+</p:sld>
+</file>
+
 <file path=ppt/theme/theme1.xml><?xml version="1.0" encoding="utf-8"?>
 <a:theme xmlns:a="http://schemas.openxmlformats.org/drawingml/2006/main" name="Тема Office">
   <a:themeElements>
@@ -6387,4 +7877,299 @@
     </a:ext>
   </a:extLst>
 </a:theme>
+</file>
+
+<file path=ppt/theme/theme2.xml><?xml version="1.0" encoding="utf-8"?>
+<a:theme xmlns:a="http://schemas.openxmlformats.org/drawingml/2006/main" name="Тема Office">
+  <a:themeElements>
+    <a:clrScheme name="Стандартная">
+      <a:dk1>
+        <a:sysClr val="windowText" lastClr="000000"/>
+      </a:dk1>
+      <a:lt1>
+        <a:sysClr val="window" lastClr="FFFFFF"/>
+      </a:lt1>
+      <a:dk2>
+        <a:srgbClr val="44546A"/>
+      </a:dk2>
+      <a:lt2>
+        <a:srgbClr val="E7E6E6"/>
+      </a:lt2>
+      <a:accent1>
+        <a:srgbClr val="4472C4"/>
+      </a:accent1>
+      <a:accent2>
+        <a:srgbClr val="ED7D31"/>
+      </a:accent2>
+      <a:accent3>
+        <a:srgbClr val="A5A5A5"/>
+      </a:accent3>
+      <a:accent4>
+        <a:srgbClr val="FFC000"/>
+      </a:accent4>
+      <a:accent5>
+        <a:srgbClr val="5B9BD5"/>
+      </a:accent5>
+      <a:accent6>
+        <a:srgbClr val="70AD47"/>
+      </a:accent6>
+      <a:hlink>
+        <a:srgbClr val="0563C1"/>
+      </a:hlink>
+      <a:folHlink>
+        <a:srgbClr val="954F72"/>
+      </a:folHlink>
+    </a:clrScheme>
+    <a:fontScheme name="Стандартная">
+      <a:majorFont>
+        <a:latin typeface="Calibri Light" panose="020F0302020204030204"/>
+        <a:ea typeface=""/>
+        <a:cs typeface=""/>
+        <a:font script="Jpan" typeface="游ゴシック Light"/>
+        <a:font script="Hang" typeface="맑은 고딕"/>
+        <a:font script="Hans" typeface="等线 Light"/>
+        <a:font script="Hant" typeface="新細明體"/>
+        <a:font script="Arab" typeface="Times New Roman"/>
+        <a:font script="Hebr" typeface="Times New Roman"/>
+        <a:font script="Thai" typeface="Angsana New"/>
+        <a:font script="Ethi" typeface="Nyala"/>
+        <a:font script="Beng" typeface="Vrinda"/>
+        <a:font script="Gujr" typeface="Shruti"/>
+        <a:font script="Khmr" typeface="MoolBoran"/>
+        <a:font script="Knda" typeface="Tunga"/>
+        <a:font script="Guru" typeface="Raavi"/>
+        <a:font script="Cans" typeface="Euphemia"/>
+        <a:font script="Cher" typeface="Plantagenet Cherokee"/>
+        <a:font script="Yiii" typeface="Microsoft Yi Baiti"/>
+        <a:font script="Tibt" typeface="Microsoft Himalaya"/>
+        <a:font script="Thaa" typeface="MV Boli"/>
+        <a:font script="Deva" typeface="Mangal"/>
+        <a:font script="Telu" typeface="Gautami"/>
+        <a:font script="Taml" typeface="Latha"/>
+        <a:font script="Syrc" typeface="Estrangelo Edessa"/>
+        <a:font script="Orya" typeface="Kalinga"/>
+        <a:font script="Mlym" typeface="Kartika"/>
+        <a:font script="Laoo" typeface="DokChampa"/>
+        <a:font script="Sinh" typeface="Iskoola Pota"/>
+        <a:font script="Mong" typeface="Mongolian Baiti"/>
+        <a:font script="Viet" typeface="Times New Roman"/>
+        <a:font script="Uigh" typeface="Microsoft Uighur"/>
+        <a:font script="Geor" typeface="Sylfaen"/>
+        <a:font script="Armn" typeface="Arial"/>
+        <a:font script="Bugi" typeface="Leelawadee UI"/>
+        <a:font script="Bopo" typeface="Microsoft JhengHei"/>
+        <a:font script="Java" typeface="Javanese Text"/>
+        <a:font script="Lisu" typeface="Segoe UI"/>
+        <a:font script="Mymr" typeface="Myanmar Text"/>
+        <a:font script="Nkoo" typeface="Ebrima"/>
+        <a:font script="Olck" typeface="Nirmala UI"/>
+        <a:font script="Osma" typeface="Ebrima"/>
+        <a:font script="Phag" typeface="Phagspa"/>
+        <a:font script="Syrn" typeface="Estrangelo Edessa"/>
+        <a:font script="Syrj" typeface="Estrangelo Edessa"/>
+        <a:font script="Syre" typeface="Estrangelo Edessa"/>
+        <a:font script="Sora" typeface="Nirmala UI"/>
+        <a:font script="Tale" typeface="Microsoft Tai Le"/>
+        <a:font script="Talu" typeface="Microsoft New Tai Lue"/>
+        <a:font script="Tfng" typeface="Ebrima"/>
+      </a:majorFont>
+      <a:minorFont>
+        <a:latin typeface="Calibri" panose="020F0502020204030204"/>
+        <a:ea typeface=""/>
+        <a:cs typeface=""/>
+        <a:font script="Jpan" typeface="游ゴシック"/>
+        <a:font script="Hang" typeface="맑은 고딕"/>
+        <a:font script="Hans" typeface="等线"/>
+        <a:font script="Hant" typeface="新細明體"/>
+        <a:font script="Arab" typeface="Arial"/>
+        <a:font script="Hebr" typeface="Arial"/>
+        <a:font script="Thai" typeface="Cordia New"/>
+        <a:font script="Ethi" typeface="Nyala"/>
+        <a:font script="Beng" typeface="Vrinda"/>
+        <a:font script="Gujr" typeface="Shruti"/>
+        <a:font script="Khmr" typeface="DaunPenh"/>
+        <a:font script="Knda" typeface="Tunga"/>
+        <a:font script="Guru" typeface="Raavi"/>
+        <a:font script="Cans" typeface="Euphemia"/>
+        <a:font script="Cher" typeface="Plantagenet Cherokee"/>
+        <a:font script="Yiii" typeface="Microsoft Yi Baiti"/>
+        <a:font script="Tibt" typeface="Microsoft Himalaya"/>
+        <a:font script="Thaa" typeface="MV Boli"/>
+        <a:font script="Deva" typeface="Mangal"/>
+        <a:font script="Telu" typeface="Gautami"/>
+        <a:font script="Taml" typeface="Latha"/>
+        <a:font script="Syrc" typeface="Estrangelo Edessa"/>
+        <a:font script="Orya" typeface="Kalinga"/>
+        <a:font script="Mlym" typeface="Kartika"/>
+        <a:font script="Laoo" typeface="DokChampa"/>
+        <a:font script="Sinh" typeface="Iskoola Pota"/>
+        <a:font script="Mong" typeface="Mongolian Baiti"/>
+        <a:font script="Viet" typeface="Arial"/>
+        <a:font script="Uigh" typeface="Microsoft Uighur"/>
+        <a:font script="Geor" typeface="Sylfaen"/>
+        <a:font script="Armn" typeface="Arial"/>
+        <a:font script="Bugi" typeface="Leelawadee UI"/>
+        <a:font script="Bopo" typeface="Microsoft JhengHei"/>
+        <a:font script="Java" typeface="Javanese Text"/>
+        <a:font script="Lisu" typeface="Segoe UI"/>
+        <a:font script="Mymr" typeface="Myanmar Text"/>
+        <a:font script="Nkoo" typeface="Ebrima"/>
+        <a:font script="Olck" typeface="Nirmala UI"/>
+        <a:font script="Osma" typeface="Ebrima"/>
+        <a:font script="Phag" typeface="Phagspa"/>
+        <a:font script="Syrn" typeface="Estrangelo Edessa"/>
+        <a:font script="Syrj" typeface="Estrangelo Edessa"/>
+        <a:font script="Syre" typeface="Estrangelo Edessa"/>
+        <a:font script="Sora" typeface="Nirmala UI"/>
+        <a:font script="Tale" typeface="Microsoft Tai Le"/>
+        <a:font script="Talu" typeface="Microsoft New Tai Lue"/>
+        <a:font script="Tfng" typeface="Ebrima"/>
+      </a:minorFont>
+    </a:fontScheme>
+    <a:fmtScheme name="Стандартная">
+      <a:fillStyleLst>
+        <a:solidFill>
+          <a:schemeClr val="phClr"/>
+        </a:solidFill>
+        <a:gradFill rotWithShape="1">
+          <a:gsLst>
+            <a:gs pos="0">
+              <a:schemeClr val="phClr">
+                <a:lumMod val="110000"/>
+                <a:satMod val="105000"/>
+                <a:tint val="67000"/>
+              </a:schemeClr>
+            </a:gs>
+            <a:gs pos="50000">
+              <a:schemeClr val="phClr">
+                <a:lumMod val="105000"/>
+                <a:satMod val="103000"/>
+                <a:tint val="73000"/>
+              </a:schemeClr>
+            </a:gs>
+            <a:gs pos="100000">
+              <a:schemeClr val="phClr">
+                <a:lumMod val="105000"/>
+                <a:satMod val="109000"/>
+                <a:tint val="81000"/>
+              </a:schemeClr>
+            </a:gs>
+          </a:gsLst>
+          <a:lin ang="5400000" scaled="0"/>
+        </a:gradFill>
+        <a:gradFill rotWithShape="1">
+          <a:gsLst>
+            <a:gs pos="0">
+              <a:schemeClr val="phClr">
+                <a:satMod val="103000"/>
+                <a:lumMod val="102000"/>
+                <a:tint val="94000"/>
+              </a:schemeClr>
+            </a:gs>
+            <a:gs pos="50000">
+              <a:schemeClr val="phClr">
+                <a:satMod val="110000"/>
+                <a:lumMod val="100000"/>
+                <a:shade val="100000"/>
+              </a:schemeClr>
+            </a:gs>
+            <a:gs pos="100000">
+              <a:schemeClr val="phClr">
+                <a:lumMod val="99000"/>
+                <a:satMod val="120000"/>
+                <a:shade val="78000"/>
+              </a:schemeClr>
+            </a:gs>
+          </a:gsLst>
+          <a:lin ang="5400000" scaled="0"/>
+        </a:gradFill>
+      </a:fillStyleLst>
+      <a:lnStyleLst>
+        <a:ln w="6350" cap="flat" cmpd="sng" algn="ctr">
+          <a:solidFill>
+            <a:schemeClr val="phClr"/>
+          </a:solidFill>
+          <a:prstDash val="solid"/>
+          <a:miter lim="800000"/>
+        </a:ln>
+        <a:ln w="12700" cap="flat" cmpd="sng" algn="ctr">
+          <a:solidFill>
+            <a:schemeClr val="phClr"/>
+          </a:solidFill>
+          <a:prstDash val="solid"/>
+          <a:miter lim="800000"/>
+        </a:ln>
+        <a:ln w="19050" cap="flat" cmpd="sng" algn="ctr">
+          <a:solidFill>
+            <a:schemeClr val="phClr"/>
+          </a:solidFill>
+          <a:prstDash val="solid"/>
+          <a:miter lim="800000"/>
+        </a:ln>
+      </a:lnStyleLst>
+      <a:effectStyleLst>
+        <a:effectStyle>
+          <a:effectLst/>
+        </a:effectStyle>
+        <a:effectStyle>
+          <a:effectLst/>
+        </a:effectStyle>
+        <a:effectStyle>
+          <a:effectLst>
+            <a:outerShdw blurRad="57150" dist="19050" dir="5400000" algn="ctr" rotWithShape="0">
+              <a:srgbClr val="000000">
+                <a:alpha val="63000"/>
+              </a:srgbClr>
+            </a:outerShdw>
+          </a:effectLst>
+        </a:effectStyle>
+      </a:effectStyleLst>
+      <a:bgFillStyleLst>
+        <a:solidFill>
+          <a:schemeClr val="phClr"/>
+        </a:solidFill>
+        <a:solidFill>
+          <a:schemeClr val="phClr">
+            <a:tint val="95000"/>
+            <a:satMod val="170000"/>
+          </a:schemeClr>
+        </a:solidFill>
+        <a:gradFill rotWithShape="1">
+          <a:gsLst>
+            <a:gs pos="0">
+              <a:schemeClr val="phClr">
+                <a:tint val="93000"/>
+                <a:satMod val="150000"/>
+                <a:shade val="98000"/>
+                <a:lumMod val="102000"/>
+              </a:schemeClr>
+            </a:gs>
+            <a:gs pos="50000">
+              <a:schemeClr val="phClr">
+                <a:tint val="98000"/>
+                <a:satMod val="130000"/>
+                <a:shade val="90000"/>
+                <a:lumMod val="103000"/>
+              </a:schemeClr>
+            </a:gs>
+            <a:gs pos="100000">
+              <a:schemeClr val="phClr">
+                <a:shade val="63000"/>
+                <a:satMod val="120000"/>
+              </a:schemeClr>
+            </a:gs>
+          </a:gsLst>
+          <a:lin ang="5400000" scaled="0"/>
+        </a:gradFill>
+      </a:bgFillStyleLst>
+    </a:fmtScheme>
+  </a:themeElements>
+  <a:objectDefaults/>
+  <a:extraClrSchemeLst/>
+  <a:extLst>
+    <a:ext uri="{05A4C25C-085E-4340-85A3-A5531E510DB2}">
+      <thm15:themeFamily xmlns:thm15="http://schemas.microsoft.com/office/thememl/2012/main" name="Office Theme" id="{62F939B6-93AF-4DB8-9C6B-D6C7DFDC589F}" vid="{4A3C46E8-61CC-4603-A589-7422A47A8E4A}"/>
+    </a:ext>
+  </a:extLst>
+</a:theme>
 </file>
--- a/Презентация ВКР ВО.pptx
+++ b/Презентация ВКР ВО.pptx
@@ -5,7 +5,7 @@
     <p:sldMasterId id="2147483648" r:id="rId1"/>
   </p:sldMasterIdLst>
   <p:notesMasterIdLst>
-    <p:notesMasterId r:id="rId12"/>
+    <p:notesMasterId r:id="rId19"/>
   </p:notesMasterIdLst>
   <p:sldIdLst>
     <p:sldId id="256" r:id="rId2"/>
@@ -16,8 +16,15 @@
     <p:sldId id="261" r:id="rId7"/>
     <p:sldId id="265" r:id="rId8"/>
     <p:sldId id="262" r:id="rId9"/>
-    <p:sldId id="263" r:id="rId10"/>
-    <p:sldId id="264" r:id="rId11"/>
+    <p:sldId id="266" r:id="rId10"/>
+    <p:sldId id="263" r:id="rId11"/>
+    <p:sldId id="264" r:id="rId12"/>
+    <p:sldId id="267" r:id="rId13"/>
+    <p:sldId id="268" r:id="rId14"/>
+    <p:sldId id="269" r:id="rId15"/>
+    <p:sldId id="270" r:id="rId16"/>
+    <p:sldId id="271" r:id="rId17"/>
+    <p:sldId id="272" r:id="rId18"/>
   </p:sldIdLst>
   <p:sldSz cx="12192000" cy="6858000"/>
   <p:notesSz cx="6858000" cy="9144000"/>
@@ -118,7 +125,7 @@
   </p:defaultTextStyle>
   <p:extLst>
     <p:ext uri="{EFAFB233-063F-42B5-8137-9DF3F51BA10A}">
-      <p15:sldGuideLst xmlns:p15="http://schemas.microsoft.com/office/powerpoint/2012/main"/>
+      <p15:sldGuideLst xmlns:p15="http://schemas.microsoft.com/office/powerpoint/2012/main" xmlns=""/>
     </p:ext>
   </p:extLst>
 </p:presentation>
@@ -127,12 +134,9 @@
 <file path=ppt/commentAuthors.xml><?xml version="1.0" encoding="utf-8"?>
 <p:cmAuthorLst xmlns:a="http://schemas.openxmlformats.org/drawingml/2006/main" xmlns:r="http://schemas.openxmlformats.org/officeDocument/2006/relationships" xmlns:p="http://schemas.openxmlformats.org/presentationml/2006/main">
   <p:cmAuthor id="1" name="Danik Tropin" initials="DT" lastIdx="8" clrIdx="0">
-    <p:extLst>
-      <p:ext uri="{19B8F6BF-5375-455C-9EA6-DF929625EA0E}">
-        <p15:presenceInfo xmlns:p15="http://schemas.microsoft.com/office/powerpoint/2012/main" userId="a033a1509fe78947" providerId="Windows Live"/>
-      </p:ext>
-    </p:extLst>
+    <p:extLst/>
   </p:cmAuthor>
+  <p:cmAuthor id="2" name="Тропин Даниил Александрович" initials="ТДА" lastIdx="1" clrIdx="1"/>
 </p:cmAuthorLst>
 </file>
 
@@ -218,6 +222,15 @@
 
 <file path=ppt/comments/comment6.xml><?xml version="1.0" encoding="utf-8"?>
 <p:cmLst xmlns:a="http://schemas.openxmlformats.org/drawingml/2006/main" xmlns:r="http://schemas.openxmlformats.org/officeDocument/2006/relationships" xmlns:p="http://schemas.openxmlformats.org/presentationml/2006/main">
+  <p:cm authorId="2" dt="2025-05-29T10:43:50.018" idx="1">
+    <p:pos x="10" y="10"/>
+    <p:text>На словах расскажу кратко про СУБД представленные в сравнительном анализе, а так же про выбор EFC </p:text>
+  </p:cm>
+</p:cmLst>
+</file>
+
+<file path=ppt/comments/comment7.xml><?xml version="1.0" encoding="utf-8"?>
+<p:cmLst xmlns:a="http://schemas.openxmlformats.org/drawingml/2006/main" xmlns:r="http://schemas.openxmlformats.org/officeDocument/2006/relationships" xmlns:p="http://schemas.openxmlformats.org/presentationml/2006/main">
   <p:cm authorId="1" dt="2025-05-27T13:09:55.557" idx="6">
     <p:pos x="10" y="10"/>
     <p:text>По хронологии диплома, следом должен пойти слайд про выбранную БД, но я решил пропустить, чтобы уложиться в тайминг выступления...</p:text>
@@ -230,7 +243,7 @@
 </p:cmLst>
 </file>
 
-<file path=ppt/comments/comment7.xml><?xml version="1.0" encoding="utf-8"?>
+<file path=ppt/comments/comment8.xml><?xml version="1.0" encoding="utf-8"?>
 <p:cmLst xmlns:a="http://schemas.openxmlformats.org/drawingml/2006/main" xmlns:r="http://schemas.openxmlformats.org/officeDocument/2006/relationships" xmlns:p="http://schemas.openxmlformats.org/presentationml/2006/main">
   <p:cm authorId="1" dt="2025-05-27T13:09:55.557" idx="7">
     <p:pos x="10" y="10"/>
@@ -326,7 +339,7 @@
           <a:p>
             <a:fld id="{18DF7F9C-15E8-459E-A0B2-74FEF7E8E10D}" type="datetimeFigureOut">
               <a:rPr lang="ru-RU" smtClean="0"/>
-              <a:t>27.05.2025</a:t>
+              <a:t>29.05.2025</a:t>
             </a:fld>
             <a:endParaRPr lang="ru-RU"/>
           </a:p>
@@ -658,7 +671,7 @@
           <a:p>
             <a:fld id="{B4B0967B-69A8-4F3D-9960-6992840C5EA5}" type="slidenum">
               <a:rPr lang="ru-RU" smtClean="0"/>
-              <a:t>9</a:t>
+              <a:t>10</a:t>
             </a:fld>
             <a:endParaRPr lang="ru-RU"/>
           </a:p>
@@ -685,7 +698,7 @@
         <p:cNvPr id="1" name="">
           <a:extLst>
             <a:ext uri="{FF2B5EF4-FFF2-40B4-BE49-F238E27FC236}">
-              <a16:creationId xmlns:a16="http://schemas.microsoft.com/office/drawing/2014/main" id="{C3A9F086-9072-4F37-33B6-AF02A842B586}"/>
+              <a16:creationId xmlns:a16="http://schemas.microsoft.com/office/drawing/2014/main" xmlns="" id="{C3A9F086-9072-4F37-33B6-AF02A842B586}"/>
             </a:ext>
           </a:extLst>
         </p:cNvPr>
@@ -705,7 +718,7 @@
           <p:cNvPr id="2" name="Образ слайда 1">
             <a:extLst>
               <a:ext uri="{FF2B5EF4-FFF2-40B4-BE49-F238E27FC236}">
-                <a16:creationId xmlns:a16="http://schemas.microsoft.com/office/drawing/2014/main" id="{8D921F00-B683-7DFE-A109-0C9EA184EA46}"/>
+                <a16:creationId xmlns:a16="http://schemas.microsoft.com/office/drawing/2014/main" xmlns="" id="{8D921F00-B683-7DFE-A109-0C9EA184EA46}"/>
               </a:ext>
             </a:extLst>
           </p:cNvPr>
@@ -723,7 +736,7 @@
           <p:cNvPr id="3" name="Заметки 2">
             <a:extLst>
               <a:ext uri="{FF2B5EF4-FFF2-40B4-BE49-F238E27FC236}">
-                <a16:creationId xmlns:a16="http://schemas.microsoft.com/office/drawing/2014/main" id="{7054E683-FB4B-38EC-4F36-ADCA2EA3F415}"/>
+                <a16:creationId xmlns:a16="http://schemas.microsoft.com/office/drawing/2014/main" xmlns="" id="{7054E683-FB4B-38EC-4F36-ADCA2EA3F415}"/>
               </a:ext>
             </a:extLst>
           </p:cNvPr>
@@ -748,7 +761,7 @@
           <p:cNvPr id="4" name="Номер слайда 3">
             <a:extLst>
               <a:ext uri="{FF2B5EF4-FFF2-40B4-BE49-F238E27FC236}">
-                <a16:creationId xmlns:a16="http://schemas.microsoft.com/office/drawing/2014/main" id="{742169A6-20F4-BDB4-4F40-BFE7E8CFA420}"/>
+                <a16:creationId xmlns:a16="http://schemas.microsoft.com/office/drawing/2014/main" xmlns="" id="{742169A6-20F4-BDB4-4F40-BFE7E8CFA420}"/>
               </a:ext>
             </a:extLst>
           </p:cNvPr>
@@ -766,7 +779,7 @@
           <a:p>
             <a:fld id="{B4B0967B-69A8-4F3D-9960-6992840C5EA5}" type="slidenum">
               <a:rPr lang="ru-RU" smtClean="0"/>
-              <a:t>10</a:t>
+              <a:t>11</a:t>
             </a:fld>
             <a:endParaRPr lang="ru-RU"/>
           </a:p>
@@ -807,7 +820,7 @@
           <p:cNvPr id="2" name="Заголовок 1">
             <a:extLst>
               <a:ext uri="{FF2B5EF4-FFF2-40B4-BE49-F238E27FC236}">
-                <a16:creationId xmlns:a16="http://schemas.microsoft.com/office/drawing/2014/main" id="{A1F61FE3-B817-796A-515D-AABF3738AE35}"/>
+                <a16:creationId xmlns:a16="http://schemas.microsoft.com/office/drawing/2014/main" xmlns="" id="{A1F61FE3-B817-796A-515D-AABF3738AE35}"/>
               </a:ext>
             </a:extLst>
           </p:cNvPr>
@@ -844,7 +857,7 @@
           <p:cNvPr id="3" name="Подзаголовок 2">
             <a:extLst>
               <a:ext uri="{FF2B5EF4-FFF2-40B4-BE49-F238E27FC236}">
-                <a16:creationId xmlns:a16="http://schemas.microsoft.com/office/drawing/2014/main" id="{528A72E4-EFBB-78AB-30D3-80EA2AC66623}"/>
+                <a16:creationId xmlns:a16="http://schemas.microsoft.com/office/drawing/2014/main" xmlns="" id="{528A72E4-EFBB-78AB-30D3-80EA2AC66623}"/>
               </a:ext>
             </a:extLst>
           </p:cNvPr>
@@ -914,7 +927,7 @@
           <p:cNvPr id="4" name="Дата 3">
             <a:extLst>
               <a:ext uri="{FF2B5EF4-FFF2-40B4-BE49-F238E27FC236}">
-                <a16:creationId xmlns:a16="http://schemas.microsoft.com/office/drawing/2014/main" id="{0B844DFC-5494-EE84-52F7-FC4637A454D0}"/>
+                <a16:creationId xmlns:a16="http://schemas.microsoft.com/office/drawing/2014/main" xmlns="" id="{0B844DFC-5494-EE84-52F7-FC4637A454D0}"/>
               </a:ext>
             </a:extLst>
           </p:cNvPr>
@@ -932,7 +945,7 @@
           <a:p>
             <a:fld id="{E5887495-81A3-4746-A6E7-B9455E82D1E1}" type="datetimeFigureOut">
               <a:rPr lang="ru-RU" smtClean="0"/>
-              <a:t>27.05.2025</a:t>
+              <a:t>29.05.2025</a:t>
             </a:fld>
             <a:endParaRPr lang="ru-RU"/>
           </a:p>
@@ -943,7 +956,7 @@
           <p:cNvPr id="5" name="Нижний колонтитул 4">
             <a:extLst>
               <a:ext uri="{FF2B5EF4-FFF2-40B4-BE49-F238E27FC236}">
-                <a16:creationId xmlns:a16="http://schemas.microsoft.com/office/drawing/2014/main" id="{FCC37CF7-3EBB-2BB7-7708-9500F84C9F64}"/>
+                <a16:creationId xmlns:a16="http://schemas.microsoft.com/office/drawing/2014/main" xmlns="" id="{FCC37CF7-3EBB-2BB7-7708-9500F84C9F64}"/>
               </a:ext>
             </a:extLst>
           </p:cNvPr>
@@ -968,7 +981,7 @@
           <p:cNvPr id="6" name="Номер слайда 5">
             <a:extLst>
               <a:ext uri="{FF2B5EF4-FFF2-40B4-BE49-F238E27FC236}">
-                <a16:creationId xmlns:a16="http://schemas.microsoft.com/office/drawing/2014/main" id="{0147194F-2106-E99A-69C7-2BAC7AB77327}"/>
+                <a16:creationId xmlns:a16="http://schemas.microsoft.com/office/drawing/2014/main" xmlns="" id="{0147194F-2106-E99A-69C7-2BAC7AB77327}"/>
               </a:ext>
             </a:extLst>
           </p:cNvPr>
@@ -1027,7 +1040,7 @@
           <p:cNvPr id="2" name="Заголовок 1">
             <a:extLst>
               <a:ext uri="{FF2B5EF4-FFF2-40B4-BE49-F238E27FC236}">
-                <a16:creationId xmlns:a16="http://schemas.microsoft.com/office/drawing/2014/main" id="{74041F28-5F82-5F72-F7FF-EAD099263A94}"/>
+                <a16:creationId xmlns:a16="http://schemas.microsoft.com/office/drawing/2014/main" xmlns="" id="{74041F28-5F82-5F72-F7FF-EAD099263A94}"/>
               </a:ext>
             </a:extLst>
           </p:cNvPr>
@@ -1055,7 +1068,7 @@
           <p:cNvPr id="3" name="Вертикальный текст 2">
             <a:extLst>
               <a:ext uri="{FF2B5EF4-FFF2-40B4-BE49-F238E27FC236}">
-                <a16:creationId xmlns:a16="http://schemas.microsoft.com/office/drawing/2014/main" id="{DD047374-A1FA-A5D6-D32D-A6E6D904C6FD}"/>
+                <a16:creationId xmlns:a16="http://schemas.microsoft.com/office/drawing/2014/main" xmlns="" id="{DD047374-A1FA-A5D6-D32D-A6E6D904C6FD}"/>
               </a:ext>
             </a:extLst>
           </p:cNvPr>
@@ -1112,7 +1125,7 @@
           <p:cNvPr id="4" name="Дата 3">
             <a:extLst>
               <a:ext uri="{FF2B5EF4-FFF2-40B4-BE49-F238E27FC236}">
-                <a16:creationId xmlns:a16="http://schemas.microsoft.com/office/drawing/2014/main" id="{3CDAB1B6-89BC-716D-5455-CF8AC5A4E37C}"/>
+                <a16:creationId xmlns:a16="http://schemas.microsoft.com/office/drawing/2014/main" xmlns="" id="{3CDAB1B6-89BC-716D-5455-CF8AC5A4E37C}"/>
               </a:ext>
             </a:extLst>
           </p:cNvPr>
@@ -1130,7 +1143,7 @@
           <a:p>
             <a:fld id="{E5887495-81A3-4746-A6E7-B9455E82D1E1}" type="datetimeFigureOut">
               <a:rPr lang="ru-RU" smtClean="0"/>
-              <a:t>27.05.2025</a:t>
+              <a:t>29.05.2025</a:t>
             </a:fld>
             <a:endParaRPr lang="ru-RU"/>
           </a:p>
@@ -1141,7 +1154,7 @@
           <p:cNvPr id="5" name="Нижний колонтитул 4">
             <a:extLst>
               <a:ext uri="{FF2B5EF4-FFF2-40B4-BE49-F238E27FC236}">
-                <a16:creationId xmlns:a16="http://schemas.microsoft.com/office/drawing/2014/main" id="{85CFBC46-EE3C-B678-2FFD-53A0DE0605B4}"/>
+                <a16:creationId xmlns:a16="http://schemas.microsoft.com/office/drawing/2014/main" xmlns="" id="{85CFBC46-EE3C-B678-2FFD-53A0DE0605B4}"/>
               </a:ext>
             </a:extLst>
           </p:cNvPr>
@@ -1166,7 +1179,7 @@
           <p:cNvPr id="6" name="Номер слайда 5">
             <a:extLst>
               <a:ext uri="{FF2B5EF4-FFF2-40B4-BE49-F238E27FC236}">
-                <a16:creationId xmlns:a16="http://schemas.microsoft.com/office/drawing/2014/main" id="{15FB9D26-6921-D3BC-05C2-9C6972C924C8}"/>
+                <a16:creationId xmlns:a16="http://schemas.microsoft.com/office/drawing/2014/main" xmlns="" id="{15FB9D26-6921-D3BC-05C2-9C6972C924C8}"/>
               </a:ext>
             </a:extLst>
           </p:cNvPr>
@@ -1225,7 +1238,7 @@
           <p:cNvPr id="2" name="Вертикальный заголовок 1">
             <a:extLst>
               <a:ext uri="{FF2B5EF4-FFF2-40B4-BE49-F238E27FC236}">
-                <a16:creationId xmlns:a16="http://schemas.microsoft.com/office/drawing/2014/main" id="{3F53FD63-1433-6973-8B12-2088926270B9}"/>
+                <a16:creationId xmlns:a16="http://schemas.microsoft.com/office/drawing/2014/main" xmlns="" id="{3F53FD63-1433-6973-8B12-2088926270B9}"/>
               </a:ext>
             </a:extLst>
           </p:cNvPr>
@@ -1258,7 +1271,7 @@
           <p:cNvPr id="3" name="Вертикальный текст 2">
             <a:extLst>
               <a:ext uri="{FF2B5EF4-FFF2-40B4-BE49-F238E27FC236}">
-                <a16:creationId xmlns:a16="http://schemas.microsoft.com/office/drawing/2014/main" id="{B6674ADD-741C-A36B-65E5-FBBF76259050}"/>
+                <a16:creationId xmlns:a16="http://schemas.microsoft.com/office/drawing/2014/main" xmlns="" id="{B6674ADD-741C-A36B-65E5-FBBF76259050}"/>
               </a:ext>
             </a:extLst>
           </p:cNvPr>
@@ -1320,7 +1333,7 @@
           <p:cNvPr id="4" name="Дата 3">
             <a:extLst>
               <a:ext uri="{FF2B5EF4-FFF2-40B4-BE49-F238E27FC236}">
-                <a16:creationId xmlns:a16="http://schemas.microsoft.com/office/drawing/2014/main" id="{D6114EDE-7DB4-D83F-DC78-D96CE7DE77A1}"/>
+                <a16:creationId xmlns:a16="http://schemas.microsoft.com/office/drawing/2014/main" xmlns="" id="{D6114EDE-7DB4-D83F-DC78-D96CE7DE77A1}"/>
               </a:ext>
             </a:extLst>
           </p:cNvPr>
@@ -1338,7 +1351,7 @@
           <a:p>
             <a:fld id="{E5887495-81A3-4746-A6E7-B9455E82D1E1}" type="datetimeFigureOut">
               <a:rPr lang="ru-RU" smtClean="0"/>
-              <a:t>27.05.2025</a:t>
+              <a:t>29.05.2025</a:t>
             </a:fld>
             <a:endParaRPr lang="ru-RU"/>
           </a:p>
@@ -1349,7 +1362,7 @@
           <p:cNvPr id="5" name="Нижний колонтитул 4">
             <a:extLst>
               <a:ext uri="{FF2B5EF4-FFF2-40B4-BE49-F238E27FC236}">
-                <a16:creationId xmlns:a16="http://schemas.microsoft.com/office/drawing/2014/main" id="{881580ED-678D-E65B-B62F-4453B6F8B970}"/>
+                <a16:creationId xmlns:a16="http://schemas.microsoft.com/office/drawing/2014/main" xmlns="" id="{881580ED-678D-E65B-B62F-4453B6F8B970}"/>
               </a:ext>
             </a:extLst>
           </p:cNvPr>
@@ -1374,7 +1387,7 @@
           <p:cNvPr id="6" name="Номер слайда 5">
             <a:extLst>
               <a:ext uri="{FF2B5EF4-FFF2-40B4-BE49-F238E27FC236}">
-                <a16:creationId xmlns:a16="http://schemas.microsoft.com/office/drawing/2014/main" id="{C2A93AAB-99D7-421D-A529-B6455533C211}"/>
+                <a16:creationId xmlns:a16="http://schemas.microsoft.com/office/drawing/2014/main" xmlns="" id="{C2A93AAB-99D7-421D-A529-B6455533C211}"/>
               </a:ext>
             </a:extLst>
           </p:cNvPr>
@@ -1433,7 +1446,7 @@
           <p:cNvPr id="2" name="Заголовок 1">
             <a:extLst>
               <a:ext uri="{FF2B5EF4-FFF2-40B4-BE49-F238E27FC236}">
-                <a16:creationId xmlns:a16="http://schemas.microsoft.com/office/drawing/2014/main" id="{64417FBE-5F2F-B1E9-9B0C-802F61D3C284}"/>
+                <a16:creationId xmlns:a16="http://schemas.microsoft.com/office/drawing/2014/main" xmlns="" id="{64417FBE-5F2F-B1E9-9B0C-802F61D3C284}"/>
               </a:ext>
             </a:extLst>
           </p:cNvPr>
@@ -1461,7 +1474,7 @@
           <p:cNvPr id="3" name="Объект 2">
             <a:extLst>
               <a:ext uri="{FF2B5EF4-FFF2-40B4-BE49-F238E27FC236}">
-                <a16:creationId xmlns:a16="http://schemas.microsoft.com/office/drawing/2014/main" id="{CCEA0042-AA60-BBAE-747F-F9EE2557CB47}"/>
+                <a16:creationId xmlns:a16="http://schemas.microsoft.com/office/drawing/2014/main" xmlns="" id="{CCEA0042-AA60-BBAE-747F-F9EE2557CB47}"/>
               </a:ext>
             </a:extLst>
           </p:cNvPr>
@@ -1518,7 +1531,7 @@
           <p:cNvPr id="4" name="Дата 3">
             <a:extLst>
               <a:ext uri="{FF2B5EF4-FFF2-40B4-BE49-F238E27FC236}">
-                <a16:creationId xmlns:a16="http://schemas.microsoft.com/office/drawing/2014/main" id="{C40CBF57-C88E-9763-8381-7A6C7679D5AC}"/>
+                <a16:creationId xmlns:a16="http://schemas.microsoft.com/office/drawing/2014/main" xmlns="" id="{C40CBF57-C88E-9763-8381-7A6C7679D5AC}"/>
               </a:ext>
             </a:extLst>
           </p:cNvPr>
@@ -1536,7 +1549,7 @@
           <a:p>
             <a:fld id="{E5887495-81A3-4746-A6E7-B9455E82D1E1}" type="datetimeFigureOut">
               <a:rPr lang="ru-RU" smtClean="0"/>
-              <a:t>27.05.2025</a:t>
+              <a:t>29.05.2025</a:t>
             </a:fld>
             <a:endParaRPr lang="ru-RU"/>
           </a:p>
@@ -1547,7 +1560,7 @@
           <p:cNvPr id="5" name="Нижний колонтитул 4">
             <a:extLst>
               <a:ext uri="{FF2B5EF4-FFF2-40B4-BE49-F238E27FC236}">
-                <a16:creationId xmlns:a16="http://schemas.microsoft.com/office/drawing/2014/main" id="{77C45E24-0262-5FE1-4EB1-03EC33AF5A77}"/>
+                <a16:creationId xmlns:a16="http://schemas.microsoft.com/office/drawing/2014/main" xmlns="" id="{77C45E24-0262-5FE1-4EB1-03EC33AF5A77}"/>
               </a:ext>
             </a:extLst>
           </p:cNvPr>
@@ -1572,7 +1585,7 @@
           <p:cNvPr id="6" name="Номер слайда 5">
             <a:extLst>
               <a:ext uri="{FF2B5EF4-FFF2-40B4-BE49-F238E27FC236}">
-                <a16:creationId xmlns:a16="http://schemas.microsoft.com/office/drawing/2014/main" id="{6C62247C-FCCF-E0B1-FFCA-AD7C2AE14595}"/>
+                <a16:creationId xmlns:a16="http://schemas.microsoft.com/office/drawing/2014/main" xmlns="" id="{6C62247C-FCCF-E0B1-FFCA-AD7C2AE14595}"/>
               </a:ext>
             </a:extLst>
           </p:cNvPr>
@@ -1631,7 +1644,7 @@
           <p:cNvPr id="2" name="Заголовок 1">
             <a:extLst>
               <a:ext uri="{FF2B5EF4-FFF2-40B4-BE49-F238E27FC236}">
-                <a16:creationId xmlns:a16="http://schemas.microsoft.com/office/drawing/2014/main" id="{401EF223-3014-8F3E-07F3-8CE5BFCD8189}"/>
+                <a16:creationId xmlns:a16="http://schemas.microsoft.com/office/drawing/2014/main" xmlns="" id="{401EF223-3014-8F3E-07F3-8CE5BFCD8189}"/>
               </a:ext>
             </a:extLst>
           </p:cNvPr>
@@ -1668,7 +1681,7 @@
           <p:cNvPr id="3" name="Текст 2">
             <a:extLst>
               <a:ext uri="{FF2B5EF4-FFF2-40B4-BE49-F238E27FC236}">
-                <a16:creationId xmlns:a16="http://schemas.microsoft.com/office/drawing/2014/main" id="{BCBA6A95-E07C-F112-9780-A919B6F051A7}"/>
+                <a16:creationId xmlns:a16="http://schemas.microsoft.com/office/drawing/2014/main" xmlns="" id="{BCBA6A95-E07C-F112-9780-A919B6F051A7}"/>
               </a:ext>
             </a:extLst>
           </p:cNvPr>
@@ -1793,7 +1806,7 @@
           <p:cNvPr id="4" name="Дата 3">
             <a:extLst>
               <a:ext uri="{FF2B5EF4-FFF2-40B4-BE49-F238E27FC236}">
-                <a16:creationId xmlns:a16="http://schemas.microsoft.com/office/drawing/2014/main" id="{6D89B23E-557F-331F-CF6C-8A0608FFA915}"/>
+                <a16:creationId xmlns:a16="http://schemas.microsoft.com/office/drawing/2014/main" xmlns="" id="{6D89B23E-557F-331F-CF6C-8A0608FFA915}"/>
               </a:ext>
             </a:extLst>
           </p:cNvPr>
@@ -1811,7 +1824,7 @@
           <a:p>
             <a:fld id="{E5887495-81A3-4746-A6E7-B9455E82D1E1}" type="datetimeFigureOut">
               <a:rPr lang="ru-RU" smtClean="0"/>
-              <a:t>27.05.2025</a:t>
+              <a:t>29.05.2025</a:t>
             </a:fld>
             <a:endParaRPr lang="ru-RU"/>
           </a:p>
@@ -1822,7 +1835,7 @@
           <p:cNvPr id="5" name="Нижний колонтитул 4">
             <a:extLst>
               <a:ext uri="{FF2B5EF4-FFF2-40B4-BE49-F238E27FC236}">
-                <a16:creationId xmlns:a16="http://schemas.microsoft.com/office/drawing/2014/main" id="{8F296058-8157-4AB9-99AF-98A9DBB7418E}"/>
+                <a16:creationId xmlns:a16="http://schemas.microsoft.com/office/drawing/2014/main" xmlns="" id="{8F296058-8157-4AB9-99AF-98A9DBB7418E}"/>
               </a:ext>
             </a:extLst>
           </p:cNvPr>
@@ -1847,7 +1860,7 @@
           <p:cNvPr id="6" name="Номер слайда 5">
             <a:extLst>
               <a:ext uri="{FF2B5EF4-FFF2-40B4-BE49-F238E27FC236}">
-                <a16:creationId xmlns:a16="http://schemas.microsoft.com/office/drawing/2014/main" id="{9E97D4EB-0400-E1E5-9231-46BE88274948}"/>
+                <a16:creationId xmlns:a16="http://schemas.microsoft.com/office/drawing/2014/main" xmlns="" id="{9E97D4EB-0400-E1E5-9231-46BE88274948}"/>
               </a:ext>
             </a:extLst>
           </p:cNvPr>
@@ -1906,7 +1919,7 @@
           <p:cNvPr id="2" name="Заголовок 1">
             <a:extLst>
               <a:ext uri="{FF2B5EF4-FFF2-40B4-BE49-F238E27FC236}">
-                <a16:creationId xmlns:a16="http://schemas.microsoft.com/office/drawing/2014/main" id="{962AC337-236B-B776-3590-E6D27C38A48D}"/>
+                <a16:creationId xmlns:a16="http://schemas.microsoft.com/office/drawing/2014/main" xmlns="" id="{962AC337-236B-B776-3590-E6D27C38A48D}"/>
               </a:ext>
             </a:extLst>
           </p:cNvPr>
@@ -1934,7 +1947,7 @@
           <p:cNvPr id="3" name="Объект 2">
             <a:extLst>
               <a:ext uri="{FF2B5EF4-FFF2-40B4-BE49-F238E27FC236}">
-                <a16:creationId xmlns:a16="http://schemas.microsoft.com/office/drawing/2014/main" id="{28BA209D-6386-2C41-17BF-BA568927A81F}"/>
+                <a16:creationId xmlns:a16="http://schemas.microsoft.com/office/drawing/2014/main" xmlns="" id="{28BA209D-6386-2C41-17BF-BA568927A81F}"/>
               </a:ext>
             </a:extLst>
           </p:cNvPr>
@@ -1996,7 +2009,7 @@
           <p:cNvPr id="4" name="Объект 3">
             <a:extLst>
               <a:ext uri="{FF2B5EF4-FFF2-40B4-BE49-F238E27FC236}">
-                <a16:creationId xmlns:a16="http://schemas.microsoft.com/office/drawing/2014/main" id="{C5BD3931-DA89-BFDB-2E46-6F970AFFE14E}"/>
+                <a16:creationId xmlns:a16="http://schemas.microsoft.com/office/drawing/2014/main" xmlns="" id="{C5BD3931-DA89-BFDB-2E46-6F970AFFE14E}"/>
               </a:ext>
             </a:extLst>
           </p:cNvPr>
@@ -2058,7 +2071,7 @@
           <p:cNvPr id="5" name="Дата 4">
             <a:extLst>
               <a:ext uri="{FF2B5EF4-FFF2-40B4-BE49-F238E27FC236}">
-                <a16:creationId xmlns:a16="http://schemas.microsoft.com/office/drawing/2014/main" id="{7E9568E2-C2BC-877B-EACE-F49B0D11DFF6}"/>
+                <a16:creationId xmlns:a16="http://schemas.microsoft.com/office/drawing/2014/main" xmlns="" id="{7E9568E2-C2BC-877B-EACE-F49B0D11DFF6}"/>
               </a:ext>
             </a:extLst>
           </p:cNvPr>
@@ -2076,7 +2089,7 @@
           <a:p>
             <a:fld id="{E5887495-81A3-4746-A6E7-B9455E82D1E1}" type="datetimeFigureOut">
               <a:rPr lang="ru-RU" smtClean="0"/>
-              <a:t>27.05.2025</a:t>
+              <a:t>29.05.2025</a:t>
             </a:fld>
             <a:endParaRPr lang="ru-RU"/>
           </a:p>
@@ -2087,7 +2100,7 @@
           <p:cNvPr id="6" name="Нижний колонтитул 5">
             <a:extLst>
               <a:ext uri="{FF2B5EF4-FFF2-40B4-BE49-F238E27FC236}">
-                <a16:creationId xmlns:a16="http://schemas.microsoft.com/office/drawing/2014/main" id="{4AEDBC47-2D79-5FFF-FE50-EB614F011F03}"/>
+                <a16:creationId xmlns:a16="http://schemas.microsoft.com/office/drawing/2014/main" xmlns="" id="{4AEDBC47-2D79-5FFF-FE50-EB614F011F03}"/>
               </a:ext>
             </a:extLst>
           </p:cNvPr>
@@ -2112,7 +2125,7 @@
           <p:cNvPr id="7" name="Номер слайда 6">
             <a:extLst>
               <a:ext uri="{FF2B5EF4-FFF2-40B4-BE49-F238E27FC236}">
-                <a16:creationId xmlns:a16="http://schemas.microsoft.com/office/drawing/2014/main" id="{2C9A545F-1459-B603-CAAC-585CFAF1799E}"/>
+                <a16:creationId xmlns:a16="http://schemas.microsoft.com/office/drawing/2014/main" xmlns="" id="{2C9A545F-1459-B603-CAAC-585CFAF1799E}"/>
               </a:ext>
             </a:extLst>
           </p:cNvPr>
@@ -2171,7 +2184,7 @@
           <p:cNvPr id="2" name="Заголовок 1">
             <a:extLst>
               <a:ext uri="{FF2B5EF4-FFF2-40B4-BE49-F238E27FC236}">
-                <a16:creationId xmlns:a16="http://schemas.microsoft.com/office/drawing/2014/main" id="{6A8C9F2C-0C2D-25A8-B450-CE87B0A3E264}"/>
+                <a16:creationId xmlns:a16="http://schemas.microsoft.com/office/drawing/2014/main" xmlns="" id="{6A8C9F2C-0C2D-25A8-B450-CE87B0A3E264}"/>
               </a:ext>
             </a:extLst>
           </p:cNvPr>
@@ -2204,7 +2217,7 @@
           <p:cNvPr id="3" name="Текст 2">
             <a:extLst>
               <a:ext uri="{FF2B5EF4-FFF2-40B4-BE49-F238E27FC236}">
-                <a16:creationId xmlns:a16="http://schemas.microsoft.com/office/drawing/2014/main" id="{4D60155A-5545-8101-1B96-81F2E39DCF94}"/>
+                <a16:creationId xmlns:a16="http://schemas.microsoft.com/office/drawing/2014/main" xmlns="" id="{4D60155A-5545-8101-1B96-81F2E39DCF94}"/>
               </a:ext>
             </a:extLst>
           </p:cNvPr>
@@ -2275,7 +2288,7 @@
           <p:cNvPr id="4" name="Объект 3">
             <a:extLst>
               <a:ext uri="{FF2B5EF4-FFF2-40B4-BE49-F238E27FC236}">
-                <a16:creationId xmlns:a16="http://schemas.microsoft.com/office/drawing/2014/main" id="{26344996-FFFC-E7E8-6AF9-BC920756130D}"/>
+                <a16:creationId xmlns:a16="http://schemas.microsoft.com/office/drawing/2014/main" xmlns="" id="{26344996-FFFC-E7E8-6AF9-BC920756130D}"/>
               </a:ext>
             </a:extLst>
           </p:cNvPr>
@@ -2337,7 +2350,7 @@
           <p:cNvPr id="5" name="Текст 4">
             <a:extLst>
               <a:ext uri="{FF2B5EF4-FFF2-40B4-BE49-F238E27FC236}">
-                <a16:creationId xmlns:a16="http://schemas.microsoft.com/office/drawing/2014/main" id="{421FF5F5-5021-6661-AB84-091ABE286337}"/>
+                <a16:creationId xmlns:a16="http://schemas.microsoft.com/office/drawing/2014/main" xmlns="" id="{421FF5F5-5021-6661-AB84-091ABE286337}"/>
               </a:ext>
             </a:extLst>
           </p:cNvPr>
@@ -2408,7 +2421,7 @@
           <p:cNvPr id="6" name="Объект 5">
             <a:extLst>
               <a:ext uri="{FF2B5EF4-FFF2-40B4-BE49-F238E27FC236}">
-                <a16:creationId xmlns:a16="http://schemas.microsoft.com/office/drawing/2014/main" id="{B0DF5818-B48C-C658-47B4-8A9B2445E6FE}"/>
+                <a16:creationId xmlns:a16="http://schemas.microsoft.com/office/drawing/2014/main" xmlns="" id="{B0DF5818-B48C-C658-47B4-8A9B2445E6FE}"/>
               </a:ext>
             </a:extLst>
           </p:cNvPr>
@@ -2470,7 +2483,7 @@
           <p:cNvPr id="7" name="Дата 6">
             <a:extLst>
               <a:ext uri="{FF2B5EF4-FFF2-40B4-BE49-F238E27FC236}">
-                <a16:creationId xmlns:a16="http://schemas.microsoft.com/office/drawing/2014/main" id="{369365BC-5B66-B07E-E812-94D976C6E802}"/>
+                <a16:creationId xmlns:a16="http://schemas.microsoft.com/office/drawing/2014/main" xmlns="" id="{369365BC-5B66-B07E-E812-94D976C6E802}"/>
               </a:ext>
             </a:extLst>
           </p:cNvPr>
@@ -2488,7 +2501,7 @@
           <a:p>
             <a:fld id="{E5887495-81A3-4746-A6E7-B9455E82D1E1}" type="datetimeFigureOut">
               <a:rPr lang="ru-RU" smtClean="0"/>
-              <a:t>27.05.2025</a:t>
+              <a:t>29.05.2025</a:t>
             </a:fld>
             <a:endParaRPr lang="ru-RU"/>
           </a:p>
@@ -2499,7 +2512,7 @@
           <p:cNvPr id="8" name="Нижний колонтитул 7">
             <a:extLst>
               <a:ext uri="{FF2B5EF4-FFF2-40B4-BE49-F238E27FC236}">
-                <a16:creationId xmlns:a16="http://schemas.microsoft.com/office/drawing/2014/main" id="{C74DA26D-930C-A908-6F10-EB1DD1672D25}"/>
+                <a16:creationId xmlns:a16="http://schemas.microsoft.com/office/drawing/2014/main" xmlns="" id="{C74DA26D-930C-A908-6F10-EB1DD1672D25}"/>
               </a:ext>
             </a:extLst>
           </p:cNvPr>
@@ -2524,7 +2537,7 @@
           <p:cNvPr id="9" name="Номер слайда 8">
             <a:extLst>
               <a:ext uri="{FF2B5EF4-FFF2-40B4-BE49-F238E27FC236}">
-                <a16:creationId xmlns:a16="http://schemas.microsoft.com/office/drawing/2014/main" id="{0014AA84-1AE5-C37F-E96B-1F7E28A4744A}"/>
+                <a16:creationId xmlns:a16="http://schemas.microsoft.com/office/drawing/2014/main" xmlns="" id="{0014AA84-1AE5-C37F-E96B-1F7E28A4744A}"/>
               </a:ext>
             </a:extLst>
           </p:cNvPr>
@@ -2583,7 +2596,7 @@
           <p:cNvPr id="2" name="Заголовок 1">
             <a:extLst>
               <a:ext uri="{FF2B5EF4-FFF2-40B4-BE49-F238E27FC236}">
-                <a16:creationId xmlns:a16="http://schemas.microsoft.com/office/drawing/2014/main" id="{3CF7502D-F1A3-EE6C-2075-47BEB4CAE2B0}"/>
+                <a16:creationId xmlns:a16="http://schemas.microsoft.com/office/drawing/2014/main" xmlns="" id="{3CF7502D-F1A3-EE6C-2075-47BEB4CAE2B0}"/>
               </a:ext>
             </a:extLst>
           </p:cNvPr>
@@ -2611,7 +2624,7 @@
           <p:cNvPr id="3" name="Дата 2">
             <a:extLst>
               <a:ext uri="{FF2B5EF4-FFF2-40B4-BE49-F238E27FC236}">
-                <a16:creationId xmlns:a16="http://schemas.microsoft.com/office/drawing/2014/main" id="{4543A27F-AF46-A48D-1515-0DA4F9DA0BDA}"/>
+                <a16:creationId xmlns:a16="http://schemas.microsoft.com/office/drawing/2014/main" xmlns="" id="{4543A27F-AF46-A48D-1515-0DA4F9DA0BDA}"/>
               </a:ext>
             </a:extLst>
           </p:cNvPr>
@@ -2629,7 +2642,7 @@
           <a:p>
             <a:fld id="{E5887495-81A3-4746-A6E7-B9455E82D1E1}" type="datetimeFigureOut">
               <a:rPr lang="ru-RU" smtClean="0"/>
-              <a:t>27.05.2025</a:t>
+              <a:t>29.05.2025</a:t>
             </a:fld>
             <a:endParaRPr lang="ru-RU"/>
           </a:p>
@@ -2640,7 +2653,7 @@
           <p:cNvPr id="4" name="Нижний колонтитул 3">
             <a:extLst>
               <a:ext uri="{FF2B5EF4-FFF2-40B4-BE49-F238E27FC236}">
-                <a16:creationId xmlns:a16="http://schemas.microsoft.com/office/drawing/2014/main" id="{B8DC0F44-2C81-59B1-0D9B-B9BD5E2AD043}"/>
+                <a16:creationId xmlns:a16="http://schemas.microsoft.com/office/drawing/2014/main" xmlns="" id="{B8DC0F44-2C81-59B1-0D9B-B9BD5E2AD043}"/>
               </a:ext>
             </a:extLst>
           </p:cNvPr>
@@ -2665,7 +2678,7 @@
           <p:cNvPr id="5" name="Номер слайда 4">
             <a:extLst>
               <a:ext uri="{FF2B5EF4-FFF2-40B4-BE49-F238E27FC236}">
-                <a16:creationId xmlns:a16="http://schemas.microsoft.com/office/drawing/2014/main" id="{A13D1A67-1D03-0F7F-22D8-49F28D25955A}"/>
+                <a16:creationId xmlns:a16="http://schemas.microsoft.com/office/drawing/2014/main" xmlns="" id="{A13D1A67-1D03-0F7F-22D8-49F28D25955A}"/>
               </a:ext>
             </a:extLst>
           </p:cNvPr>
@@ -2724,7 +2737,7 @@
           <p:cNvPr id="2" name="Дата 1">
             <a:extLst>
               <a:ext uri="{FF2B5EF4-FFF2-40B4-BE49-F238E27FC236}">
-                <a16:creationId xmlns:a16="http://schemas.microsoft.com/office/drawing/2014/main" id="{BFAB4839-A3D8-9A05-2DC2-05C8D8C27D42}"/>
+                <a16:creationId xmlns:a16="http://schemas.microsoft.com/office/drawing/2014/main" xmlns="" id="{BFAB4839-A3D8-9A05-2DC2-05C8D8C27D42}"/>
               </a:ext>
             </a:extLst>
           </p:cNvPr>
@@ -2742,7 +2755,7 @@
           <a:p>
             <a:fld id="{E5887495-81A3-4746-A6E7-B9455E82D1E1}" type="datetimeFigureOut">
               <a:rPr lang="ru-RU" smtClean="0"/>
-              <a:t>27.05.2025</a:t>
+              <a:t>29.05.2025</a:t>
             </a:fld>
             <a:endParaRPr lang="ru-RU"/>
           </a:p>
@@ -2753,7 +2766,7 @@
           <p:cNvPr id="3" name="Нижний колонтитул 2">
             <a:extLst>
               <a:ext uri="{FF2B5EF4-FFF2-40B4-BE49-F238E27FC236}">
-                <a16:creationId xmlns:a16="http://schemas.microsoft.com/office/drawing/2014/main" id="{8991F9E9-DBFE-0567-289E-988B4F3C1540}"/>
+                <a16:creationId xmlns:a16="http://schemas.microsoft.com/office/drawing/2014/main" xmlns="" id="{8991F9E9-DBFE-0567-289E-988B4F3C1540}"/>
               </a:ext>
             </a:extLst>
           </p:cNvPr>
@@ -2778,7 +2791,7 @@
           <p:cNvPr id="4" name="Номер слайда 3">
             <a:extLst>
               <a:ext uri="{FF2B5EF4-FFF2-40B4-BE49-F238E27FC236}">
-                <a16:creationId xmlns:a16="http://schemas.microsoft.com/office/drawing/2014/main" id="{85D3666A-2B98-116C-A90C-98E198BC2873}"/>
+                <a16:creationId xmlns:a16="http://schemas.microsoft.com/office/drawing/2014/main" xmlns="" id="{85D3666A-2B98-116C-A90C-98E198BC2873}"/>
               </a:ext>
             </a:extLst>
           </p:cNvPr>
@@ -2837,7 +2850,7 @@
           <p:cNvPr id="2" name="Заголовок 1">
             <a:extLst>
               <a:ext uri="{FF2B5EF4-FFF2-40B4-BE49-F238E27FC236}">
-                <a16:creationId xmlns:a16="http://schemas.microsoft.com/office/drawing/2014/main" id="{00B3E7BD-0A03-8F41-5359-60719955532B}"/>
+                <a16:creationId xmlns:a16="http://schemas.microsoft.com/office/drawing/2014/main" xmlns="" id="{00B3E7BD-0A03-8F41-5359-60719955532B}"/>
               </a:ext>
             </a:extLst>
           </p:cNvPr>
@@ -2874,7 +2887,7 @@
           <p:cNvPr id="3" name="Объект 2">
             <a:extLst>
               <a:ext uri="{FF2B5EF4-FFF2-40B4-BE49-F238E27FC236}">
-                <a16:creationId xmlns:a16="http://schemas.microsoft.com/office/drawing/2014/main" id="{965B285D-BA47-4E50-9018-5CC7833F168B}"/>
+                <a16:creationId xmlns:a16="http://schemas.microsoft.com/office/drawing/2014/main" xmlns="" id="{965B285D-BA47-4E50-9018-5CC7833F168B}"/>
               </a:ext>
             </a:extLst>
           </p:cNvPr>
@@ -2964,7 +2977,7 @@
           <p:cNvPr id="4" name="Текст 3">
             <a:extLst>
               <a:ext uri="{FF2B5EF4-FFF2-40B4-BE49-F238E27FC236}">
-                <a16:creationId xmlns:a16="http://schemas.microsoft.com/office/drawing/2014/main" id="{78BA4DF7-0121-50B4-6625-9B0CD1082F64}"/>
+                <a16:creationId xmlns:a16="http://schemas.microsoft.com/office/drawing/2014/main" xmlns="" id="{78BA4DF7-0121-50B4-6625-9B0CD1082F64}"/>
               </a:ext>
             </a:extLst>
           </p:cNvPr>
@@ -3035,7 +3048,7 @@
           <p:cNvPr id="5" name="Дата 4">
             <a:extLst>
               <a:ext uri="{FF2B5EF4-FFF2-40B4-BE49-F238E27FC236}">
-                <a16:creationId xmlns:a16="http://schemas.microsoft.com/office/drawing/2014/main" id="{4BC5906B-2157-A732-0B30-C0D75E25970C}"/>
+                <a16:creationId xmlns:a16="http://schemas.microsoft.com/office/drawing/2014/main" xmlns="" id="{4BC5906B-2157-A732-0B30-C0D75E25970C}"/>
               </a:ext>
             </a:extLst>
           </p:cNvPr>
@@ -3053,7 +3066,7 @@
           <a:p>
             <a:fld id="{E5887495-81A3-4746-A6E7-B9455E82D1E1}" type="datetimeFigureOut">
               <a:rPr lang="ru-RU" smtClean="0"/>
-              <a:t>27.05.2025</a:t>
+              <a:t>29.05.2025</a:t>
             </a:fld>
             <a:endParaRPr lang="ru-RU"/>
           </a:p>
@@ -3064,7 +3077,7 @@
           <p:cNvPr id="6" name="Нижний колонтитул 5">
             <a:extLst>
               <a:ext uri="{FF2B5EF4-FFF2-40B4-BE49-F238E27FC236}">
-                <a16:creationId xmlns:a16="http://schemas.microsoft.com/office/drawing/2014/main" id="{E837285C-FE5E-D44A-22C8-001D07E30524}"/>
+                <a16:creationId xmlns:a16="http://schemas.microsoft.com/office/drawing/2014/main" xmlns="" id="{E837285C-FE5E-D44A-22C8-001D07E30524}"/>
               </a:ext>
             </a:extLst>
           </p:cNvPr>
@@ -3089,7 +3102,7 @@
           <p:cNvPr id="7" name="Номер слайда 6">
             <a:extLst>
               <a:ext uri="{FF2B5EF4-FFF2-40B4-BE49-F238E27FC236}">
-                <a16:creationId xmlns:a16="http://schemas.microsoft.com/office/drawing/2014/main" id="{80DCFFA0-4F2B-0D90-3D2E-837648FC4F21}"/>
+                <a16:creationId xmlns:a16="http://schemas.microsoft.com/office/drawing/2014/main" xmlns="" id="{80DCFFA0-4F2B-0D90-3D2E-837648FC4F21}"/>
               </a:ext>
             </a:extLst>
           </p:cNvPr>
@@ -3148,7 +3161,7 @@
           <p:cNvPr id="2" name="Заголовок 1">
             <a:extLst>
               <a:ext uri="{FF2B5EF4-FFF2-40B4-BE49-F238E27FC236}">
-                <a16:creationId xmlns:a16="http://schemas.microsoft.com/office/drawing/2014/main" id="{B24D80BE-FC28-19FF-25FD-079A2D7CADEB}"/>
+                <a16:creationId xmlns:a16="http://schemas.microsoft.com/office/drawing/2014/main" xmlns="" id="{B24D80BE-FC28-19FF-25FD-079A2D7CADEB}"/>
               </a:ext>
             </a:extLst>
           </p:cNvPr>
@@ -3185,7 +3198,7 @@
           <p:cNvPr id="3" name="Рисунок 2">
             <a:extLst>
               <a:ext uri="{FF2B5EF4-FFF2-40B4-BE49-F238E27FC236}">
-                <a16:creationId xmlns:a16="http://schemas.microsoft.com/office/drawing/2014/main" id="{9CC563F1-03A6-A87F-2326-6C7FB99FB553}"/>
+                <a16:creationId xmlns:a16="http://schemas.microsoft.com/office/drawing/2014/main" xmlns="" id="{9CC563F1-03A6-A87F-2326-6C7FB99FB553}"/>
               </a:ext>
             </a:extLst>
           </p:cNvPr>
@@ -3252,7 +3265,7 @@
           <p:cNvPr id="4" name="Текст 3">
             <a:extLst>
               <a:ext uri="{FF2B5EF4-FFF2-40B4-BE49-F238E27FC236}">
-                <a16:creationId xmlns:a16="http://schemas.microsoft.com/office/drawing/2014/main" id="{7D232EB4-C3BA-3C76-5E37-B34A148D5D79}"/>
+                <a16:creationId xmlns:a16="http://schemas.microsoft.com/office/drawing/2014/main" xmlns="" id="{7D232EB4-C3BA-3C76-5E37-B34A148D5D79}"/>
               </a:ext>
             </a:extLst>
           </p:cNvPr>
@@ -3323,7 +3336,7 @@
           <p:cNvPr id="5" name="Дата 4">
             <a:extLst>
               <a:ext uri="{FF2B5EF4-FFF2-40B4-BE49-F238E27FC236}">
-                <a16:creationId xmlns:a16="http://schemas.microsoft.com/office/drawing/2014/main" id="{168BD417-8738-12A7-55F3-5E2B6204A755}"/>
+                <a16:creationId xmlns:a16="http://schemas.microsoft.com/office/drawing/2014/main" xmlns="" id="{168BD417-8738-12A7-55F3-5E2B6204A755}"/>
               </a:ext>
             </a:extLst>
           </p:cNvPr>
@@ -3341,7 +3354,7 @@
           <a:p>
             <a:fld id="{E5887495-81A3-4746-A6E7-B9455E82D1E1}" type="datetimeFigureOut">
               <a:rPr lang="ru-RU" smtClean="0"/>
-              <a:t>27.05.2025</a:t>
+              <a:t>29.05.2025</a:t>
             </a:fld>
             <a:endParaRPr lang="ru-RU"/>
           </a:p>
@@ -3352,7 +3365,7 @@
           <p:cNvPr id="6" name="Нижний колонтитул 5">
             <a:extLst>
               <a:ext uri="{FF2B5EF4-FFF2-40B4-BE49-F238E27FC236}">
-                <a16:creationId xmlns:a16="http://schemas.microsoft.com/office/drawing/2014/main" id="{681FC2D7-80A5-C70B-1DE6-13F6962FA9C1}"/>
+                <a16:creationId xmlns:a16="http://schemas.microsoft.com/office/drawing/2014/main" xmlns="" id="{681FC2D7-80A5-C70B-1DE6-13F6962FA9C1}"/>
               </a:ext>
             </a:extLst>
           </p:cNvPr>
@@ -3377,7 +3390,7 @@
           <p:cNvPr id="7" name="Номер слайда 6">
             <a:extLst>
               <a:ext uri="{FF2B5EF4-FFF2-40B4-BE49-F238E27FC236}">
-                <a16:creationId xmlns:a16="http://schemas.microsoft.com/office/drawing/2014/main" id="{FAA0BC24-E3C8-78C0-4E59-1FB0B7CAC07F}"/>
+                <a16:creationId xmlns:a16="http://schemas.microsoft.com/office/drawing/2014/main" xmlns="" id="{FAA0BC24-E3C8-78C0-4E59-1FB0B7CAC07F}"/>
               </a:ext>
             </a:extLst>
           </p:cNvPr>
@@ -3471,7 +3484,7 @@
           <p:cNvPr id="2" name="Заголовок 1">
             <a:extLst>
               <a:ext uri="{FF2B5EF4-FFF2-40B4-BE49-F238E27FC236}">
-                <a16:creationId xmlns:a16="http://schemas.microsoft.com/office/drawing/2014/main" id="{2ECA990E-6D9F-8494-D97D-6A1BA9BF9907}"/>
+                <a16:creationId xmlns:a16="http://schemas.microsoft.com/office/drawing/2014/main" xmlns="" id="{2ECA990E-6D9F-8494-D97D-6A1BA9BF9907}"/>
               </a:ext>
             </a:extLst>
           </p:cNvPr>
@@ -3509,7 +3522,7 @@
           <p:cNvPr id="3" name="Текст 2">
             <a:extLst>
               <a:ext uri="{FF2B5EF4-FFF2-40B4-BE49-F238E27FC236}">
-                <a16:creationId xmlns:a16="http://schemas.microsoft.com/office/drawing/2014/main" id="{165E7381-FABB-A918-0CD1-B509B321706B}"/>
+                <a16:creationId xmlns:a16="http://schemas.microsoft.com/office/drawing/2014/main" xmlns="" id="{165E7381-FABB-A918-0CD1-B509B321706B}"/>
               </a:ext>
             </a:extLst>
           </p:cNvPr>
@@ -3576,7 +3589,7 @@
           <p:cNvPr id="4" name="Дата 3">
             <a:extLst>
               <a:ext uri="{FF2B5EF4-FFF2-40B4-BE49-F238E27FC236}">
-                <a16:creationId xmlns:a16="http://schemas.microsoft.com/office/drawing/2014/main" id="{00C4479D-43DC-4421-777A-24759CB39C5B}"/>
+                <a16:creationId xmlns:a16="http://schemas.microsoft.com/office/drawing/2014/main" xmlns="" id="{00C4479D-43DC-4421-777A-24759CB39C5B}"/>
               </a:ext>
             </a:extLst>
           </p:cNvPr>
@@ -3612,7 +3625,7 @@
           <a:p>
             <a:fld id="{E5887495-81A3-4746-A6E7-B9455E82D1E1}" type="datetimeFigureOut">
               <a:rPr lang="ru-RU" smtClean="0"/>
-              <a:t>27.05.2025</a:t>
+              <a:t>29.05.2025</a:t>
             </a:fld>
             <a:endParaRPr lang="ru-RU"/>
           </a:p>
@@ -3623,7 +3636,7 @@
           <p:cNvPr id="5" name="Нижний колонтитул 4">
             <a:extLst>
               <a:ext uri="{FF2B5EF4-FFF2-40B4-BE49-F238E27FC236}">
-                <a16:creationId xmlns:a16="http://schemas.microsoft.com/office/drawing/2014/main" id="{7E28E02B-171B-2328-03CB-F18D911A9274}"/>
+                <a16:creationId xmlns:a16="http://schemas.microsoft.com/office/drawing/2014/main" xmlns="" id="{7E28E02B-171B-2328-03CB-F18D911A9274}"/>
               </a:ext>
             </a:extLst>
           </p:cNvPr>
@@ -3666,7 +3679,7 @@
           <p:cNvPr id="6" name="Номер слайда 5">
             <a:extLst>
               <a:ext uri="{FF2B5EF4-FFF2-40B4-BE49-F238E27FC236}">
-                <a16:creationId xmlns:a16="http://schemas.microsoft.com/office/drawing/2014/main" id="{D6789276-77BC-11D0-5ABE-3C40AF620176}"/>
+                <a16:creationId xmlns:a16="http://schemas.microsoft.com/office/drawing/2014/main" xmlns="" id="{D6789276-77BC-11D0-5ABE-3C40AF620176}"/>
               </a:ext>
             </a:extLst>
           </p:cNvPr>
@@ -4069,7 +4082,7 @@
           <p:cNvPr id="2" name="Заголовок 1">
             <a:extLst>
               <a:ext uri="{FF2B5EF4-FFF2-40B4-BE49-F238E27FC236}">
-                <a16:creationId xmlns:a16="http://schemas.microsoft.com/office/drawing/2014/main" id="{832C14C5-F4AA-9F80-D7C7-C310C623F60D}"/>
+                <a16:creationId xmlns:a16="http://schemas.microsoft.com/office/drawing/2014/main" xmlns="" id="{832C14C5-F4AA-9F80-D7C7-C310C623F60D}"/>
               </a:ext>
             </a:extLst>
           </p:cNvPr>
@@ -4115,7 +4128,7 @@
           <p:cNvPr id="3" name="Подзаголовок 2">
             <a:extLst>
               <a:ext uri="{FF2B5EF4-FFF2-40B4-BE49-F238E27FC236}">
-                <a16:creationId xmlns:a16="http://schemas.microsoft.com/office/drawing/2014/main" id="{D39D9A25-8686-9F9D-20C2-287CEF3E16F8}"/>
+                <a16:creationId xmlns:a16="http://schemas.microsoft.com/office/drawing/2014/main" xmlns="" id="{D39D9A25-8686-9F9D-20C2-287CEF3E16F8}"/>
               </a:ext>
             </a:extLst>
           </p:cNvPr>
@@ -4172,7 +4185,7 @@
           <p:cNvPr id="4" name="Рисунок 3">
             <a:extLst>
               <a:ext uri="{FF2B5EF4-FFF2-40B4-BE49-F238E27FC236}">
-                <a16:creationId xmlns:a16="http://schemas.microsoft.com/office/drawing/2014/main" id="{7062EEF1-BB05-DFBC-C9BF-DBE48AB9675A}"/>
+                <a16:creationId xmlns:a16="http://schemas.microsoft.com/office/drawing/2014/main" xmlns="" id="{7062EEF1-BB05-DFBC-C9BF-DBE48AB9675A}"/>
               </a:ext>
             </a:extLst>
           </p:cNvPr>
@@ -4218,7 +4231,7 @@
           <p:cNvPr id="5" name="Рисунок 4">
             <a:extLst>
               <a:ext uri="{FF2B5EF4-FFF2-40B4-BE49-F238E27FC236}">
-                <a16:creationId xmlns:a16="http://schemas.microsoft.com/office/drawing/2014/main" id="{CABA9372-160D-8E5F-373E-C0A3C47F27BD}"/>
+                <a16:creationId xmlns:a16="http://schemas.microsoft.com/office/drawing/2014/main" xmlns="" id="{CABA9372-160D-8E5F-373E-C0A3C47F27BD}"/>
               </a:ext>
             </a:extLst>
           </p:cNvPr>
@@ -4270,6 +4283,13 @@
   <p:clrMapOvr>
     <a:masterClrMapping/>
   </p:clrMapOvr>
+  <p:timing>
+    <p:tnLst>
+      <p:par>
+        <p:cTn id="1" dur="indefinite" restart="never" nodeType="tmRoot"/>
+      </p:par>
+    </p:tnLst>
+  </p:timing>
 </p:sld>
 </file>
 
@@ -4278,10 +4298,208 @@
   <p:cSld>
     <p:spTree>
       <p:nvGrpSpPr>
+        <p:cNvPr id="1" name=""/>
+        <p:cNvGrpSpPr/>
+        <p:nvPr/>
+      </p:nvGrpSpPr>
+      <p:grpSpPr>
+        <a:xfrm>
+          <a:off x="0" y="0"/>
+          <a:ext cx="0" cy="0"/>
+          <a:chOff x="0" y="0"/>
+          <a:chExt cx="0" cy="0"/>
+        </a:xfrm>
+      </p:grpSpPr>
+      <p:pic>
+        <p:nvPicPr>
+          <p:cNvPr id="9" name="Рисунок 8">
+            <a:extLst>
+              <a:ext uri="{FF2B5EF4-FFF2-40B4-BE49-F238E27FC236}">
+                <a16:creationId xmlns:a16="http://schemas.microsoft.com/office/drawing/2014/main" xmlns="" id="{828FB7BC-5A7C-6A69-5802-7887E502C706}"/>
+              </a:ext>
+            </a:extLst>
+          </p:cNvPr>
+          <p:cNvPicPr>
+            <a:picLocks noChangeAspect="1"/>
+          </p:cNvPicPr>
+          <p:nvPr/>
+        </p:nvPicPr>
+        <p:blipFill>
+          <a:blip r:embed="rId3" cstate="print">
+            <a:extLst>
+              <a:ext uri="{28A0092B-C50C-407E-A947-70E740481C1C}">
+                <a14:useLocalDpi xmlns:a14="http://schemas.microsoft.com/office/drawing/2010/main" val="0"/>
+              </a:ext>
+            </a:extLst>
+          </a:blip>
+          <a:stretch>
+            <a:fillRect/>
+          </a:stretch>
+        </p:blipFill>
+        <p:spPr>
+          <a:xfrm rot="5400000" flipH="1">
+            <a:off x="-3062748" y="3087000"/>
+            <a:ext cx="6858000" cy="684000"/>
+          </a:xfrm>
+          <a:prstGeom prst="rect">
+            <a:avLst/>
+          </a:prstGeom>
+          <a:effectLst>
+            <a:outerShdw blurRad="50800" dist="50800" dir="5400000" sx="99000" sy="99000" algn="ctr" rotWithShape="0">
+              <a:srgbClr val="000000">
+                <a:alpha val="99000"/>
+              </a:srgbClr>
+            </a:outerShdw>
+          </a:effectLst>
+        </p:spPr>
+      </p:pic>
+      <p:sp>
+        <p:nvSpPr>
+          <p:cNvPr id="5" name="Заголовок 4">
+            <a:extLst>
+              <a:ext uri="{FF2B5EF4-FFF2-40B4-BE49-F238E27FC236}">
+                <a16:creationId xmlns:a16="http://schemas.microsoft.com/office/drawing/2014/main" xmlns="" id="{2D821327-D069-0580-52EE-BAE7E831FCAA}"/>
+              </a:ext>
+            </a:extLst>
+          </p:cNvPr>
+          <p:cNvSpPr>
+            <a:spLocks noGrp="1"/>
+          </p:cNvSpPr>
+          <p:nvPr>
+            <p:ph type="title"/>
+          </p:nvPr>
+        </p:nvSpPr>
+        <p:spPr>
+          <a:xfrm>
+            <a:off x="1027471" y="91104"/>
+            <a:ext cx="10515600" cy="842962"/>
+          </a:xfrm>
+        </p:spPr>
+        <p:txBody>
+          <a:bodyPr>
+            <a:normAutofit/>
+          </a:bodyPr>
+          <a:lstStyle/>
+          <a:p>
+            <a:pPr algn="ctr"/>
+            <a:r>
+              <a:rPr lang="ru-RU" sz="3200" b="1" dirty="0"/>
+              <a:t>ПРОЕКТИРОВАНИЕ ВЕБ-ПРИЛОЖЕНИЯ</a:t>
+            </a:r>
+          </a:p>
+        </p:txBody>
+      </p:sp>
+      <p:sp>
+        <p:nvSpPr>
+          <p:cNvPr id="6" name="Объект 5">
+            <a:extLst>
+              <a:ext uri="{FF2B5EF4-FFF2-40B4-BE49-F238E27FC236}">
+                <a16:creationId xmlns:a16="http://schemas.microsoft.com/office/drawing/2014/main" xmlns="" id="{E7CA67AF-E0D0-92F3-0180-7BF6872E8947}"/>
+              </a:ext>
+            </a:extLst>
+          </p:cNvPr>
+          <p:cNvSpPr>
+            <a:spLocks noGrp="1"/>
+          </p:cNvSpPr>
+          <p:nvPr>
+            <p:ph sz="half" idx="1"/>
+          </p:nvPr>
+        </p:nvSpPr>
+        <p:spPr>
+          <a:xfrm>
+            <a:off x="914399" y="5923935"/>
+            <a:ext cx="11031795" cy="707221"/>
+          </a:xfrm>
+        </p:spPr>
+        <p:txBody>
+          <a:bodyPr>
+            <a:normAutofit lnSpcReduction="10000"/>
+          </a:bodyPr>
+          <a:lstStyle/>
+          <a:p>
+            <a:pPr marL="0" indent="0" algn="just">
+              <a:buNone/>
+            </a:pPr>
+            <a:r>
+              <a:rPr lang="ru-RU" sz="2400" dirty="0">
+                <a:effectLst/>
+                <a:ea typeface="Calibri" panose="020F0502020204030204" pitchFamily="34" charset="0"/>
+              </a:rPr>
+              <a:t>Концептуальная модель базы данных, построенная с использованием нотации Мартина.</a:t>
+            </a:r>
+            <a:endParaRPr lang="ru-RU" dirty="0"/>
+          </a:p>
+        </p:txBody>
+      </p:sp>
+      <p:pic>
+        <p:nvPicPr>
+          <p:cNvPr id="8" name="Рисунок 7">
+            <a:extLst>
+              <a:ext uri="{FF2B5EF4-FFF2-40B4-BE49-F238E27FC236}">
+                <a16:creationId xmlns:a16="http://schemas.microsoft.com/office/drawing/2014/main" xmlns="" id="{966198B4-8B99-C49A-1422-CC68E167F8D0}"/>
+              </a:ext>
+            </a:extLst>
+          </p:cNvPr>
+          <p:cNvPicPr>
+            <a:picLocks noChangeAspect="1"/>
+          </p:cNvPicPr>
+          <p:nvPr/>
+        </p:nvPicPr>
+        <p:blipFill>
+          <a:blip r:embed="rId4"/>
+          <a:stretch>
+            <a:fillRect/>
+          </a:stretch>
+        </p:blipFill>
+        <p:spPr>
+          <a:xfrm>
+            <a:off x="1926151" y="934065"/>
+            <a:ext cx="8829223" cy="4729315"/>
+          </a:xfrm>
+          <a:prstGeom prst="rect">
+            <a:avLst/>
+          </a:prstGeom>
+          <a:ln>
+            <a:noFill/>
+          </a:ln>
+          <a:effectLst>
+            <a:outerShdw blurRad="292100" dist="139700" dir="2700000" algn="tl" rotWithShape="0">
+              <a:srgbClr val="333333">
+                <a:alpha val="65000"/>
+              </a:srgbClr>
+            </a:outerShdw>
+          </a:effectLst>
+        </p:spPr>
+      </p:pic>
+    </p:spTree>
+    <p:extLst>
+      <p:ext uri="{BB962C8B-B14F-4D97-AF65-F5344CB8AC3E}">
+        <p14:creationId xmlns:p14="http://schemas.microsoft.com/office/powerpoint/2010/main" val="824568072"/>
+      </p:ext>
+    </p:extLst>
+  </p:cSld>
+  <p:clrMapOvr>
+    <a:masterClrMapping/>
+  </p:clrMapOvr>
+  <p:timing>
+    <p:tnLst>
+      <p:par>
+        <p:cTn id="1" dur="indefinite" restart="never" nodeType="tmRoot"/>
+      </p:par>
+    </p:tnLst>
+  </p:timing>
+</p:sld>
+</file>
+
+<file path=ppt/slides/slide11.xml><?xml version="1.0" encoding="utf-8"?>
+<p:sld xmlns:a="http://schemas.openxmlformats.org/drawingml/2006/main" xmlns:r="http://schemas.openxmlformats.org/officeDocument/2006/relationships" xmlns:p="http://schemas.openxmlformats.org/presentationml/2006/main">
+  <p:cSld>
+    <p:spTree>
+      <p:nvGrpSpPr>
         <p:cNvPr id="1" name="">
           <a:extLst>
             <a:ext uri="{FF2B5EF4-FFF2-40B4-BE49-F238E27FC236}">
-              <a16:creationId xmlns:a16="http://schemas.microsoft.com/office/drawing/2014/main" id="{C772474E-D276-C45E-3606-20E4692CA617}"/>
+              <a16:creationId xmlns:a16="http://schemas.microsoft.com/office/drawing/2014/main" xmlns="" id="{C772474E-D276-C45E-3606-20E4692CA617}"/>
             </a:ext>
           </a:extLst>
         </p:cNvPr>
@@ -4301,7 +4519,7 @@
           <p:cNvPr id="5" name="Заголовок 4">
             <a:extLst>
               <a:ext uri="{FF2B5EF4-FFF2-40B4-BE49-F238E27FC236}">
-                <a16:creationId xmlns:a16="http://schemas.microsoft.com/office/drawing/2014/main" id="{2B59F00C-DE79-25D9-D829-FC3A01F57E22}"/>
+                <a16:creationId xmlns:a16="http://schemas.microsoft.com/office/drawing/2014/main" xmlns="" id="{2B59F00C-DE79-25D9-D829-FC3A01F57E22}"/>
               </a:ext>
             </a:extLst>
           </p:cNvPr>
@@ -4337,7 +4555,7 @@
           <p:cNvPr id="6" name="Объект 5">
             <a:extLst>
               <a:ext uri="{FF2B5EF4-FFF2-40B4-BE49-F238E27FC236}">
-                <a16:creationId xmlns:a16="http://schemas.microsoft.com/office/drawing/2014/main" id="{C4A7ED36-4C57-62BE-EE2D-5EFA52BBC7E9}"/>
+                <a16:creationId xmlns:a16="http://schemas.microsoft.com/office/drawing/2014/main" xmlns="" id="{C4A7ED36-4C57-62BE-EE2D-5EFA52BBC7E9}"/>
               </a:ext>
             </a:extLst>
           </p:cNvPr>
@@ -4379,7 +4597,7 @@
           <p:cNvPr id="2" name="Рисунок 1">
             <a:extLst>
               <a:ext uri="{FF2B5EF4-FFF2-40B4-BE49-F238E27FC236}">
-                <a16:creationId xmlns:a16="http://schemas.microsoft.com/office/drawing/2014/main" id="{A6565609-9310-EDF0-ECAF-1E1A991AF993}"/>
+                <a16:creationId xmlns:a16="http://schemas.microsoft.com/office/drawing/2014/main" xmlns="" id="{A6565609-9310-EDF0-ECAF-1E1A991AF993}"/>
               </a:ext>
             </a:extLst>
           </p:cNvPr>
@@ -4419,7 +4637,7 @@
           <p:cNvPr id="4" name="Рисунок 3">
             <a:extLst>
               <a:ext uri="{FF2B5EF4-FFF2-40B4-BE49-F238E27FC236}">
-                <a16:creationId xmlns:a16="http://schemas.microsoft.com/office/drawing/2014/main" id="{3AE6A5F5-8823-B208-676F-B53F54AE3EAD}"/>
+                <a16:creationId xmlns:a16="http://schemas.microsoft.com/office/drawing/2014/main" xmlns="" id="{3AE6A5F5-8823-B208-676F-B53F54AE3EAD}"/>
               </a:ext>
             </a:extLst>
           </p:cNvPr>
@@ -4467,6 +4685,1104 @@
   <p:clrMapOvr>
     <a:masterClrMapping/>
   </p:clrMapOvr>
+  <p:timing>
+    <p:tnLst>
+      <p:par>
+        <p:cTn id="1" dur="indefinite" restart="never" nodeType="tmRoot"/>
+      </p:par>
+    </p:tnLst>
+  </p:timing>
+</p:sld>
+</file>
+
+<file path=ppt/slides/slide12.xml><?xml version="1.0" encoding="utf-8"?>
+<p:sld xmlns:a="http://schemas.openxmlformats.org/drawingml/2006/main" xmlns:r="http://schemas.openxmlformats.org/officeDocument/2006/relationships" xmlns:p="http://schemas.openxmlformats.org/presentationml/2006/main">
+  <p:cSld>
+    <p:spTree>
+      <p:nvGrpSpPr>
+        <p:cNvPr id="1" name=""/>
+        <p:cNvGrpSpPr/>
+        <p:nvPr/>
+      </p:nvGrpSpPr>
+      <p:grpSpPr>
+        <a:xfrm>
+          <a:off x="0" y="0"/>
+          <a:ext cx="0" cy="0"/>
+          <a:chOff x="0" y="0"/>
+          <a:chExt cx="0" cy="0"/>
+        </a:xfrm>
+      </p:grpSpPr>
+      <p:sp>
+        <p:nvSpPr>
+          <p:cNvPr id="2" name="Заголовок 1"/>
+          <p:cNvSpPr>
+            <a:spLocks noGrp="1"/>
+          </p:cNvSpPr>
+          <p:nvPr>
+            <p:ph type="title"/>
+          </p:nvPr>
+        </p:nvSpPr>
+        <p:spPr>
+          <a:xfrm>
+            <a:off x="0" y="295275"/>
+            <a:ext cx="12191999" cy="1152525"/>
+          </a:xfrm>
+        </p:spPr>
+        <p:txBody>
+          <a:bodyPr>
+            <a:normAutofit fontScale="90000"/>
+          </a:bodyPr>
+          <a:lstStyle/>
+          <a:p>
+            <a:pPr algn="ctr"/>
+            <a:r>
+              <a:rPr lang="ru-RU" sz="3200" b="1" dirty="0" smtClean="0"/>
+              <a:t>ИНТЕРФЕЙС ВЕБ-ПРИЛОЖЕНИЯ</a:t>
+            </a:r>
+            <a:br>
+              <a:rPr lang="ru-RU" sz="3200" b="1" dirty="0" smtClean="0"/>
+            </a:br>
+            <a:r>
+              <a:rPr lang="ru-RU" sz="3200" b="1" dirty="0" smtClean="0"/>
+              <a:t>СТРАНИЦА АВТОРИЗАЦИИ И РЕГИСТРАЦИИ </a:t>
+            </a:r>
+            <a:br>
+              <a:rPr lang="ru-RU" sz="3200" b="1" dirty="0" smtClean="0"/>
+            </a:br>
+            <a:endParaRPr lang="ru-RU" sz="3200" b="1" dirty="0"/>
+          </a:p>
+        </p:txBody>
+      </p:sp>
+      <p:pic>
+        <p:nvPicPr>
+          <p:cNvPr id="6" name="Объект 5"/>
+          <p:cNvPicPr>
+            <a:picLocks noGrp="1"/>
+          </p:cNvPicPr>
+          <p:nvPr>
+            <p:ph sz="half" idx="1"/>
+          </p:nvPr>
+        </p:nvPicPr>
+        <p:blipFill>
+          <a:blip r:embed="rId2"/>
+          <a:stretch>
+            <a:fillRect/>
+          </a:stretch>
+        </p:blipFill>
+        <p:spPr>
+          <a:xfrm>
+            <a:off x="1676401" y="1478220"/>
+            <a:ext cx="8796338" cy="3768209"/>
+          </a:xfrm>
+          <a:prstGeom prst="roundRect">
+            <a:avLst>
+              <a:gd name="adj" fmla="val 8594"/>
+            </a:avLst>
+          </a:prstGeom>
+          <a:solidFill>
+            <a:srgbClr val="FFFFFF">
+              <a:shade val="85000"/>
+            </a:srgbClr>
+          </a:solidFill>
+          <a:ln>
+            <a:noFill/>
+          </a:ln>
+          <a:effectLst>
+            <a:reflection blurRad="12700" stA="38000" endPos="28000" dist="5000" dir="5400000" sy="-100000" algn="bl" rotWithShape="0"/>
+          </a:effectLst>
+        </p:spPr>
+      </p:pic>
+      <p:pic>
+        <p:nvPicPr>
+          <p:cNvPr id="7" name="Рисунок 6">
+            <a:extLst>
+              <a:ext uri="{FF2B5EF4-FFF2-40B4-BE49-F238E27FC236}">
+                <a16:creationId xmlns:a16="http://schemas.microsoft.com/office/drawing/2014/main" xmlns="" id="{F2F70E99-A462-71D2-6720-72622B6237A1}"/>
+              </a:ext>
+            </a:extLst>
+          </p:cNvPr>
+          <p:cNvPicPr>
+            <a:picLocks noChangeAspect="1"/>
+          </p:cNvPicPr>
+          <p:nvPr/>
+        </p:nvPicPr>
+        <p:blipFill>
+          <a:blip r:embed="rId3" cstate="print">
+            <a:extLst>
+              <a:ext uri="{28A0092B-C50C-407E-A947-70E740481C1C}">
+                <a14:useLocalDpi xmlns:a14="http://schemas.microsoft.com/office/drawing/2010/main" val="0"/>
+              </a:ext>
+            </a:extLst>
+          </a:blip>
+          <a:stretch>
+            <a:fillRect/>
+          </a:stretch>
+        </p:blipFill>
+        <p:spPr>
+          <a:xfrm rot="16200000" flipH="1">
+            <a:off x="8421000" y="3087000"/>
+            <a:ext cx="6858000" cy="684000"/>
+          </a:xfrm>
+          <a:prstGeom prst="rect">
+            <a:avLst/>
+          </a:prstGeom>
+          <a:effectLst>
+            <a:outerShdw blurRad="50800" dist="50800" dir="5400000" sx="99000" sy="99000" algn="ctr" rotWithShape="0">
+              <a:srgbClr val="000000">
+                <a:alpha val="99000"/>
+              </a:srgbClr>
+            </a:outerShdw>
+          </a:effectLst>
+        </p:spPr>
+      </p:pic>
+    </p:spTree>
+    <p:extLst>
+      <p:ext uri="{BB962C8B-B14F-4D97-AF65-F5344CB8AC3E}">
+        <p14:creationId xmlns:p14="http://schemas.microsoft.com/office/powerpoint/2010/main" val="921281904"/>
+      </p:ext>
+    </p:extLst>
+  </p:cSld>
+  <p:clrMapOvr>
+    <a:masterClrMapping/>
+  </p:clrMapOvr>
+  <p:timing>
+    <p:tnLst>
+      <p:par>
+        <p:cTn id="1" dur="indefinite" restart="never" nodeType="tmRoot"/>
+      </p:par>
+    </p:tnLst>
+  </p:timing>
+</p:sld>
+</file>
+
+<file path=ppt/slides/slide13.xml><?xml version="1.0" encoding="utf-8"?>
+<p:sld xmlns:a="http://schemas.openxmlformats.org/drawingml/2006/main" xmlns:r="http://schemas.openxmlformats.org/officeDocument/2006/relationships" xmlns:p="http://schemas.openxmlformats.org/presentationml/2006/main">
+  <p:cSld>
+    <p:spTree>
+      <p:nvGrpSpPr>
+        <p:cNvPr id="1" name=""/>
+        <p:cNvGrpSpPr/>
+        <p:nvPr/>
+      </p:nvGrpSpPr>
+      <p:grpSpPr>
+        <a:xfrm>
+          <a:off x="0" y="0"/>
+          <a:ext cx="0" cy="0"/>
+          <a:chOff x="0" y="0"/>
+          <a:chExt cx="0" cy="0"/>
+        </a:xfrm>
+      </p:grpSpPr>
+      <p:sp>
+        <p:nvSpPr>
+          <p:cNvPr id="2" name="Заголовок 1"/>
+          <p:cNvSpPr>
+            <a:spLocks noGrp="1"/>
+          </p:cNvSpPr>
+          <p:nvPr>
+            <p:ph type="title"/>
+          </p:nvPr>
+        </p:nvSpPr>
+        <p:spPr>
+          <a:xfrm>
+            <a:off x="866775" y="193675"/>
+            <a:ext cx="10515600" cy="1325563"/>
+          </a:xfrm>
+        </p:spPr>
+        <p:txBody>
+          <a:bodyPr>
+            <a:normAutofit/>
+          </a:bodyPr>
+          <a:lstStyle/>
+          <a:p>
+            <a:pPr algn="ctr"/>
+            <a:r>
+              <a:rPr lang="ru-RU" sz="2900" b="1" dirty="0"/>
+              <a:t>ИНТЕРФЕЙС ВЕБ-ПРИЛОЖЕНИЯ</a:t>
+            </a:r>
+            <a:br>
+              <a:rPr lang="ru-RU" sz="2900" b="1" dirty="0"/>
+            </a:br>
+            <a:r>
+              <a:rPr lang="ru-RU" sz="2900" b="1" dirty="0"/>
+              <a:t>СТРАНИЦА АВТОРИЗАЦИИ И РЕГИСТРАЦИИ </a:t>
+            </a:r>
+            <a:br>
+              <a:rPr lang="ru-RU" sz="2900" b="1" dirty="0"/>
+            </a:br>
+            <a:endParaRPr lang="ru-RU" sz="2900" dirty="0"/>
+          </a:p>
+        </p:txBody>
+      </p:sp>
+      <p:pic>
+        <p:nvPicPr>
+          <p:cNvPr id="5" name="Рисунок 4"/>
+          <p:cNvPicPr/>
+          <p:nvPr/>
+        </p:nvPicPr>
+        <p:blipFill>
+          <a:blip r:embed="rId2"/>
+          <a:stretch>
+            <a:fillRect/>
+          </a:stretch>
+        </p:blipFill>
+        <p:spPr>
+          <a:xfrm>
+            <a:off x="1943100" y="1318258"/>
+            <a:ext cx="8339871" cy="4587241"/>
+          </a:xfrm>
+          <a:prstGeom prst="rect">
+            <a:avLst/>
+          </a:prstGeom>
+          <a:ln>
+            <a:noFill/>
+          </a:ln>
+          <a:effectLst>
+            <a:outerShdw blurRad="292100" dist="139700" dir="2700000" algn="tl" rotWithShape="0">
+              <a:srgbClr val="333333">
+                <a:alpha val="65000"/>
+              </a:srgbClr>
+            </a:outerShdw>
+          </a:effectLst>
+        </p:spPr>
+      </p:pic>
+      <p:pic>
+        <p:nvPicPr>
+          <p:cNvPr id="6" name="Рисунок 5">
+            <a:extLst>
+              <a:ext uri="{FF2B5EF4-FFF2-40B4-BE49-F238E27FC236}">
+                <a16:creationId xmlns:a16="http://schemas.microsoft.com/office/drawing/2014/main" xmlns="" id="{F2F70E99-A462-71D2-6720-72622B6237A1}"/>
+              </a:ext>
+            </a:extLst>
+          </p:cNvPr>
+          <p:cNvPicPr>
+            <a:picLocks noChangeAspect="1"/>
+          </p:cNvPicPr>
+          <p:nvPr/>
+        </p:nvPicPr>
+        <p:blipFill>
+          <a:blip r:embed="rId3" cstate="print">
+            <a:extLst>
+              <a:ext uri="{28A0092B-C50C-407E-A947-70E740481C1C}">
+                <a14:useLocalDpi xmlns:a14="http://schemas.microsoft.com/office/drawing/2010/main" val="0"/>
+              </a:ext>
+            </a:extLst>
+          </a:blip>
+          <a:stretch>
+            <a:fillRect/>
+          </a:stretch>
+        </p:blipFill>
+        <p:spPr>
+          <a:xfrm rot="16200000" flipH="1">
+            <a:off x="8421000" y="3087000"/>
+            <a:ext cx="6858000" cy="684000"/>
+          </a:xfrm>
+          <a:prstGeom prst="rect">
+            <a:avLst/>
+          </a:prstGeom>
+          <a:effectLst>
+            <a:outerShdw blurRad="50800" dist="50800" dir="5400000" sx="99000" sy="99000" algn="ctr" rotWithShape="0">
+              <a:srgbClr val="000000">
+                <a:alpha val="99000"/>
+              </a:srgbClr>
+            </a:outerShdw>
+          </a:effectLst>
+        </p:spPr>
+      </p:pic>
+    </p:spTree>
+    <p:extLst>
+      <p:ext uri="{BB962C8B-B14F-4D97-AF65-F5344CB8AC3E}">
+        <p14:creationId xmlns:p14="http://schemas.microsoft.com/office/powerpoint/2010/main" val="4020734787"/>
+      </p:ext>
+    </p:extLst>
+  </p:cSld>
+  <p:clrMapOvr>
+    <a:masterClrMapping/>
+  </p:clrMapOvr>
+  <p:timing>
+    <p:tnLst>
+      <p:par>
+        <p:cTn id="1" dur="indefinite" restart="never" nodeType="tmRoot"/>
+      </p:par>
+    </p:tnLst>
+  </p:timing>
+</p:sld>
+</file>
+
+<file path=ppt/slides/slide14.xml><?xml version="1.0" encoding="utf-8"?>
+<p:sld xmlns:a="http://schemas.openxmlformats.org/drawingml/2006/main" xmlns:r="http://schemas.openxmlformats.org/officeDocument/2006/relationships" xmlns:p="http://schemas.openxmlformats.org/presentationml/2006/main">
+  <p:cSld>
+    <p:spTree>
+      <p:nvGrpSpPr>
+        <p:cNvPr id="1" name=""/>
+        <p:cNvGrpSpPr/>
+        <p:nvPr/>
+      </p:nvGrpSpPr>
+      <p:grpSpPr>
+        <a:xfrm>
+          <a:off x="0" y="0"/>
+          <a:ext cx="0" cy="0"/>
+          <a:chOff x="0" y="0"/>
+          <a:chExt cx="0" cy="0"/>
+        </a:xfrm>
+      </p:grpSpPr>
+      <p:sp>
+        <p:nvSpPr>
+          <p:cNvPr id="5" name="Заголовок 1"/>
+          <p:cNvSpPr>
+            <a:spLocks noGrp="1"/>
+          </p:cNvSpPr>
+          <p:nvPr>
+            <p:ph type="title"/>
+          </p:nvPr>
+        </p:nvSpPr>
+        <p:spPr>
+          <a:xfrm>
+            <a:off x="0" y="193675"/>
+            <a:ext cx="12192000" cy="1325563"/>
+          </a:xfrm>
+        </p:spPr>
+        <p:txBody>
+          <a:bodyPr>
+            <a:normAutofit/>
+          </a:bodyPr>
+          <a:lstStyle/>
+          <a:p>
+            <a:pPr algn="ctr"/>
+            <a:r>
+              <a:rPr lang="ru-RU" sz="2900" b="1" dirty="0"/>
+              <a:t>ИНТЕРФЕЙС ВЕБ-ПРИЛОЖЕНИЯ</a:t>
+            </a:r>
+            <a:br>
+              <a:rPr lang="ru-RU" sz="2900" b="1" dirty="0"/>
+            </a:br>
+            <a:r>
+              <a:rPr lang="ru-RU" sz="2900" b="1" dirty="0"/>
+              <a:t>СТРАНИЦА </a:t>
+            </a:r>
+            <a:r>
+              <a:rPr lang="ru-RU" sz="2900" b="1" dirty="0" smtClean="0"/>
+              <a:t>ТОВАРА</a:t>
+            </a:r>
+            <a:r>
+              <a:rPr lang="ru-RU" sz="2900" b="1" dirty="0"/>
+              <a:t/>
+            </a:r>
+            <a:br>
+              <a:rPr lang="ru-RU" sz="2900" b="1" dirty="0"/>
+            </a:br>
+            <a:endParaRPr lang="ru-RU" sz="2900" dirty="0"/>
+          </a:p>
+        </p:txBody>
+      </p:sp>
+      <p:pic>
+        <p:nvPicPr>
+          <p:cNvPr id="6" name="Рисунок 5"/>
+          <p:cNvPicPr/>
+          <p:nvPr/>
+        </p:nvPicPr>
+        <p:blipFill>
+          <a:blip r:embed="rId2"/>
+          <a:stretch>
+            <a:fillRect/>
+          </a:stretch>
+        </p:blipFill>
+        <p:spPr>
+          <a:xfrm>
+            <a:off x="2000251" y="1313020"/>
+            <a:ext cx="7915274" cy="4782980"/>
+          </a:xfrm>
+          <a:prstGeom prst="rect">
+            <a:avLst/>
+          </a:prstGeom>
+          <a:ln>
+            <a:noFill/>
+          </a:ln>
+          <a:effectLst>
+            <a:outerShdw blurRad="292100" dist="139700" dir="2700000" algn="tl" rotWithShape="0">
+              <a:srgbClr val="333333">
+                <a:alpha val="65000"/>
+              </a:srgbClr>
+            </a:outerShdw>
+          </a:effectLst>
+        </p:spPr>
+      </p:pic>
+      <p:pic>
+        <p:nvPicPr>
+          <p:cNvPr id="7" name="Рисунок 6">
+            <a:extLst>
+              <a:ext uri="{FF2B5EF4-FFF2-40B4-BE49-F238E27FC236}">
+                <a16:creationId xmlns:a16="http://schemas.microsoft.com/office/drawing/2014/main" xmlns="" id="{F2F70E99-A462-71D2-6720-72622B6237A1}"/>
+              </a:ext>
+            </a:extLst>
+          </p:cNvPr>
+          <p:cNvPicPr>
+            <a:picLocks noChangeAspect="1"/>
+          </p:cNvPicPr>
+          <p:nvPr/>
+        </p:nvPicPr>
+        <p:blipFill>
+          <a:blip r:embed="rId3" cstate="print">
+            <a:extLst>
+              <a:ext uri="{28A0092B-C50C-407E-A947-70E740481C1C}">
+                <a14:useLocalDpi xmlns:a14="http://schemas.microsoft.com/office/drawing/2010/main" val="0"/>
+              </a:ext>
+            </a:extLst>
+          </a:blip>
+          <a:stretch>
+            <a:fillRect/>
+          </a:stretch>
+        </p:blipFill>
+        <p:spPr>
+          <a:xfrm rot="16200000" flipH="1">
+            <a:off x="8421000" y="3087000"/>
+            <a:ext cx="6858000" cy="684000"/>
+          </a:xfrm>
+          <a:prstGeom prst="rect">
+            <a:avLst/>
+          </a:prstGeom>
+          <a:effectLst>
+            <a:outerShdw blurRad="50800" dist="50800" dir="5400000" sx="99000" sy="99000" algn="ctr" rotWithShape="0">
+              <a:srgbClr val="000000">
+                <a:alpha val="99000"/>
+              </a:srgbClr>
+            </a:outerShdw>
+          </a:effectLst>
+        </p:spPr>
+      </p:pic>
+    </p:spTree>
+    <p:extLst>
+      <p:ext uri="{BB962C8B-B14F-4D97-AF65-F5344CB8AC3E}">
+        <p14:creationId xmlns:p14="http://schemas.microsoft.com/office/powerpoint/2010/main" val="3100558263"/>
+      </p:ext>
+    </p:extLst>
+  </p:cSld>
+  <p:clrMapOvr>
+    <a:masterClrMapping/>
+  </p:clrMapOvr>
+  <p:timing>
+    <p:tnLst>
+      <p:par>
+        <p:cTn id="1" dur="indefinite" restart="never" nodeType="tmRoot"/>
+      </p:par>
+    </p:tnLst>
+  </p:timing>
+</p:sld>
+</file>
+
+<file path=ppt/slides/slide15.xml><?xml version="1.0" encoding="utf-8"?>
+<p:sld xmlns:a="http://schemas.openxmlformats.org/drawingml/2006/main" xmlns:r="http://schemas.openxmlformats.org/officeDocument/2006/relationships" xmlns:p="http://schemas.openxmlformats.org/presentationml/2006/main">
+  <p:cSld>
+    <p:spTree>
+      <p:nvGrpSpPr>
+        <p:cNvPr id="1" name=""/>
+        <p:cNvGrpSpPr/>
+        <p:nvPr/>
+      </p:nvGrpSpPr>
+      <p:grpSpPr>
+        <a:xfrm>
+          <a:off x="0" y="0"/>
+          <a:ext cx="0" cy="0"/>
+          <a:chOff x="0" y="0"/>
+          <a:chExt cx="0" cy="0"/>
+        </a:xfrm>
+      </p:grpSpPr>
+      <p:sp>
+        <p:nvSpPr>
+          <p:cNvPr id="6" name="Заголовок 1"/>
+          <p:cNvSpPr>
+            <a:spLocks noGrp="1"/>
+          </p:cNvSpPr>
+          <p:nvPr>
+            <p:ph type="title"/>
+          </p:nvPr>
+        </p:nvSpPr>
+        <p:spPr>
+          <a:xfrm>
+            <a:off x="0" y="0"/>
+            <a:ext cx="12192000" cy="1325563"/>
+          </a:xfrm>
+        </p:spPr>
+        <p:txBody>
+          <a:bodyPr>
+            <a:normAutofit/>
+          </a:bodyPr>
+          <a:lstStyle/>
+          <a:p>
+            <a:pPr algn="ctr"/>
+            <a:r>
+              <a:rPr lang="ru-RU" sz="2900" b="1" dirty="0"/>
+              <a:t>ИНТЕРФЕЙС ВЕБ-ПРИЛОЖЕНИЯ</a:t>
+            </a:r>
+            <a:br>
+              <a:rPr lang="ru-RU" sz="2900" b="1" dirty="0"/>
+            </a:br>
+            <a:r>
+              <a:rPr lang="ru-RU" sz="2900" b="1" dirty="0"/>
+              <a:t>СТРАНИЦА </a:t>
+            </a:r>
+            <a:r>
+              <a:rPr lang="ru-RU" sz="2900" b="1" dirty="0" smtClean="0"/>
+              <a:t>КОРЗИНЫ</a:t>
+            </a:r>
+            <a:r>
+              <a:rPr lang="ru-RU" sz="2900" b="1" dirty="0"/>
+              <a:t/>
+            </a:r>
+            <a:br>
+              <a:rPr lang="ru-RU" sz="2900" b="1" dirty="0"/>
+            </a:br>
+            <a:endParaRPr lang="ru-RU" sz="2900" dirty="0"/>
+          </a:p>
+        </p:txBody>
+      </p:sp>
+      <p:pic>
+        <p:nvPicPr>
+          <p:cNvPr id="7" name="Рисунок 6"/>
+          <p:cNvPicPr/>
+          <p:nvPr/>
+        </p:nvPicPr>
+        <p:blipFill>
+          <a:blip r:embed="rId2"/>
+          <a:stretch>
+            <a:fillRect/>
+          </a:stretch>
+        </p:blipFill>
+        <p:spPr>
+          <a:xfrm>
+            <a:off x="2162175" y="914401"/>
+            <a:ext cx="8000683" cy="5591174"/>
+          </a:xfrm>
+          <a:prstGeom prst="rect">
+            <a:avLst/>
+          </a:prstGeom>
+          <a:ln>
+            <a:noFill/>
+          </a:ln>
+          <a:effectLst>
+            <a:outerShdw blurRad="292100" dist="139700" dir="2700000" algn="tl" rotWithShape="0">
+              <a:srgbClr val="333333">
+                <a:alpha val="65000"/>
+              </a:srgbClr>
+            </a:outerShdw>
+          </a:effectLst>
+        </p:spPr>
+      </p:pic>
+      <p:pic>
+        <p:nvPicPr>
+          <p:cNvPr id="8" name="Рисунок 7">
+            <a:extLst>
+              <a:ext uri="{FF2B5EF4-FFF2-40B4-BE49-F238E27FC236}">
+                <a16:creationId xmlns:a16="http://schemas.microsoft.com/office/drawing/2014/main" xmlns="" id="{F2F70E99-A462-71D2-6720-72622B6237A1}"/>
+              </a:ext>
+            </a:extLst>
+          </p:cNvPr>
+          <p:cNvPicPr>
+            <a:picLocks noChangeAspect="1"/>
+          </p:cNvPicPr>
+          <p:nvPr/>
+        </p:nvPicPr>
+        <p:blipFill>
+          <a:blip r:embed="rId3" cstate="print">
+            <a:extLst>
+              <a:ext uri="{28A0092B-C50C-407E-A947-70E740481C1C}">
+                <a14:useLocalDpi xmlns:a14="http://schemas.microsoft.com/office/drawing/2010/main" val="0"/>
+              </a:ext>
+            </a:extLst>
+          </a:blip>
+          <a:stretch>
+            <a:fillRect/>
+          </a:stretch>
+        </p:blipFill>
+        <p:spPr>
+          <a:xfrm rot="16200000" flipH="1">
+            <a:off x="8421000" y="3087000"/>
+            <a:ext cx="6858000" cy="684000"/>
+          </a:xfrm>
+          <a:prstGeom prst="rect">
+            <a:avLst/>
+          </a:prstGeom>
+          <a:effectLst>
+            <a:outerShdw blurRad="50800" dist="50800" dir="5400000" sx="99000" sy="99000" algn="ctr" rotWithShape="0">
+              <a:srgbClr val="000000">
+                <a:alpha val="99000"/>
+              </a:srgbClr>
+            </a:outerShdw>
+          </a:effectLst>
+        </p:spPr>
+      </p:pic>
+    </p:spTree>
+    <p:extLst>
+      <p:ext uri="{BB962C8B-B14F-4D97-AF65-F5344CB8AC3E}">
+        <p14:creationId xmlns:p14="http://schemas.microsoft.com/office/powerpoint/2010/main" val="419612058"/>
+      </p:ext>
+    </p:extLst>
+  </p:cSld>
+  <p:clrMapOvr>
+    <a:masterClrMapping/>
+  </p:clrMapOvr>
+  <p:timing>
+    <p:tnLst>
+      <p:par>
+        <p:cTn id="1" dur="indefinite" restart="never" nodeType="tmRoot"/>
+      </p:par>
+    </p:tnLst>
+  </p:timing>
+</p:sld>
+</file>
+
+<file path=ppt/slides/slide16.xml><?xml version="1.0" encoding="utf-8"?>
+<p:sld xmlns:a="http://schemas.openxmlformats.org/drawingml/2006/main" xmlns:r="http://schemas.openxmlformats.org/officeDocument/2006/relationships" xmlns:p="http://schemas.openxmlformats.org/presentationml/2006/main">
+  <p:cSld>
+    <p:spTree>
+      <p:nvGrpSpPr>
+        <p:cNvPr id="1" name=""/>
+        <p:cNvGrpSpPr/>
+        <p:nvPr/>
+      </p:nvGrpSpPr>
+      <p:grpSpPr>
+        <a:xfrm>
+          <a:off x="0" y="0"/>
+          <a:ext cx="0" cy="0"/>
+          <a:chOff x="0" y="0"/>
+          <a:chExt cx="0" cy="0"/>
+        </a:xfrm>
+      </p:grpSpPr>
+      <p:sp>
+        <p:nvSpPr>
+          <p:cNvPr id="5" name="Заголовок 1"/>
+          <p:cNvSpPr>
+            <a:spLocks noGrp="1"/>
+          </p:cNvSpPr>
+          <p:nvPr>
+            <p:ph type="title"/>
+          </p:nvPr>
+        </p:nvSpPr>
+        <p:spPr>
+          <a:xfrm>
+            <a:off x="0" y="193675"/>
+            <a:ext cx="12192000" cy="1325563"/>
+          </a:xfrm>
+        </p:spPr>
+        <p:txBody>
+          <a:bodyPr>
+            <a:normAutofit/>
+          </a:bodyPr>
+          <a:lstStyle/>
+          <a:p>
+            <a:pPr algn="r"/>
+            <a:r>
+              <a:rPr lang="ru-RU" sz="2900" b="1" dirty="0"/>
+              <a:t>ИНТЕРФЕЙС ВЕБ-ПРИЛОЖЕНИЯ</a:t>
+            </a:r>
+            <a:br>
+              <a:rPr lang="ru-RU" sz="2900" b="1" dirty="0"/>
+            </a:br>
+            <a:r>
+              <a:rPr lang="ru-RU" sz="2900" b="1" dirty="0" smtClean="0"/>
+              <a:t>СТРАНИЦА ОФОРМЛЕНИЯ ЗАКАЗА И ЗАКАЗЫ КЛИЕНТОВ</a:t>
+            </a:r>
+            <a:r>
+              <a:rPr lang="ru-RU" sz="2900" b="1" dirty="0"/>
+              <a:t/>
+            </a:r>
+            <a:br>
+              <a:rPr lang="ru-RU" sz="2900" b="1" dirty="0"/>
+            </a:br>
+            <a:endParaRPr lang="ru-RU" sz="2900" dirty="0"/>
+          </a:p>
+        </p:txBody>
+      </p:sp>
+      <p:pic>
+        <p:nvPicPr>
+          <p:cNvPr id="6" name="Рисунок 5"/>
+          <p:cNvPicPr/>
+          <p:nvPr/>
+        </p:nvPicPr>
+        <p:blipFill>
+          <a:blip r:embed="rId2"/>
+          <a:stretch>
+            <a:fillRect/>
+          </a:stretch>
+        </p:blipFill>
+        <p:spPr>
+          <a:xfrm>
+            <a:off x="822324" y="1167765"/>
+            <a:ext cx="8245475" cy="2766060"/>
+          </a:xfrm>
+          <a:prstGeom prst="rect">
+            <a:avLst/>
+          </a:prstGeom>
+          <a:ln>
+            <a:noFill/>
+          </a:ln>
+          <a:effectLst>
+            <a:outerShdw blurRad="292100" dist="139700" dir="2700000" algn="tl" rotWithShape="0">
+              <a:srgbClr val="333333">
+                <a:alpha val="65000"/>
+              </a:srgbClr>
+            </a:outerShdw>
+          </a:effectLst>
+        </p:spPr>
+      </p:pic>
+      <p:pic>
+        <p:nvPicPr>
+          <p:cNvPr id="7" name="Рисунок 6"/>
+          <p:cNvPicPr/>
+          <p:nvPr/>
+        </p:nvPicPr>
+        <p:blipFill>
+          <a:blip r:embed="rId3"/>
+          <a:stretch>
+            <a:fillRect/>
+          </a:stretch>
+        </p:blipFill>
+        <p:spPr>
+          <a:xfrm>
+            <a:off x="4086226" y="4076700"/>
+            <a:ext cx="8008302" cy="2694305"/>
+          </a:xfrm>
+          <a:prstGeom prst="rect">
+            <a:avLst/>
+          </a:prstGeom>
+          <a:ln>
+            <a:noFill/>
+          </a:ln>
+          <a:effectLst>
+            <a:outerShdw blurRad="292100" dist="139700" dir="2700000" algn="tl" rotWithShape="0">
+              <a:srgbClr val="333333">
+                <a:alpha val="65000"/>
+              </a:srgbClr>
+            </a:outerShdw>
+          </a:effectLst>
+        </p:spPr>
+      </p:pic>
+      <p:pic>
+        <p:nvPicPr>
+          <p:cNvPr id="8" name="Рисунок 7">
+            <a:extLst>
+              <a:ext uri="{FF2B5EF4-FFF2-40B4-BE49-F238E27FC236}">
+                <a16:creationId xmlns:a16="http://schemas.microsoft.com/office/drawing/2014/main" xmlns="" id="{5D068746-EC85-3D41-C5EB-0DD44F534AE5}"/>
+              </a:ext>
+            </a:extLst>
+          </p:cNvPr>
+          <p:cNvPicPr>
+            <a:picLocks noChangeAspect="1"/>
+          </p:cNvPicPr>
+          <p:nvPr/>
+        </p:nvPicPr>
+        <p:blipFill>
+          <a:blip r:embed="rId4" cstate="print">
+            <a:extLst>
+              <a:ext uri="{28A0092B-C50C-407E-A947-70E740481C1C}">
+                <a14:useLocalDpi xmlns:a14="http://schemas.microsoft.com/office/drawing/2010/main" val="0"/>
+              </a:ext>
+            </a:extLst>
+          </a:blip>
+          <a:stretch>
+            <a:fillRect/>
+          </a:stretch>
+        </p:blipFill>
+        <p:spPr>
+          <a:xfrm rot="5400000" flipH="1">
+            <a:off x="-3087000" y="3087000"/>
+            <a:ext cx="6858000" cy="684000"/>
+          </a:xfrm>
+          <a:prstGeom prst="rect">
+            <a:avLst/>
+          </a:prstGeom>
+          <a:effectLst>
+            <a:outerShdw blurRad="50800" dist="50800" dir="5400000" sx="99000" sy="99000" algn="ctr" rotWithShape="0">
+              <a:srgbClr val="000000">
+                <a:alpha val="99000"/>
+              </a:srgbClr>
+            </a:outerShdw>
+          </a:effectLst>
+        </p:spPr>
+      </p:pic>
+    </p:spTree>
+    <p:extLst>
+      <p:ext uri="{BB962C8B-B14F-4D97-AF65-F5344CB8AC3E}">
+        <p14:creationId xmlns:p14="http://schemas.microsoft.com/office/powerpoint/2010/main" val="902751433"/>
+      </p:ext>
+    </p:extLst>
+  </p:cSld>
+  <p:clrMapOvr>
+    <a:masterClrMapping/>
+  </p:clrMapOvr>
+  <p:timing>
+    <p:tnLst>
+      <p:par>
+        <p:cTn id="1" dur="indefinite" restart="never" nodeType="tmRoot"/>
+      </p:par>
+    </p:tnLst>
+  </p:timing>
+</p:sld>
+</file>
+
+<file path=ppt/slides/slide17.xml><?xml version="1.0" encoding="utf-8"?>
+<p:sld xmlns:a="http://schemas.openxmlformats.org/drawingml/2006/main" xmlns:r="http://schemas.openxmlformats.org/officeDocument/2006/relationships" xmlns:p="http://schemas.openxmlformats.org/presentationml/2006/main">
+  <p:cSld>
+    <p:spTree>
+      <p:nvGrpSpPr>
+        <p:cNvPr id="1" name=""/>
+        <p:cNvGrpSpPr/>
+        <p:nvPr/>
+      </p:nvGrpSpPr>
+      <p:grpSpPr>
+        <a:xfrm>
+          <a:off x="0" y="0"/>
+          <a:ext cx="0" cy="0"/>
+          <a:chOff x="0" y="0"/>
+          <a:chExt cx="0" cy="0"/>
+        </a:xfrm>
+      </p:grpSpPr>
+      <p:sp>
+        <p:nvSpPr>
+          <p:cNvPr id="3" name="Объект 2"/>
+          <p:cNvSpPr>
+            <a:spLocks noGrp="1"/>
+          </p:cNvSpPr>
+          <p:nvPr>
+            <p:ph sz="half" idx="1"/>
+          </p:nvPr>
+        </p:nvSpPr>
+        <p:spPr>
+          <a:xfrm>
+            <a:off x="0" y="2863851"/>
+            <a:ext cx="12192000" cy="3994150"/>
+          </a:xfrm>
+        </p:spPr>
+        <p:txBody>
+          <a:bodyPr>
+            <a:normAutofit/>
+          </a:bodyPr>
+          <a:lstStyle/>
+          <a:p>
+            <a:pPr marL="0" indent="0">
+              <a:buNone/>
+            </a:pPr>
+            <a:r>
+              <a:rPr lang="ru-RU" sz="2400" dirty="0"/>
+              <a:t>В ходе выполнения выпускной квалификационной работы был проведён анализ деятельности ООО «Инженерное Бюро», по результатам которого разработано веб-приложение на платформе ASP.NET MVC с использованием Entity Framework </a:t>
+            </a:r>
+            <a:r>
+              <a:rPr lang="ru-RU" sz="2400" dirty="0" err="1"/>
+              <a:t>Core</a:t>
+            </a:r>
+            <a:r>
+              <a:rPr lang="ru-RU" sz="2400" dirty="0"/>
+              <a:t> и MS SQL Server. Приложение автоматизирует процесс обработки заказов и предоставляет клиентам актуальную информацию об оборудовании. Многослойная архитектура решения обеспечивает гибкость, масштабируемость и простоту поддержки. </a:t>
+            </a:r>
+            <a:endParaRPr lang="en-US" sz="2400" dirty="0" smtClean="0"/>
+          </a:p>
+          <a:p>
+            <a:pPr marL="0" indent="0">
+              <a:buNone/>
+            </a:pPr>
+            <a:r>
+              <a:rPr lang="ru-RU" sz="2400" dirty="0" smtClean="0"/>
+              <a:t>В </a:t>
+            </a:r>
+            <a:r>
+              <a:rPr lang="ru-RU" sz="2400" dirty="0"/>
+              <a:t>перспективе планируется расширение функционала за счёт внедрения калькулятора стоимости, интеграции с платежными системами и разработки мобильной версии. Реализованное решение позволит компании оптимизировать бизнес-процессы, повысить конкурентоспособность и создать основу для дальнейшего развития.</a:t>
+            </a:r>
+          </a:p>
+        </p:txBody>
+      </p:sp>
+      <p:pic>
+        <p:nvPicPr>
+          <p:cNvPr id="7" name="Рисунок 6">
+            <a:extLst>
+              <a:ext uri="{FF2B5EF4-FFF2-40B4-BE49-F238E27FC236}">
+                <a16:creationId xmlns:a16="http://schemas.microsoft.com/office/drawing/2014/main" xmlns="" id="{7062EEF1-BB05-DFBC-C9BF-DBE48AB9675A}"/>
+              </a:ext>
+            </a:extLst>
+          </p:cNvPr>
+          <p:cNvPicPr>
+            <a:picLocks noChangeAspect="1"/>
+          </p:cNvPicPr>
+          <p:nvPr/>
+        </p:nvPicPr>
+        <p:blipFill>
+          <a:blip r:embed="rId2">
+            <a:extLst>
+              <a:ext uri="{28A0092B-C50C-407E-A947-70E740481C1C}">
+                <a14:useLocalDpi xmlns:a14="http://schemas.microsoft.com/office/drawing/2010/main" val="0"/>
+              </a:ext>
+            </a:extLst>
+          </a:blip>
+          <a:stretch>
+            <a:fillRect/>
+          </a:stretch>
+        </p:blipFill>
+        <p:spPr>
+          <a:xfrm>
+            <a:off x="0" y="-1"/>
+            <a:ext cx="12191995" cy="2664065"/>
+          </a:xfrm>
+          <a:prstGeom prst="rect">
+            <a:avLst/>
+          </a:prstGeom>
+          <a:ln>
+            <a:noFill/>
+          </a:ln>
+          <a:effectLst>
+            <a:outerShdw blurRad="292100" dist="139700" dir="2700000" algn="tl" rotWithShape="0">
+              <a:srgbClr val="333333">
+                <a:alpha val="65000"/>
+              </a:srgbClr>
+            </a:outerShdw>
+          </a:effectLst>
+        </p:spPr>
+      </p:pic>
+      <p:sp>
+        <p:nvSpPr>
+          <p:cNvPr id="8" name="TextBox 7">
+            <a:extLst>
+              <a:ext uri="{FF2B5EF4-FFF2-40B4-BE49-F238E27FC236}">
+                <a16:creationId xmlns="" xmlns:a16="http://schemas.microsoft.com/office/drawing/2014/main" id="{8FA28FC3-EE1C-47C8-98A8-3BDC7E42725E}"/>
+              </a:ext>
+            </a:extLst>
+          </p:cNvPr>
+          <p:cNvSpPr txBox="1"/>
+          <p:nvPr/>
+        </p:nvSpPr>
+        <p:spPr>
+          <a:xfrm>
+            <a:off x="7107450" y="942974"/>
+            <a:ext cx="4446375" cy="1077218"/>
+          </a:xfrm>
+          <a:prstGeom prst="rect">
+            <a:avLst/>
+          </a:prstGeom>
+          <a:noFill/>
+        </p:spPr>
+        <p:txBody>
+          <a:bodyPr wrap="square" rtlCol="0">
+            <a:spAutoFit/>
+          </a:bodyPr>
+          <a:lstStyle/>
+          <a:p>
+            <a:pPr algn="ctr"/>
+            <a:r>
+              <a:rPr lang="ru-RU" sz="3200" b="1" dirty="0">
+                <a:solidFill>
+                  <a:schemeClr val="bg1"/>
+                </a:solidFill>
+                <a:effectLst>
+                  <a:outerShdw blurRad="38100" dist="38100" dir="2700000" algn="tl">
+                    <a:srgbClr val="000000">
+                      <a:alpha val="43137"/>
+                    </a:srgbClr>
+                  </a:outerShdw>
+                </a:effectLst>
+                <a:cs typeface="Arial" panose="020B0604020202020204" pitchFamily="34" charset="0"/>
+              </a:rPr>
+              <a:t>Благодарю </a:t>
+            </a:r>
+            <a:endParaRPr lang="en-US" sz="3200" b="1" dirty="0">
+              <a:solidFill>
+                <a:schemeClr val="bg1"/>
+              </a:solidFill>
+              <a:effectLst>
+                <a:outerShdw blurRad="38100" dist="38100" dir="2700000" algn="tl">
+                  <a:srgbClr val="000000">
+                    <a:alpha val="43137"/>
+                  </a:srgbClr>
+                </a:outerShdw>
+              </a:effectLst>
+              <a:cs typeface="Arial" panose="020B0604020202020204" pitchFamily="34" charset="0"/>
+            </a:endParaRPr>
+          </a:p>
+          <a:p>
+            <a:pPr algn="ctr"/>
+            <a:r>
+              <a:rPr lang="ru-RU" sz="3200" b="1" dirty="0">
+                <a:solidFill>
+                  <a:schemeClr val="bg1"/>
+                </a:solidFill>
+                <a:effectLst>
+                  <a:outerShdw blurRad="38100" dist="38100" dir="2700000" algn="tl">
+                    <a:srgbClr val="000000">
+                      <a:alpha val="43137"/>
+                    </a:srgbClr>
+                  </a:outerShdw>
+                </a:effectLst>
+                <a:cs typeface="Arial" panose="020B0604020202020204" pitchFamily="34" charset="0"/>
+              </a:rPr>
+              <a:t>за внимание!</a:t>
+            </a:r>
+          </a:p>
+        </p:txBody>
+      </p:sp>
+      <p:pic>
+        <p:nvPicPr>
+          <p:cNvPr id="2051" name="Picture 3" descr="C:\Users\TroDA\Downloads\41cf1f7afde66ade20158b0cdf2dc702.png"/>
+          <p:cNvPicPr>
+            <a:picLocks noChangeAspect="1" noChangeArrowheads="1"/>
+          </p:cNvPicPr>
+          <p:nvPr/>
+        </p:nvPicPr>
+        <p:blipFill>
+          <a:blip r:embed="rId3" cstate="print">
+            <a:extLst>
+              <a:ext uri="{28A0092B-C50C-407E-A947-70E740481C1C}">
+                <a14:useLocalDpi xmlns:a14="http://schemas.microsoft.com/office/drawing/2010/main" val="0"/>
+              </a:ext>
+            </a:extLst>
+          </a:blip>
+          <a:srcRect/>
+          <a:stretch>
+            <a:fillRect/>
+          </a:stretch>
+        </p:blipFill>
+        <p:spPr bwMode="auto">
+          <a:xfrm>
+            <a:off x="310048" y="112787"/>
+            <a:ext cx="1766402" cy="2061897"/>
+          </a:xfrm>
+          <a:prstGeom prst="rect">
+            <a:avLst/>
+          </a:prstGeom>
+          <a:ln>
+            <a:noFill/>
+          </a:ln>
+          <a:effectLst>
+            <a:outerShdw blurRad="292100" dist="139700" dir="2700000" algn="tl" rotWithShape="0">
+              <a:srgbClr val="333333">
+                <a:alpha val="65000"/>
+              </a:srgbClr>
+            </a:outerShdw>
+          </a:effectLst>
+          <a:extLst>
+            <a:ext uri="{909E8E84-426E-40DD-AFC4-6F175D3DCCD1}">
+              <a14:hiddenFill xmlns:a14="http://schemas.microsoft.com/office/drawing/2010/main">
+                <a:solidFill>
+                  <a:srgbClr val="FFFFFF"/>
+                </a:solidFill>
+              </a14:hiddenFill>
+            </a:ext>
+          </a:extLst>
+        </p:spPr>
+      </p:pic>
+    </p:spTree>
+    <p:extLst>
+      <p:ext uri="{BB962C8B-B14F-4D97-AF65-F5344CB8AC3E}">
+        <p14:creationId xmlns:p14="http://schemas.microsoft.com/office/powerpoint/2010/main" val="4057328876"/>
+      </p:ext>
+    </p:extLst>
+  </p:cSld>
+  <p:clrMapOvr>
+    <a:masterClrMapping/>
+  </p:clrMapOvr>
+  <p:timing>
+    <p:tnLst>
+      <p:par>
+        <p:cTn id="1" dur="indefinite" restart="never" nodeType="tmRoot"/>
+      </p:par>
+    </p:tnLst>
+  </p:timing>
 </p:sld>
 </file>
 
@@ -4492,7 +5808,7 @@
           <p:cNvPr id="2" name="Заголовок 1">
             <a:extLst>
               <a:ext uri="{FF2B5EF4-FFF2-40B4-BE49-F238E27FC236}">
-                <a16:creationId xmlns:a16="http://schemas.microsoft.com/office/drawing/2014/main" id="{0759D693-CDBC-4694-7AFA-35683CB740F6}"/>
+                <a16:creationId xmlns:a16="http://schemas.microsoft.com/office/drawing/2014/main" xmlns="" id="{0759D693-CDBC-4694-7AFA-35683CB740F6}"/>
               </a:ext>
             </a:extLst>
           </p:cNvPr>
@@ -4538,7 +5854,7 @@
           <p:cNvPr id="3" name="Объект 2">
             <a:extLst>
               <a:ext uri="{FF2B5EF4-FFF2-40B4-BE49-F238E27FC236}">
-                <a16:creationId xmlns:a16="http://schemas.microsoft.com/office/drawing/2014/main" id="{5BDEB69D-01C9-CDDD-FF02-EE8ACEC98A0C}"/>
+                <a16:creationId xmlns:a16="http://schemas.microsoft.com/office/drawing/2014/main" xmlns="" id="{5BDEB69D-01C9-CDDD-FF02-EE8ACEC98A0C}"/>
               </a:ext>
             </a:extLst>
           </p:cNvPr>
@@ -4566,9 +5882,17 @@
               <a:rPr lang="ru-RU" b="1" dirty="0"/>
               <a:t>Задачи:</a:t>
             </a:r>
+            <a:r>
+              <a:rPr lang="ru-RU" dirty="0"/>
+              <a:t/>
+            </a:r>
             <a:br>
               <a:rPr lang="ru-RU" dirty="0"/>
             </a:br>
+            <a:r>
+              <a:rPr lang="ru-RU" dirty="0"/>
+              <a:t/>
+            </a:r>
             <a:br>
               <a:rPr lang="ru-RU" dirty="0"/>
             </a:br>
@@ -4617,7 +5941,7 @@
           <p:cNvPr id="4" name="Рисунок 3">
             <a:extLst>
               <a:ext uri="{FF2B5EF4-FFF2-40B4-BE49-F238E27FC236}">
-                <a16:creationId xmlns:a16="http://schemas.microsoft.com/office/drawing/2014/main" id="{0359349B-6BCC-3F1B-BE57-9CBF9BA7E5EC}"/>
+                <a16:creationId xmlns:a16="http://schemas.microsoft.com/office/drawing/2014/main" xmlns="" id="{0359349B-6BCC-3F1B-BE57-9CBF9BA7E5EC}"/>
               </a:ext>
             </a:extLst>
           </p:cNvPr>
@@ -4658,6 +5982,13 @@
   <p:clrMapOvr>
     <a:masterClrMapping/>
   </p:clrMapOvr>
+  <p:timing>
+    <p:tnLst>
+      <p:par>
+        <p:cTn id="1" dur="indefinite" restart="never" nodeType="tmRoot"/>
+      </p:par>
+    </p:tnLst>
+  </p:timing>
 </p:sld>
 </file>
 
@@ -4683,7 +6014,7 @@
           <p:cNvPr id="2" name="Заголовок 1">
             <a:extLst>
               <a:ext uri="{FF2B5EF4-FFF2-40B4-BE49-F238E27FC236}">
-                <a16:creationId xmlns:a16="http://schemas.microsoft.com/office/drawing/2014/main" id="{70E27E36-57BD-B396-5066-2EE1B249CE8A}"/>
+                <a16:creationId xmlns:a16="http://schemas.microsoft.com/office/drawing/2014/main" xmlns="" id="{70E27E36-57BD-B396-5066-2EE1B249CE8A}"/>
               </a:ext>
             </a:extLst>
           </p:cNvPr>
@@ -4722,7 +6053,7 @@
           <p:cNvPr id="5" name="Текст 4">
             <a:extLst>
               <a:ext uri="{FF2B5EF4-FFF2-40B4-BE49-F238E27FC236}">
-                <a16:creationId xmlns:a16="http://schemas.microsoft.com/office/drawing/2014/main" id="{09723375-C0D5-8F48-357B-51B0A5D1C38F}"/>
+                <a16:creationId xmlns:a16="http://schemas.microsoft.com/office/drawing/2014/main" xmlns="" id="{09723375-C0D5-8F48-357B-51B0A5D1C38F}"/>
               </a:ext>
             </a:extLst>
           </p:cNvPr>
@@ -4759,6 +6090,12 @@
             <a:br>
               <a:rPr lang="ru-RU" sz="2000" b="1" dirty="0"/>
             </a:br>
+            <a:r>
+              <a:rPr lang="en-US" sz="2000" b="1" i="0" dirty="0">
+                <a:effectLst/>
+              </a:rPr>
+              <a:t/>
+            </a:r>
             <a:br>
               <a:rPr lang="en-US" sz="2000" b="1" i="0" dirty="0">
                 <a:effectLst/>
@@ -4872,7 +6209,7 @@
           <p:cNvPr id="10" name="Рисунок 9">
             <a:extLst>
               <a:ext uri="{FF2B5EF4-FFF2-40B4-BE49-F238E27FC236}">
-                <a16:creationId xmlns:a16="http://schemas.microsoft.com/office/drawing/2014/main" id="{51AF2443-7C6B-2250-4637-26EDCBC49B08}"/>
+                <a16:creationId xmlns:a16="http://schemas.microsoft.com/office/drawing/2014/main" xmlns="" id="{51AF2443-7C6B-2250-4637-26EDCBC49B08}"/>
               </a:ext>
             </a:extLst>
           </p:cNvPr>
@@ -4908,7 +6245,7 @@
           <p:cNvPr id="22" name="Рисунок 21">
             <a:extLst>
               <a:ext uri="{FF2B5EF4-FFF2-40B4-BE49-F238E27FC236}">
-                <a16:creationId xmlns:a16="http://schemas.microsoft.com/office/drawing/2014/main" id="{0FB3DDCF-B628-1998-0A20-1557CF67EE92}"/>
+                <a16:creationId xmlns:a16="http://schemas.microsoft.com/office/drawing/2014/main" xmlns="" id="{0FB3DDCF-B628-1998-0A20-1557CF67EE92}"/>
               </a:ext>
             </a:extLst>
           </p:cNvPr>
@@ -4965,6 +6302,13 @@
   <p:clrMapOvr>
     <a:masterClrMapping/>
   </p:clrMapOvr>
+  <p:timing>
+    <p:tnLst>
+      <p:par>
+        <p:cTn id="1" dur="indefinite" restart="never" nodeType="tmRoot"/>
+      </p:par>
+    </p:tnLst>
+  </p:timing>
 </p:sld>
 </file>
 
@@ -4990,7 +6334,7 @@
           <p:cNvPr id="2" name="Заголовок 1">
             <a:extLst>
               <a:ext uri="{FF2B5EF4-FFF2-40B4-BE49-F238E27FC236}">
-                <a16:creationId xmlns:a16="http://schemas.microsoft.com/office/drawing/2014/main" id="{E8A2A335-4A07-31FB-6D9D-85C771F17B3C}"/>
+                <a16:creationId xmlns:a16="http://schemas.microsoft.com/office/drawing/2014/main" xmlns="" id="{E8A2A335-4A07-31FB-6D9D-85C771F17B3C}"/>
               </a:ext>
             </a:extLst>
           </p:cNvPr>
@@ -5025,7 +6369,7 @@
           <p:cNvPr id="4" name="Текст 3">
             <a:extLst>
               <a:ext uri="{FF2B5EF4-FFF2-40B4-BE49-F238E27FC236}">
-                <a16:creationId xmlns:a16="http://schemas.microsoft.com/office/drawing/2014/main" id="{09966F81-75E7-571F-CE36-3FDEC6C9697C}"/>
+                <a16:creationId xmlns:a16="http://schemas.microsoft.com/office/drawing/2014/main" xmlns="" id="{09966F81-75E7-571F-CE36-3FDEC6C9697C}"/>
               </a:ext>
             </a:extLst>
           </p:cNvPr>
@@ -5093,7 +6437,7 @@
           <p:cNvPr id="8" name="Рисунок 7">
             <a:extLst>
               <a:ext uri="{FF2B5EF4-FFF2-40B4-BE49-F238E27FC236}">
-                <a16:creationId xmlns:a16="http://schemas.microsoft.com/office/drawing/2014/main" id="{FB688C65-05F9-62A5-F518-DC2CE25EFAEC}"/>
+                <a16:creationId xmlns:a16="http://schemas.microsoft.com/office/drawing/2014/main" xmlns="" id="{FB688C65-05F9-62A5-F518-DC2CE25EFAEC}"/>
               </a:ext>
             </a:extLst>
           </p:cNvPr>
@@ -5139,7 +6483,7 @@
           <p:cNvPr id="9" name="Рисунок 8">
             <a:extLst>
               <a:ext uri="{FF2B5EF4-FFF2-40B4-BE49-F238E27FC236}">
-                <a16:creationId xmlns:a16="http://schemas.microsoft.com/office/drawing/2014/main" id="{75C6461E-FA4C-D0F8-F41D-6D7C4C391853}"/>
+                <a16:creationId xmlns:a16="http://schemas.microsoft.com/office/drawing/2014/main" xmlns="" id="{75C6461E-FA4C-D0F8-F41D-6D7C4C391853}"/>
               </a:ext>
             </a:extLst>
           </p:cNvPr>
@@ -5180,6 +6524,13 @@
   <p:clrMapOvr>
     <a:masterClrMapping/>
   </p:clrMapOvr>
+  <p:timing>
+    <p:tnLst>
+      <p:par>
+        <p:cTn id="1" dur="indefinite" restart="never" nodeType="tmRoot"/>
+      </p:par>
+    </p:tnLst>
+  </p:timing>
 </p:sld>
 </file>
 
@@ -5205,7 +6556,7 @@
           <p:cNvPr id="11" name="Рисунок 10">
             <a:extLst>
               <a:ext uri="{FF2B5EF4-FFF2-40B4-BE49-F238E27FC236}">
-                <a16:creationId xmlns:a16="http://schemas.microsoft.com/office/drawing/2014/main" id="{836950BE-AA7B-9D26-06E4-E4A522C71A76}"/>
+                <a16:creationId xmlns:a16="http://schemas.microsoft.com/office/drawing/2014/main" xmlns="" id="{836950BE-AA7B-9D26-06E4-E4A522C71A76}"/>
               </a:ext>
             </a:extLst>
           </p:cNvPr>
@@ -5265,7 +6616,7 @@
           <p:cNvPr id="12" name="Рисунок 11">
             <a:extLst>
               <a:ext uri="{FF2B5EF4-FFF2-40B4-BE49-F238E27FC236}">
-                <a16:creationId xmlns:a16="http://schemas.microsoft.com/office/drawing/2014/main" id="{82EA76DE-94CF-E11F-949E-E727D3952502}"/>
+                <a16:creationId xmlns:a16="http://schemas.microsoft.com/office/drawing/2014/main" xmlns="" id="{82EA76DE-94CF-E11F-949E-E727D3952502}"/>
               </a:ext>
             </a:extLst>
           </p:cNvPr>
@@ -5308,7 +6659,7 @@
           <p:cNvPr id="5" name="Заголовок 4">
             <a:extLst>
               <a:ext uri="{FF2B5EF4-FFF2-40B4-BE49-F238E27FC236}">
-                <a16:creationId xmlns:a16="http://schemas.microsoft.com/office/drawing/2014/main" id="{693B62A2-1650-8A84-25CD-DA97BB8BC769}"/>
+                <a16:creationId xmlns:a16="http://schemas.microsoft.com/office/drawing/2014/main" xmlns="" id="{693B62A2-1650-8A84-25CD-DA97BB8BC769}"/>
               </a:ext>
             </a:extLst>
           </p:cNvPr>
@@ -5344,7 +6695,7 @@
           <p:cNvPr id="7" name="Объект 6">
             <a:extLst>
               <a:ext uri="{FF2B5EF4-FFF2-40B4-BE49-F238E27FC236}">
-                <a16:creationId xmlns:a16="http://schemas.microsoft.com/office/drawing/2014/main" id="{5B228171-B6A1-8A38-7842-21203CAC8730}"/>
+                <a16:creationId xmlns:a16="http://schemas.microsoft.com/office/drawing/2014/main" xmlns="" id="{5B228171-B6A1-8A38-7842-21203CAC8730}"/>
               </a:ext>
             </a:extLst>
           </p:cNvPr>
@@ -5403,7 +6754,7 @@
           <p:cNvPr id="9" name="Объект 8">
             <a:extLst>
               <a:ext uri="{FF2B5EF4-FFF2-40B4-BE49-F238E27FC236}">
-                <a16:creationId xmlns:a16="http://schemas.microsoft.com/office/drawing/2014/main" id="{44A63397-FED8-0800-E98E-64DE1A78D410}"/>
+                <a16:creationId xmlns:a16="http://schemas.microsoft.com/office/drawing/2014/main" xmlns="" id="{44A63397-FED8-0800-E98E-64DE1A78D410}"/>
               </a:ext>
             </a:extLst>
           </p:cNvPr>
@@ -5422,7 +6773,7 @@
         </p:spPr>
         <p:txBody>
           <a:bodyPr>
-            <a:normAutofit fontScale="92500" lnSpcReduction="10000"/>
+            <a:normAutofit fontScale="92500"/>
           </a:bodyPr>
           <a:lstStyle/>
           <a:p>
@@ -5450,6 +6801,13 @@
   <p:clrMapOvr>
     <a:masterClrMapping/>
   </p:clrMapOvr>
+  <p:timing>
+    <p:tnLst>
+      <p:par>
+        <p:cTn id="1" dur="indefinite" restart="never" nodeType="tmRoot"/>
+      </p:par>
+    </p:tnLst>
+  </p:timing>
 </p:sld>
 </file>
 
@@ -5475,7 +6833,7 @@
           <p:cNvPr id="7" name="Заголовок 6">
             <a:extLst>
               <a:ext uri="{FF2B5EF4-FFF2-40B4-BE49-F238E27FC236}">
-                <a16:creationId xmlns:a16="http://schemas.microsoft.com/office/drawing/2014/main" id="{CECF95D7-CE12-4E13-EF59-FDA1FEF26794}"/>
+                <a16:creationId xmlns:a16="http://schemas.microsoft.com/office/drawing/2014/main" xmlns="" id="{CECF95D7-CE12-4E13-EF59-FDA1FEF26794}"/>
               </a:ext>
             </a:extLst>
           </p:cNvPr>
@@ -5510,7 +6868,7 @@
           <p:cNvPr id="10" name="Объект 9">
             <a:extLst>
               <a:ext uri="{FF2B5EF4-FFF2-40B4-BE49-F238E27FC236}">
-                <a16:creationId xmlns:a16="http://schemas.microsoft.com/office/drawing/2014/main" id="{1DB481B9-3C3B-02D9-F794-C59EE3EB6C79}"/>
+                <a16:creationId xmlns:a16="http://schemas.microsoft.com/office/drawing/2014/main" xmlns="" id="{1DB481B9-3C3B-02D9-F794-C59EE3EB6C79}"/>
               </a:ext>
             </a:extLst>
           </p:cNvPr>
@@ -5540,28 +6898,28 @@
                 <a:gridCol w="1460664">
                   <a:extLst>
                     <a:ext uri="{9D8B030D-6E8A-4147-A177-3AD203B41FA5}">
-                      <a16:colId xmlns:a16="http://schemas.microsoft.com/office/drawing/2014/main" val="3879513401"/>
+                      <a16:colId xmlns:a16="http://schemas.microsoft.com/office/drawing/2014/main" xmlns="" val="3879513401"/>
                     </a:ext>
                   </a:extLst>
                 </a:gridCol>
                 <a:gridCol w="1460664">
                   <a:extLst>
                     <a:ext uri="{9D8B030D-6E8A-4147-A177-3AD203B41FA5}">
-                      <a16:colId xmlns:a16="http://schemas.microsoft.com/office/drawing/2014/main" val="2257207833"/>
+                      <a16:colId xmlns:a16="http://schemas.microsoft.com/office/drawing/2014/main" xmlns="" val="2257207833"/>
                     </a:ext>
                   </a:extLst>
                 </a:gridCol>
                 <a:gridCol w="1460664">
                   <a:extLst>
                     <a:ext uri="{9D8B030D-6E8A-4147-A177-3AD203B41FA5}">
-                      <a16:colId xmlns:a16="http://schemas.microsoft.com/office/drawing/2014/main" val="3115678501"/>
+                      <a16:colId xmlns:a16="http://schemas.microsoft.com/office/drawing/2014/main" xmlns="" val="3115678501"/>
                     </a:ext>
                   </a:extLst>
                 </a:gridCol>
                 <a:gridCol w="1460664">
                   <a:extLst>
                     <a:ext uri="{9D8B030D-6E8A-4147-A177-3AD203B41FA5}">
-                      <a16:colId xmlns:a16="http://schemas.microsoft.com/office/drawing/2014/main" val="824254930"/>
+                      <a16:colId xmlns:a16="http://schemas.microsoft.com/office/drawing/2014/main" xmlns="" val="824254930"/>
                     </a:ext>
                   </a:extLst>
                 </a:gridCol>
@@ -5697,7 +7055,7 @@
                 </a:tc>
                 <a:extLst>
                   <a:ext uri="{0D108BD9-81ED-4DB2-BD59-A6C34878D82A}">
-                    <a16:rowId xmlns:a16="http://schemas.microsoft.com/office/drawing/2014/main" val="848552595"/>
+                    <a16:rowId xmlns:a16="http://schemas.microsoft.com/office/drawing/2014/main" xmlns="" val="848552595"/>
                   </a:ext>
                 </a:extLst>
               </a:tr>
@@ -5832,7 +7190,7 @@
                 </a:tc>
                 <a:extLst>
                   <a:ext uri="{0D108BD9-81ED-4DB2-BD59-A6C34878D82A}">
-                    <a16:rowId xmlns:a16="http://schemas.microsoft.com/office/drawing/2014/main" val="2301871006"/>
+                    <a16:rowId xmlns:a16="http://schemas.microsoft.com/office/drawing/2014/main" xmlns="" val="2301871006"/>
                   </a:ext>
                 </a:extLst>
               </a:tr>
@@ -5967,7 +7325,7 @@
                 </a:tc>
                 <a:extLst>
                   <a:ext uri="{0D108BD9-81ED-4DB2-BD59-A6C34878D82A}">
-                    <a16:rowId xmlns:a16="http://schemas.microsoft.com/office/drawing/2014/main" val="1386052964"/>
+                    <a16:rowId xmlns:a16="http://schemas.microsoft.com/office/drawing/2014/main" xmlns="" val="1386052964"/>
                   </a:ext>
                 </a:extLst>
               </a:tr>
@@ -6102,7 +7460,7 @@
                 </a:tc>
                 <a:extLst>
                   <a:ext uri="{0D108BD9-81ED-4DB2-BD59-A6C34878D82A}">
-                    <a16:rowId xmlns:a16="http://schemas.microsoft.com/office/drawing/2014/main" val="605755000"/>
+                    <a16:rowId xmlns:a16="http://schemas.microsoft.com/office/drawing/2014/main" xmlns="" val="605755000"/>
                   </a:ext>
                 </a:extLst>
               </a:tr>
@@ -6237,7 +7595,7 @@
                 </a:tc>
                 <a:extLst>
                   <a:ext uri="{0D108BD9-81ED-4DB2-BD59-A6C34878D82A}">
-                    <a16:rowId xmlns:a16="http://schemas.microsoft.com/office/drawing/2014/main" val="1468904081"/>
+                    <a16:rowId xmlns:a16="http://schemas.microsoft.com/office/drawing/2014/main" xmlns="" val="1468904081"/>
                   </a:ext>
                 </a:extLst>
               </a:tr>
@@ -6504,7 +7862,7 @@
                 </a:tc>
                 <a:extLst>
                   <a:ext uri="{0D108BD9-81ED-4DB2-BD59-A6C34878D82A}">
-                    <a16:rowId xmlns:a16="http://schemas.microsoft.com/office/drawing/2014/main" val="141467024"/>
+                    <a16:rowId xmlns:a16="http://schemas.microsoft.com/office/drawing/2014/main" xmlns="" val="141467024"/>
                   </a:ext>
                 </a:extLst>
               </a:tr>
@@ -6712,7 +8070,7 @@
                 </a:tc>
                 <a:extLst>
                   <a:ext uri="{0D108BD9-81ED-4DB2-BD59-A6C34878D82A}">
-                    <a16:rowId xmlns:a16="http://schemas.microsoft.com/office/drawing/2014/main" val="3137664662"/>
+                    <a16:rowId xmlns:a16="http://schemas.microsoft.com/office/drawing/2014/main" xmlns="" val="3137664662"/>
                   </a:ext>
                 </a:extLst>
               </a:tr>
@@ -6725,7 +8083,7 @@
           <p:cNvPr id="9" name="Текст 8">
             <a:extLst>
               <a:ext uri="{FF2B5EF4-FFF2-40B4-BE49-F238E27FC236}">
-                <a16:creationId xmlns:a16="http://schemas.microsoft.com/office/drawing/2014/main" id="{506705B5-49C0-CF4C-4934-7DB337CA271C}"/>
+                <a16:creationId xmlns:a16="http://schemas.microsoft.com/office/drawing/2014/main" xmlns="" id="{506705B5-49C0-CF4C-4934-7DB337CA271C}"/>
               </a:ext>
             </a:extLst>
           </p:cNvPr>
@@ -6756,6 +8114,10 @@
             <a:br>
               <a:rPr lang="ru-RU" sz="2000" dirty="0"/>
             </a:br>
+            <a:r>
+              <a:rPr lang="ru-RU" sz="2000" dirty="0"/>
+              <a:t/>
+            </a:r>
             <a:br>
               <a:rPr lang="ru-RU" sz="2000" dirty="0"/>
             </a:br>
@@ -6763,9 +8125,17 @@
               <a:rPr lang="ru-RU" sz="2000" b="1" dirty="0"/>
               <a:t>Ключевые преимущества:</a:t>
             </a:r>
+            <a:r>
+              <a:rPr lang="ru-RU" sz="2000" dirty="0"/>
+              <a:t/>
+            </a:r>
             <a:br>
               <a:rPr lang="ru-RU" sz="2000" dirty="0"/>
             </a:br>
+            <a:r>
+              <a:rPr lang="ru-RU" sz="2000" dirty="0"/>
+              <a:t/>
+            </a:r>
             <a:br>
               <a:rPr lang="ru-RU" sz="2000" dirty="0"/>
             </a:br>
@@ -6851,7 +8221,7 @@
           <p:cNvPr id="11" name="Рисунок 10">
             <a:extLst>
               <a:ext uri="{FF2B5EF4-FFF2-40B4-BE49-F238E27FC236}">
-                <a16:creationId xmlns:a16="http://schemas.microsoft.com/office/drawing/2014/main" id="{80CC3259-9839-76A6-8C07-523A276895C6}"/>
+                <a16:creationId xmlns:a16="http://schemas.microsoft.com/office/drawing/2014/main" xmlns="" id="{80CC3259-9839-76A6-8C07-523A276895C6}"/>
               </a:ext>
             </a:extLst>
           </p:cNvPr>
@@ -6899,6 +8269,13 @@
   <p:clrMapOvr>
     <a:masterClrMapping/>
   </p:clrMapOvr>
+  <p:timing>
+    <p:tnLst>
+      <p:par>
+        <p:cTn id="1" dur="indefinite" restart="never" nodeType="tmRoot"/>
+      </p:par>
+    </p:tnLst>
+  </p:timing>
 </p:sld>
 </file>
 
@@ -6924,7 +8301,7 @@
           <p:cNvPr id="5" name="Заголовок 4">
             <a:extLst>
               <a:ext uri="{FF2B5EF4-FFF2-40B4-BE49-F238E27FC236}">
-                <a16:creationId xmlns:a16="http://schemas.microsoft.com/office/drawing/2014/main" id="{C60A9AEE-1D62-81CB-0CD1-D554FE470100}"/>
+                <a16:creationId xmlns:a16="http://schemas.microsoft.com/office/drawing/2014/main" xmlns="" id="{C60A9AEE-1D62-81CB-0CD1-D554FE470100}"/>
               </a:ext>
             </a:extLst>
           </p:cNvPr>
@@ -6963,7 +8340,7 @@
           <p:cNvPr id="7" name="Объект 6">
             <a:extLst>
               <a:ext uri="{FF2B5EF4-FFF2-40B4-BE49-F238E27FC236}">
-                <a16:creationId xmlns:a16="http://schemas.microsoft.com/office/drawing/2014/main" id="{66BF457C-F977-674E-6351-6762D8F23155}"/>
+                <a16:creationId xmlns:a16="http://schemas.microsoft.com/office/drawing/2014/main" xmlns="" id="{66BF457C-F977-674E-6351-6762D8F23155}"/>
               </a:ext>
             </a:extLst>
           </p:cNvPr>
@@ -7005,7 +8382,7 @@
           <p:cNvPr id="8" name="Рисунок 7">
             <a:extLst>
               <a:ext uri="{FF2B5EF4-FFF2-40B4-BE49-F238E27FC236}">
-                <a16:creationId xmlns:a16="http://schemas.microsoft.com/office/drawing/2014/main" id="{5D068746-EC85-3D41-C5EB-0DD44F534AE5}"/>
+                <a16:creationId xmlns:a16="http://schemas.microsoft.com/office/drawing/2014/main" xmlns="" id="{5D068746-EC85-3D41-C5EB-0DD44F534AE5}"/>
               </a:ext>
             </a:extLst>
           </p:cNvPr>
@@ -7053,6 +8430,13 @@
   <p:clrMapOvr>
     <a:masterClrMapping/>
   </p:clrMapOvr>
+  <p:timing>
+    <p:tnLst>
+      <p:par>
+        <p:cTn id="1" dur="indefinite" restart="never" nodeType="tmRoot"/>
+      </p:par>
+    </p:tnLst>
+  </p:timing>
 </p:sld>
 </file>
 
@@ -7078,7 +8462,7 @@
           <p:cNvPr id="11" name="Рисунок 10">
             <a:extLst>
               <a:ext uri="{FF2B5EF4-FFF2-40B4-BE49-F238E27FC236}">
-                <a16:creationId xmlns:a16="http://schemas.microsoft.com/office/drawing/2014/main" id="{F2F70E99-A462-71D2-6720-72622B6237A1}"/>
+                <a16:creationId xmlns:a16="http://schemas.microsoft.com/office/drawing/2014/main" xmlns="" id="{F2F70E99-A462-71D2-6720-72622B6237A1}"/>
               </a:ext>
             </a:extLst>
           </p:cNvPr>
@@ -7121,7 +8505,7 @@
           <p:cNvPr id="2" name="Заголовок 1">
             <a:extLst>
               <a:ext uri="{FF2B5EF4-FFF2-40B4-BE49-F238E27FC236}">
-                <a16:creationId xmlns:a16="http://schemas.microsoft.com/office/drawing/2014/main" id="{30F307B8-5B70-3937-E5F2-B34A22F0ACEA}"/>
+                <a16:creationId xmlns:a16="http://schemas.microsoft.com/office/drawing/2014/main" xmlns="" id="{30F307B8-5B70-3937-E5F2-B34A22F0ACEA}"/>
               </a:ext>
             </a:extLst>
           </p:cNvPr>
@@ -7165,7 +8549,7 @@
           <p:cNvPr id="3" name="Объект 2">
             <a:extLst>
               <a:ext uri="{FF2B5EF4-FFF2-40B4-BE49-F238E27FC236}">
-                <a16:creationId xmlns:a16="http://schemas.microsoft.com/office/drawing/2014/main" id="{CB005AC9-6F22-B56C-9E84-E0CEA2654754}"/>
+                <a16:creationId xmlns:a16="http://schemas.microsoft.com/office/drawing/2014/main" xmlns="" id="{CB005AC9-6F22-B56C-9E84-E0CEA2654754}"/>
               </a:ext>
             </a:extLst>
           </p:cNvPr>
@@ -7211,6 +8595,10 @@
             <a:br>
               <a:rPr lang="ru-RU" sz="1800" dirty="0"/>
             </a:br>
+            <a:r>
+              <a:rPr lang="ru-RU" sz="1800" dirty="0"/>
+              <a:t/>
+            </a:r>
             <a:br>
               <a:rPr lang="ru-RU" sz="1800" dirty="0"/>
             </a:br>
@@ -7225,6 +8613,10 @@
             <a:br>
               <a:rPr lang="ru-RU" sz="1800" dirty="0"/>
             </a:br>
+            <a:r>
+              <a:rPr lang="ru-RU" sz="1800" dirty="0"/>
+              <a:t/>
+            </a:r>
             <a:br>
               <a:rPr lang="ru-RU" sz="1800" dirty="0"/>
             </a:br>
@@ -7247,6 +8639,10 @@
             <a:br>
               <a:rPr lang="ru-RU" sz="1800" dirty="0"/>
             </a:br>
+            <a:r>
+              <a:rPr lang="ru-RU" sz="1800" dirty="0"/>
+              <a:t/>
+            </a:r>
             <a:br>
               <a:rPr lang="ru-RU" sz="1800" dirty="0"/>
             </a:br>
@@ -7282,7 +8678,7 @@
           <p:cNvPr id="7" name="Рисунок 6">
             <a:extLst>
               <a:ext uri="{FF2B5EF4-FFF2-40B4-BE49-F238E27FC236}">
-                <a16:creationId xmlns:a16="http://schemas.microsoft.com/office/drawing/2014/main" id="{F8F1C26B-4D40-E3D3-3A87-B5CAEADED627}"/>
+                <a16:creationId xmlns:a16="http://schemas.microsoft.com/office/drawing/2014/main" xmlns="" id="{F8F1C26B-4D40-E3D3-3A87-B5CAEADED627}"/>
               </a:ext>
             </a:extLst>
           </p:cNvPr>
@@ -7338,7 +8734,7 @@
           <p:cNvPr id="1028" name="Picture 4" descr="Picture background">
             <a:extLst>
               <a:ext uri="{FF2B5EF4-FFF2-40B4-BE49-F238E27FC236}">
-                <a16:creationId xmlns:a16="http://schemas.microsoft.com/office/drawing/2014/main" id="{ECA562A7-04B1-800D-351D-F66454ED0F38}"/>
+                <a16:creationId xmlns:a16="http://schemas.microsoft.com/office/drawing/2014/main" xmlns="" id="{ECA562A7-04B1-800D-351D-F66454ED0F38}"/>
               </a:ext>
             </a:extLst>
           </p:cNvPr>
@@ -7348,7 +8744,7 @@
           <p:nvPr/>
         </p:nvPicPr>
         <p:blipFill>
-          <a:blip r:embed="rId4">
+          <a:blip r:embed="rId4" cstate="print">
             <a:extLst>
               <a:ext uri="{28A0092B-C50C-407E-A947-70E740481C1C}">
                 <a14:useLocalDpi xmlns:a14="http://schemas.microsoft.com/office/drawing/2010/main" val="0"/>
@@ -7390,6 +8786,13 @@
   <p:clrMapOvr>
     <a:masterClrMapping/>
   </p:clrMapOvr>
+  <p:timing>
+    <p:tnLst>
+      <p:par>
+        <p:cTn id="1" dur="indefinite" restart="never" nodeType="tmRoot"/>
+      </p:par>
+    </p:tnLst>
+  </p:timing>
 </p:sld>
 </file>
 
@@ -7410,12 +8813,393 @@
           <a:chExt cx="0" cy="0"/>
         </a:xfrm>
       </p:grpSpPr>
+      <p:sp>
+        <p:nvSpPr>
+          <p:cNvPr id="5" name="Заголовок 4"/>
+          <p:cNvSpPr>
+            <a:spLocks noGrp="1"/>
+          </p:cNvSpPr>
+          <p:nvPr>
+            <p:ph type="title"/>
+          </p:nvPr>
+        </p:nvSpPr>
+        <p:spPr>
+          <a:xfrm>
+            <a:off x="863527" y="174135"/>
+            <a:ext cx="10515600" cy="1325563"/>
+          </a:xfrm>
+        </p:spPr>
+        <p:txBody>
+          <a:bodyPr>
+            <a:normAutofit/>
+          </a:bodyPr>
+          <a:lstStyle/>
+          <a:p>
+            <a:pPr algn="ctr"/>
+            <a:r>
+              <a:rPr lang="ru-RU" sz="2400" b="1" dirty="0" smtClean="0"/>
+              <a:t>ВЫБОР СИСТЕМЫ УПРАВЛЕНИЯ БАЗАМИ ДАННЫХ </a:t>
+            </a:r>
+            <a:r>
+              <a:rPr lang="en-US" sz="2400" b="1" dirty="0" smtClean="0"/>
+              <a:t>MS SQL SERVER EXPRESS</a:t>
+            </a:r>
+            <a:r>
+              <a:rPr lang="ru-RU" sz="2400" b="1" dirty="0" smtClean="0"/>
+              <a:t> С ИСПОЛЬЗОВАНИЕМ ENTITY FRAMEWORK CORE В КАЧЕСТВЕ ORM-ТЕХНОЛОГИИ</a:t>
+            </a:r>
+            <a:endParaRPr lang="ru-RU" sz="2400" b="1" dirty="0"/>
+          </a:p>
+        </p:txBody>
+      </p:sp>
+      <p:sp>
+        <p:nvSpPr>
+          <p:cNvPr id="6" name="Объект 5"/>
+          <p:cNvSpPr>
+            <a:spLocks noGrp="1"/>
+          </p:cNvSpPr>
+          <p:nvPr>
+            <p:ph sz="half" idx="2"/>
+          </p:nvPr>
+        </p:nvSpPr>
+        <p:spPr/>
+        <p:txBody>
+          <a:bodyPr/>
+          <a:lstStyle/>
+          <a:p>
+            <a:endParaRPr lang="en-US" dirty="0" smtClean="0"/>
+          </a:p>
+          <a:p>
+            <a:endParaRPr lang="en-US" dirty="0"/>
+          </a:p>
+          <a:p>
+            <a:endParaRPr lang="en-US" dirty="0" smtClean="0"/>
+          </a:p>
+        </p:txBody>
+      </p:sp>
       <p:pic>
         <p:nvPicPr>
-          <p:cNvPr id="9" name="Рисунок 8">
-            <a:extLst>
-              <a:ext uri="{FF2B5EF4-FFF2-40B4-BE49-F238E27FC236}">
-                <a16:creationId xmlns:a16="http://schemas.microsoft.com/office/drawing/2014/main" id="{828FB7BC-5A7C-6A69-5802-7887E502C706}"/>
+          <p:cNvPr id="1028" name="Picture 4" descr="C:\Users\TroDA\Desktop\entity-framework.png"/>
+          <p:cNvPicPr>
+            <a:picLocks noGrp="1" noChangeAspect="1" noChangeArrowheads="1"/>
+          </p:cNvPicPr>
+          <p:nvPr>
+            <p:ph sz="quarter" idx="4"/>
+          </p:nvPr>
+        </p:nvPicPr>
+        <p:blipFill>
+          <a:blip r:embed="rId2">
+            <a:extLst>
+              <a:ext uri="{28A0092B-C50C-407E-A947-70E740481C1C}">
+                <a14:useLocalDpi xmlns:a14="http://schemas.microsoft.com/office/drawing/2010/main" val="0"/>
+              </a:ext>
+            </a:extLst>
+          </a:blip>
+          <a:stretch>
+            <a:fillRect/>
+          </a:stretch>
+        </p:blipFill>
+        <p:spPr bwMode="auto">
+          <a:xfrm>
+            <a:off x="7026202" y="1780215"/>
+            <a:ext cx="4259263" cy="858209"/>
+          </a:xfrm>
+          <a:prstGeom prst="rect">
+            <a:avLst/>
+          </a:prstGeom>
+          <a:noFill/>
+          <a:extLst>
+            <a:ext uri="{909E8E84-426E-40DD-AFC4-6F175D3DCCD1}">
+              <a14:hiddenFill xmlns:a14="http://schemas.microsoft.com/office/drawing/2010/main">
+                <a:solidFill>
+                  <a:srgbClr val="FFFFFF"/>
+                </a:solidFill>
+              </a14:hiddenFill>
+            </a:ext>
+          </a:extLst>
+        </p:spPr>
+      </p:pic>
+      <p:pic>
+        <p:nvPicPr>
+          <p:cNvPr id="1026" name="Picture 2" descr="C:\Users\TroDA\Desktop\632b60f8c1aa184a0e5766d9_202209-ms-sql-icon-3x.png"/>
+          <p:cNvPicPr>
+            <a:picLocks noChangeAspect="1" noChangeArrowheads="1"/>
+          </p:cNvPicPr>
+          <p:nvPr/>
+        </p:nvPicPr>
+        <p:blipFill>
+          <a:blip r:embed="rId3" cstate="print">
+            <a:extLst>
+              <a:ext uri="{28A0092B-C50C-407E-A947-70E740481C1C}">
+                <a14:useLocalDpi xmlns:a14="http://schemas.microsoft.com/office/drawing/2010/main" val="0"/>
+              </a:ext>
+            </a:extLst>
+          </a:blip>
+          <a:srcRect/>
+          <a:stretch>
+            <a:fillRect/>
+          </a:stretch>
+        </p:blipFill>
+        <p:spPr bwMode="auto">
+          <a:xfrm>
+            <a:off x="901626" y="1499697"/>
+            <a:ext cx="3841823" cy="1138727"/>
+          </a:xfrm>
+          <a:prstGeom prst="rect">
+            <a:avLst/>
+          </a:prstGeom>
+          <a:noFill/>
+          <a:extLst>
+            <a:ext uri="{909E8E84-426E-40DD-AFC4-6F175D3DCCD1}">
+              <a14:hiddenFill xmlns:a14="http://schemas.microsoft.com/office/drawing/2010/main">
+                <a:solidFill>
+                  <a:srgbClr val="FFFFFF"/>
+                </a:solidFill>
+              </a14:hiddenFill>
+            </a:ext>
+          </a:extLst>
+        </p:spPr>
+      </p:pic>
+      <p:sp>
+        <p:nvSpPr>
+          <p:cNvPr id="11" name="TextBox 10"/>
+          <p:cNvSpPr txBox="1"/>
+          <p:nvPr/>
+        </p:nvSpPr>
+        <p:spPr>
+          <a:xfrm>
+            <a:off x="901627" y="2943225"/>
+            <a:ext cx="4403798" cy="3170099"/>
+          </a:xfrm>
+          <a:prstGeom prst="rect">
+            <a:avLst/>
+          </a:prstGeom>
+          <a:noFill/>
+        </p:spPr>
+        <p:txBody>
+          <a:bodyPr wrap="square" rtlCol="0">
+            <a:spAutoFit/>
+          </a:bodyPr>
+          <a:lstStyle/>
+          <a:p>
+            <a:pPr algn="just"/>
+            <a:r>
+              <a:rPr lang="ru-RU" sz="2000" b="1" dirty="0"/>
+              <a:t>MS SQL Server </a:t>
+            </a:r>
+            <a:r>
+              <a:rPr lang="ru-RU" sz="2000" b="1" dirty="0" err="1"/>
+              <a:t>Express</a:t>
+            </a:r>
+            <a:r>
+              <a:rPr lang="ru-RU" sz="2000" b="1" dirty="0"/>
+              <a:t> </a:t>
+            </a:r>
+            <a:r>
+              <a:rPr lang="ru-RU" sz="2000" dirty="0"/>
+              <a:t>(бесплатная версия) </a:t>
+            </a:r>
+            <a:endParaRPr lang="ru-RU" sz="2000" dirty="0" smtClean="0"/>
+          </a:p>
+          <a:p>
+            <a:pPr marL="342900" indent="-342900" algn="just">
+              <a:buFont typeface="Arial" panose="020B0604020202020204" pitchFamily="34" charset="0"/>
+              <a:buChar char="•"/>
+            </a:pPr>
+            <a:r>
+              <a:rPr lang="ru-RU" sz="2000" dirty="0" smtClean="0"/>
+              <a:t>Лимит</a:t>
+            </a:r>
+            <a:r>
+              <a:rPr lang="ru-RU" sz="2000" dirty="0"/>
+              <a:t>: 10 ГБ на базу </a:t>
+            </a:r>
+          </a:p>
+          <a:p>
+            <a:pPr marL="342900" indent="-342900" algn="just">
+              <a:buFont typeface="Arial" panose="020B0604020202020204" pitchFamily="34" charset="0"/>
+              <a:buChar char="•"/>
+            </a:pPr>
+            <a:r>
+              <a:rPr lang="ru-RU" sz="2000" dirty="0" smtClean="0"/>
+              <a:t>Подходит </a:t>
+            </a:r>
+            <a:r>
+              <a:rPr lang="ru-RU" sz="2000" dirty="0"/>
+              <a:t>для:  </a:t>
+            </a:r>
+          </a:p>
+          <a:p>
+            <a:pPr lvl="1" algn="just"/>
+            <a:r>
+              <a:rPr lang="ru-RU" sz="2000" dirty="0"/>
+              <a:t> </a:t>
+            </a:r>
+            <a:r>
+              <a:rPr lang="ru-RU" sz="2000" dirty="0" smtClean="0"/>
+              <a:t>- </a:t>
+            </a:r>
+            <a:r>
+              <a:rPr lang="ru-RU" sz="2000" dirty="0"/>
+              <a:t>Небольших проектов  </a:t>
+            </a:r>
+          </a:p>
+          <a:p>
+            <a:pPr lvl="1" algn="just"/>
+            <a:r>
+              <a:rPr lang="ru-RU" sz="2000" dirty="0"/>
+              <a:t> </a:t>
+            </a:r>
+            <a:r>
+              <a:rPr lang="ru-RU" sz="2000" dirty="0" smtClean="0"/>
+              <a:t>- </a:t>
+            </a:r>
+            <a:r>
+              <a:rPr lang="ru-RU" sz="2000" dirty="0"/>
+              <a:t>Тестирования  </a:t>
+            </a:r>
+          </a:p>
+          <a:p>
+            <a:pPr lvl="1" algn="just"/>
+            <a:r>
+              <a:rPr lang="ru-RU" sz="2000" dirty="0"/>
+              <a:t> </a:t>
+            </a:r>
+            <a:r>
+              <a:rPr lang="ru-RU" sz="2000" dirty="0" smtClean="0"/>
+              <a:t>- </a:t>
+            </a:r>
+            <a:r>
+              <a:rPr lang="ru-RU" sz="2000" dirty="0"/>
+              <a:t>Обучения  </a:t>
+            </a:r>
+          </a:p>
+          <a:p>
+            <a:pPr marL="342900" indent="-342900" algn="just">
+              <a:buFont typeface="Arial" panose="020B0604020202020204" pitchFamily="34" charset="0"/>
+              <a:buChar char="•"/>
+            </a:pPr>
+            <a:r>
+              <a:rPr lang="ru-RU" sz="2000" dirty="0" smtClean="0"/>
+              <a:t>Масштабирование  </a:t>
+            </a:r>
+            <a:endParaRPr lang="ru-RU" sz="2000" dirty="0"/>
+          </a:p>
+          <a:p>
+            <a:pPr lvl="1" algn="just"/>
+            <a:r>
+              <a:rPr lang="ru-RU" sz="2000" dirty="0" smtClean="0"/>
+              <a:t>- При </a:t>
+            </a:r>
+            <a:r>
+              <a:rPr lang="ru-RU" sz="2000" dirty="0"/>
+              <a:t>росте нагрузки — переход на </a:t>
+            </a:r>
+            <a:r>
+              <a:rPr lang="ru-RU" sz="2000" dirty="0" smtClean="0"/>
+              <a:t>SQL </a:t>
+            </a:r>
+            <a:r>
+              <a:rPr lang="ru-RU" sz="2000" dirty="0"/>
+              <a:t>Server </a:t>
+            </a:r>
+            <a:r>
+              <a:rPr lang="ru-RU" sz="2000" dirty="0" smtClean="0"/>
+              <a:t>Standard/Enterprise</a:t>
+            </a:r>
+            <a:endParaRPr lang="ru-RU" sz="2000" dirty="0"/>
+          </a:p>
+        </p:txBody>
+      </p:sp>
+      <p:sp>
+        <p:nvSpPr>
+          <p:cNvPr id="16" name="TextBox 15"/>
+          <p:cNvSpPr txBox="1"/>
+          <p:nvPr/>
+        </p:nvSpPr>
+        <p:spPr>
+          <a:xfrm>
+            <a:off x="7026202" y="2943225"/>
+            <a:ext cx="4403798" cy="1938992"/>
+          </a:xfrm>
+          <a:prstGeom prst="rect">
+            <a:avLst/>
+          </a:prstGeom>
+          <a:noFill/>
+        </p:spPr>
+        <p:txBody>
+          <a:bodyPr wrap="square" rtlCol="0">
+            <a:spAutoFit/>
+          </a:bodyPr>
+          <a:lstStyle/>
+          <a:p>
+            <a:pPr algn="just"/>
+            <a:r>
+              <a:rPr lang="ru-RU" sz="2000" b="1" dirty="0" smtClean="0"/>
+              <a:t>Entity </a:t>
+            </a:r>
+            <a:r>
+              <a:rPr lang="ru-RU" sz="2000" b="1" dirty="0"/>
+              <a:t>Framework </a:t>
+            </a:r>
+            <a:r>
+              <a:rPr lang="ru-RU" sz="2000" b="1" dirty="0" err="1" smtClean="0"/>
+              <a:t>Core</a:t>
+            </a:r>
+            <a:r>
+              <a:rPr lang="ru-RU" sz="2000" b="1" dirty="0" smtClean="0"/>
+              <a:t> </a:t>
+            </a:r>
+          </a:p>
+          <a:p>
+            <a:pPr algn="just"/>
+            <a:r>
+              <a:rPr lang="ru-RU" sz="2000" b="1" dirty="0" smtClean="0"/>
+              <a:t> </a:t>
+            </a:r>
+          </a:p>
+          <a:p>
+            <a:pPr marL="342900" indent="-342900" algn="just">
+              <a:buFont typeface="Arial" panose="020B0604020202020204" pitchFamily="34" charset="0"/>
+              <a:buChar char="•"/>
+            </a:pPr>
+            <a:r>
+              <a:rPr lang="ru-RU" sz="2000" dirty="0" smtClean="0"/>
+              <a:t>Современный и гибкий фреймворк  </a:t>
+            </a:r>
+          </a:p>
+          <a:p>
+            <a:pPr marL="342900" indent="-342900" algn="just">
+              <a:buFont typeface="Arial" panose="020B0604020202020204" pitchFamily="34" charset="0"/>
+              <a:buChar char="•"/>
+            </a:pPr>
+            <a:r>
+              <a:rPr lang="ru-RU" sz="2000" dirty="0" smtClean="0"/>
+              <a:t>Развитая экосистема  </a:t>
+            </a:r>
+          </a:p>
+          <a:p>
+            <a:pPr marL="342900" indent="-342900" algn="just">
+              <a:buFont typeface="Arial" panose="020B0604020202020204" pitchFamily="34" charset="0"/>
+              <a:buChar char="•"/>
+            </a:pPr>
+            <a:r>
+              <a:rPr lang="ru-RU" sz="2000" dirty="0" smtClean="0"/>
+              <a:t>Упрощает </a:t>
+            </a:r>
+            <a:r>
+              <a:rPr lang="ru-RU" sz="2000" dirty="0"/>
+              <a:t>разработку и сокращает время на рутинные операции</a:t>
+            </a:r>
+          </a:p>
+        </p:txBody>
+      </p:sp>
+      <p:pic>
+        <p:nvPicPr>
+          <p:cNvPr id="17" name="Рисунок 16">
+            <a:extLst>
+              <a:ext uri="{FF2B5EF4-FFF2-40B4-BE49-F238E27FC236}">
+                <a16:creationId xmlns:a16="http://schemas.microsoft.com/office/drawing/2014/main" xmlns="" id="{828FB7BC-5A7C-6A69-5802-7887E502C706}"/>
               </a:ext>
             </a:extLst>
           </p:cNvPr>
@@ -7425,7 +9209,7 @@
           <p:nvPr/>
         </p:nvPicPr>
         <p:blipFill>
-          <a:blip r:embed="rId3" cstate="print">
+          <a:blip r:embed="rId4" cstate="print">
             <a:extLst>
               <a:ext uri="{28A0092B-C50C-407E-A947-70E740481C1C}">
                 <a14:useLocalDpi xmlns:a14="http://schemas.microsoft.com/office/drawing/2010/main" val="0"/>
@@ -7453,134 +9237,23 @@
           </a:effectLst>
         </p:spPr>
       </p:pic>
-      <p:sp>
-        <p:nvSpPr>
-          <p:cNvPr id="5" name="Заголовок 4">
-            <a:extLst>
-              <a:ext uri="{FF2B5EF4-FFF2-40B4-BE49-F238E27FC236}">
-                <a16:creationId xmlns:a16="http://schemas.microsoft.com/office/drawing/2014/main" id="{2D821327-D069-0580-52EE-BAE7E831FCAA}"/>
-              </a:ext>
-            </a:extLst>
-          </p:cNvPr>
-          <p:cNvSpPr>
-            <a:spLocks noGrp="1"/>
-          </p:cNvSpPr>
-          <p:nvPr>
-            <p:ph type="title"/>
-          </p:nvPr>
-        </p:nvSpPr>
-        <p:spPr>
-          <a:xfrm>
-            <a:off x="1027471" y="91104"/>
-            <a:ext cx="10515600" cy="842962"/>
-          </a:xfrm>
-        </p:spPr>
-        <p:txBody>
-          <a:bodyPr>
-            <a:normAutofit/>
-          </a:bodyPr>
-          <a:lstStyle/>
-          <a:p>
-            <a:pPr algn="ctr"/>
-            <a:r>
-              <a:rPr lang="ru-RU" sz="3200" b="1" dirty="0"/>
-              <a:t>ПРОЕКТИРОВАНИЕ ВЕБ-ПРИЛОЖЕНИЯ</a:t>
-            </a:r>
-          </a:p>
-        </p:txBody>
-      </p:sp>
-      <p:sp>
-        <p:nvSpPr>
-          <p:cNvPr id="6" name="Объект 5">
-            <a:extLst>
-              <a:ext uri="{FF2B5EF4-FFF2-40B4-BE49-F238E27FC236}">
-                <a16:creationId xmlns:a16="http://schemas.microsoft.com/office/drawing/2014/main" id="{E7CA67AF-E0D0-92F3-0180-7BF6872E8947}"/>
-              </a:ext>
-            </a:extLst>
-          </p:cNvPr>
-          <p:cNvSpPr>
-            <a:spLocks noGrp="1"/>
-          </p:cNvSpPr>
-          <p:nvPr>
-            <p:ph sz="half" idx="1"/>
-          </p:nvPr>
-        </p:nvSpPr>
-        <p:spPr>
-          <a:xfrm>
-            <a:off x="914399" y="5923935"/>
-            <a:ext cx="11031795" cy="707221"/>
-          </a:xfrm>
-        </p:spPr>
-        <p:txBody>
-          <a:bodyPr>
-            <a:normAutofit lnSpcReduction="10000"/>
-          </a:bodyPr>
-          <a:lstStyle/>
-          <a:p>
-            <a:pPr marL="0" indent="0" algn="just">
-              <a:buNone/>
-            </a:pPr>
-            <a:r>
-              <a:rPr lang="ru-RU" sz="2400" dirty="0">
-                <a:effectLst/>
-                <a:ea typeface="Calibri" panose="020F0502020204030204" pitchFamily="34" charset="0"/>
-              </a:rPr>
-              <a:t>Концептуальная модель базы данных, построенная с использованием нотации Мартина.</a:t>
-            </a:r>
-            <a:endParaRPr lang="ru-RU" dirty="0"/>
-          </a:p>
-        </p:txBody>
-      </p:sp>
-      <p:pic>
-        <p:nvPicPr>
-          <p:cNvPr id="8" name="Рисунок 7">
-            <a:extLst>
-              <a:ext uri="{FF2B5EF4-FFF2-40B4-BE49-F238E27FC236}">
-                <a16:creationId xmlns:a16="http://schemas.microsoft.com/office/drawing/2014/main" id="{966198B4-8B99-C49A-1422-CC68E167F8D0}"/>
-              </a:ext>
-            </a:extLst>
-          </p:cNvPr>
-          <p:cNvPicPr>
-            <a:picLocks noChangeAspect="1"/>
-          </p:cNvPicPr>
-          <p:nvPr/>
-        </p:nvPicPr>
-        <p:blipFill>
-          <a:blip r:embed="rId4"/>
-          <a:stretch>
-            <a:fillRect/>
-          </a:stretch>
-        </p:blipFill>
-        <p:spPr>
-          <a:xfrm>
-            <a:off x="1926151" y="934065"/>
-            <a:ext cx="8829223" cy="4729315"/>
-          </a:xfrm>
-          <a:prstGeom prst="rect">
-            <a:avLst/>
-          </a:prstGeom>
-          <a:ln>
-            <a:noFill/>
-          </a:ln>
-          <a:effectLst>
-            <a:outerShdw blurRad="292100" dist="139700" dir="2700000" algn="tl" rotWithShape="0">
-              <a:srgbClr val="333333">
-                <a:alpha val="65000"/>
-              </a:srgbClr>
-            </a:outerShdw>
-          </a:effectLst>
-        </p:spPr>
-      </p:pic>
     </p:spTree>
     <p:extLst>
       <p:ext uri="{BB962C8B-B14F-4D97-AF65-F5344CB8AC3E}">
-        <p14:creationId xmlns:p14="http://schemas.microsoft.com/office/powerpoint/2010/main" val="824568072"/>
+        <p14:creationId xmlns:p14="http://schemas.microsoft.com/office/powerpoint/2010/main" val="3417280905"/>
       </p:ext>
     </p:extLst>
   </p:cSld>
   <p:clrMapOvr>
     <a:masterClrMapping/>
   </p:clrMapOvr>
+  <p:timing>
+    <p:tnLst>
+      <p:par>
+        <p:cTn id="1" dur="indefinite" restart="never" nodeType="tmRoot"/>
+      </p:par>
+    </p:tnLst>
+  </p:timing>
 </p:sld>
 </file>
 
@@ -7873,7 +9546,7 @@
   <a:extraClrSchemeLst/>
   <a:extLst>
     <a:ext uri="{05A4C25C-085E-4340-85A3-A5531E510DB2}">
-      <thm15:themeFamily xmlns:thm15="http://schemas.microsoft.com/office/thememl/2012/main" name="Office Theme" id="{62F939B6-93AF-4DB8-9C6B-D6C7DFDC589F}" vid="{4A3C46E8-61CC-4603-A589-7422A47A8E4A}"/>
+      <thm15:themeFamily xmlns:thm15="http://schemas.microsoft.com/office/thememl/2012/main" xmlns="" name="Office Theme" id="{62F939B6-93AF-4DB8-9C6B-D6C7DFDC589F}" vid="{4A3C46E8-61CC-4603-A589-7422A47A8E4A}"/>
     </a:ext>
   </a:extLst>
 </a:theme>
@@ -8168,7 +9841,7 @@
   <a:extraClrSchemeLst/>
   <a:extLst>
     <a:ext uri="{05A4C25C-085E-4340-85A3-A5531E510DB2}">
-      <thm15:themeFamily xmlns:thm15="http://schemas.microsoft.com/office/thememl/2012/main" name="Office Theme" id="{62F939B6-93AF-4DB8-9C6B-D6C7DFDC589F}" vid="{4A3C46E8-61CC-4603-A589-7422A47A8E4A}"/>
+      <thm15:themeFamily xmlns:thm15="http://schemas.microsoft.com/office/thememl/2012/main" xmlns="" name="Office Theme" id="{62F939B6-93AF-4DB8-9C6B-D6C7DFDC589F}" vid="{4A3C46E8-61CC-4603-A589-7422A47A8E4A}"/>
     </a:ext>
   </a:extLst>
 </a:theme>
